--- a/Pharmaceutical and medical supplies.pptx
+++ b/Pharmaceutical and medical supplies.pptx
@@ -5,7 +5,7 @@
     <p:sldMasterId id="2147483648" r:id="rId1"/>
   </p:sldMasterIdLst>
   <p:notesMasterIdLst>
-    <p:notesMasterId r:id="rId7"/>
+    <p:notesMasterId r:id="rId8"/>
   </p:notesMasterIdLst>
   <p:sldIdLst>
     <p:sldId id="256" r:id="rId2"/>
@@ -13,6 +13,7 @@
     <p:sldId id="258" r:id="rId4"/>
     <p:sldId id="259" r:id="rId5"/>
     <p:sldId id="260" r:id="rId6"/>
+    <p:sldId id="261" r:id="rId7"/>
   </p:sldIdLst>
   <p:sldSz cx="12192000" cy="6858000"/>
   <p:notesSz cx="6858000" cy="9144000"/>
@@ -1624,813 +1625,6 @@
 </dgm:colorsDef>
 </file>
 
-<file path=ppt/diagrams/colors3.xml><?xml version="1.0" encoding="utf-8"?>
-<dgm:colorsDef xmlns:dgm="http://schemas.openxmlformats.org/drawingml/2006/diagram" xmlns:a="http://schemas.openxmlformats.org/drawingml/2006/main" uniqueId="urn:microsoft.com/office/officeart/2005/8/colors/accent1_1">
-  <dgm:title val=""/>
-  <dgm:desc val=""/>
-  <dgm:catLst>
-    <dgm:cat type="accent1" pri="11100"/>
-  </dgm:catLst>
-  <dgm:styleLbl name="node0">
-    <dgm:fillClrLst meth="repeat">
-      <a:schemeClr val="lt1"/>
-    </dgm:fillClrLst>
-    <dgm:linClrLst meth="repeat">
-      <a:schemeClr val="accent1">
-        <a:shade val="80000"/>
-      </a:schemeClr>
-    </dgm:linClrLst>
-    <dgm:effectClrLst/>
-    <dgm:txLinClrLst/>
-    <dgm:txFillClrLst meth="repeat">
-      <a:schemeClr val="dk1"/>
-    </dgm:txFillClrLst>
-    <dgm:txEffectClrLst/>
-  </dgm:styleLbl>
-  <dgm:styleLbl name="alignNode1">
-    <dgm:fillClrLst meth="repeat">
-      <a:schemeClr val="lt1"/>
-    </dgm:fillClrLst>
-    <dgm:linClrLst meth="repeat">
-      <a:schemeClr val="accent1">
-        <a:shade val="80000"/>
-      </a:schemeClr>
-    </dgm:linClrLst>
-    <dgm:effectClrLst/>
-    <dgm:txLinClrLst/>
-    <dgm:txFillClrLst meth="repeat">
-      <a:schemeClr val="dk1"/>
-    </dgm:txFillClrLst>
-    <dgm:txEffectClrLst/>
-  </dgm:styleLbl>
-  <dgm:styleLbl name="node1">
-    <dgm:fillClrLst meth="repeat">
-      <a:schemeClr val="lt1"/>
-    </dgm:fillClrLst>
-    <dgm:linClrLst meth="repeat">
-      <a:schemeClr val="accent1">
-        <a:shade val="80000"/>
-      </a:schemeClr>
-    </dgm:linClrLst>
-    <dgm:effectClrLst/>
-    <dgm:txLinClrLst/>
-    <dgm:txFillClrLst meth="repeat">
-      <a:schemeClr val="dk1"/>
-    </dgm:txFillClrLst>
-    <dgm:txEffectClrLst/>
-  </dgm:styleLbl>
-  <dgm:styleLbl name="lnNode1">
-    <dgm:fillClrLst meth="repeat">
-      <a:schemeClr val="lt1"/>
-    </dgm:fillClrLst>
-    <dgm:linClrLst meth="repeat">
-      <a:schemeClr val="accent1">
-        <a:shade val="80000"/>
-      </a:schemeClr>
-    </dgm:linClrLst>
-    <dgm:effectClrLst/>
-    <dgm:txLinClrLst/>
-    <dgm:txFillClrLst meth="repeat">
-      <a:schemeClr val="dk1"/>
-    </dgm:txFillClrLst>
-    <dgm:txEffectClrLst/>
-  </dgm:styleLbl>
-  <dgm:styleLbl name="vennNode1">
-    <dgm:fillClrLst meth="repeat">
-      <a:schemeClr val="lt1">
-        <a:alpha val="50000"/>
-      </a:schemeClr>
-    </dgm:fillClrLst>
-    <dgm:linClrLst meth="repeat">
-      <a:schemeClr val="accent1">
-        <a:shade val="80000"/>
-      </a:schemeClr>
-    </dgm:linClrLst>
-    <dgm:effectClrLst/>
-    <dgm:txLinClrLst/>
-    <dgm:txFillClrLst/>
-    <dgm:txEffectClrLst/>
-  </dgm:styleLbl>
-  <dgm:styleLbl name="node2">
-    <dgm:fillClrLst meth="repeat">
-      <a:schemeClr val="lt1"/>
-    </dgm:fillClrLst>
-    <dgm:linClrLst meth="repeat">
-      <a:schemeClr val="accent1">
-        <a:shade val="80000"/>
-      </a:schemeClr>
-    </dgm:linClrLst>
-    <dgm:effectClrLst/>
-    <dgm:txLinClrLst/>
-    <dgm:txFillClrLst meth="repeat">
-      <a:schemeClr val="dk1"/>
-    </dgm:txFillClrLst>
-    <dgm:txEffectClrLst/>
-  </dgm:styleLbl>
-  <dgm:styleLbl name="node3">
-    <dgm:fillClrLst meth="repeat">
-      <a:schemeClr val="lt1"/>
-    </dgm:fillClrLst>
-    <dgm:linClrLst meth="repeat">
-      <a:schemeClr val="accent1">
-        <a:shade val="80000"/>
-      </a:schemeClr>
-    </dgm:linClrLst>
-    <dgm:effectClrLst/>
-    <dgm:txLinClrLst/>
-    <dgm:txFillClrLst meth="repeat">
-      <a:schemeClr val="dk1"/>
-    </dgm:txFillClrLst>
-    <dgm:txEffectClrLst/>
-  </dgm:styleLbl>
-  <dgm:styleLbl name="node4">
-    <dgm:fillClrLst meth="repeat">
-      <a:schemeClr val="lt1"/>
-    </dgm:fillClrLst>
-    <dgm:linClrLst meth="repeat">
-      <a:schemeClr val="accent1">
-        <a:shade val="80000"/>
-      </a:schemeClr>
-    </dgm:linClrLst>
-    <dgm:effectClrLst/>
-    <dgm:txLinClrLst/>
-    <dgm:txFillClrLst meth="repeat">
-      <a:schemeClr val="dk1"/>
-    </dgm:txFillClrLst>
-    <dgm:txEffectClrLst/>
-  </dgm:styleLbl>
-  <dgm:styleLbl name="fgImgPlace1">
-    <dgm:fillClrLst meth="repeat">
-      <a:schemeClr val="accent1">
-        <a:tint val="40000"/>
-      </a:schemeClr>
-    </dgm:fillClrLst>
-    <dgm:linClrLst meth="repeat">
-      <a:schemeClr val="accent1">
-        <a:shade val="80000"/>
-      </a:schemeClr>
-    </dgm:linClrLst>
-    <dgm:effectClrLst/>
-    <dgm:txLinClrLst/>
-    <dgm:txFillClrLst meth="repeat">
-      <a:schemeClr val="lt1"/>
-    </dgm:txFillClrLst>
-    <dgm:txEffectClrLst/>
-  </dgm:styleLbl>
-  <dgm:styleLbl name="alignImgPlace1">
-    <dgm:fillClrLst meth="repeat">
-      <a:schemeClr val="accent1">
-        <a:tint val="40000"/>
-      </a:schemeClr>
-    </dgm:fillClrLst>
-    <dgm:linClrLst meth="repeat">
-      <a:schemeClr val="accent1">
-        <a:shade val="80000"/>
-      </a:schemeClr>
-    </dgm:linClrLst>
-    <dgm:effectClrLst/>
-    <dgm:txLinClrLst/>
-    <dgm:txFillClrLst meth="repeat">
-      <a:schemeClr val="lt1"/>
-    </dgm:txFillClrLst>
-    <dgm:txEffectClrLst/>
-  </dgm:styleLbl>
-  <dgm:styleLbl name="bgImgPlace1">
-    <dgm:fillClrLst meth="repeat">
-      <a:schemeClr val="accent1">
-        <a:tint val="40000"/>
-      </a:schemeClr>
-    </dgm:fillClrLst>
-    <dgm:linClrLst meth="repeat">
-      <a:schemeClr val="accent1">
-        <a:shade val="80000"/>
-      </a:schemeClr>
-    </dgm:linClrLst>
-    <dgm:effectClrLst/>
-    <dgm:txLinClrLst/>
-    <dgm:txFillClrLst meth="repeat">
-      <a:schemeClr val="lt1"/>
-    </dgm:txFillClrLst>
-    <dgm:txEffectClrLst/>
-  </dgm:styleLbl>
-  <dgm:styleLbl name="sibTrans2D1">
-    <dgm:fillClrLst meth="repeat">
-      <a:schemeClr val="accent1">
-        <a:tint val="60000"/>
-      </a:schemeClr>
-    </dgm:fillClrLst>
-    <dgm:linClrLst meth="repeat">
-      <a:schemeClr val="accent1">
-        <a:tint val="60000"/>
-      </a:schemeClr>
-    </dgm:linClrLst>
-    <dgm:effectClrLst/>
-    <dgm:txLinClrLst/>
-    <dgm:txFillClrLst meth="repeat">
-      <a:schemeClr val="dk1"/>
-    </dgm:txFillClrLst>
-    <dgm:txEffectClrLst/>
-  </dgm:styleLbl>
-  <dgm:styleLbl name="fgSibTrans2D1">
-    <dgm:fillClrLst meth="repeat">
-      <a:schemeClr val="accent1">
-        <a:tint val="60000"/>
-      </a:schemeClr>
-    </dgm:fillClrLst>
-    <dgm:linClrLst meth="repeat">
-      <a:schemeClr val="accent1">
-        <a:tint val="60000"/>
-      </a:schemeClr>
-    </dgm:linClrLst>
-    <dgm:effectClrLst/>
-    <dgm:txLinClrLst/>
-    <dgm:txFillClrLst meth="repeat">
-      <a:schemeClr val="dk1"/>
-    </dgm:txFillClrLst>
-    <dgm:txEffectClrLst/>
-  </dgm:styleLbl>
-  <dgm:styleLbl name="bgSibTrans2D1">
-    <dgm:fillClrLst meth="repeat">
-      <a:schemeClr val="accent1">
-        <a:tint val="60000"/>
-      </a:schemeClr>
-    </dgm:fillClrLst>
-    <dgm:linClrLst meth="repeat">
-      <a:schemeClr val="accent1">
-        <a:tint val="60000"/>
-      </a:schemeClr>
-    </dgm:linClrLst>
-    <dgm:effectClrLst/>
-    <dgm:txLinClrLst/>
-    <dgm:txFillClrLst meth="repeat">
-      <a:schemeClr val="dk1"/>
-    </dgm:txFillClrLst>
-    <dgm:txEffectClrLst/>
-  </dgm:styleLbl>
-  <dgm:styleLbl name="sibTrans1D1">
-    <dgm:fillClrLst meth="repeat">
-      <a:schemeClr val="accent1"/>
-    </dgm:fillClrLst>
-    <dgm:linClrLst meth="repeat">
-      <a:schemeClr val="accent1"/>
-    </dgm:linClrLst>
-    <dgm:effectClrLst/>
-    <dgm:txLinClrLst/>
-    <dgm:txFillClrLst meth="repeat">
-      <a:schemeClr val="tx1"/>
-    </dgm:txFillClrLst>
-    <dgm:txEffectClrLst/>
-  </dgm:styleLbl>
-  <dgm:styleLbl name="callout">
-    <dgm:fillClrLst meth="repeat">
-      <a:schemeClr val="accent1"/>
-    </dgm:fillClrLst>
-    <dgm:linClrLst meth="repeat">
-      <a:schemeClr val="accent1"/>
-    </dgm:linClrLst>
-    <dgm:effectClrLst/>
-    <dgm:txLinClrLst/>
-    <dgm:txFillClrLst meth="repeat">
-      <a:schemeClr val="tx1"/>
-    </dgm:txFillClrLst>
-    <dgm:txEffectClrLst/>
-  </dgm:styleLbl>
-  <dgm:styleLbl name="asst0">
-    <dgm:fillClrLst meth="repeat">
-      <a:schemeClr val="lt1"/>
-    </dgm:fillClrLst>
-    <dgm:linClrLst meth="repeat">
-      <a:schemeClr val="accent1">
-        <a:shade val="80000"/>
-      </a:schemeClr>
-    </dgm:linClrLst>
-    <dgm:effectClrLst/>
-    <dgm:txLinClrLst/>
-    <dgm:txFillClrLst meth="repeat">
-      <a:schemeClr val="dk1"/>
-    </dgm:txFillClrLst>
-    <dgm:txEffectClrLst/>
-  </dgm:styleLbl>
-  <dgm:styleLbl name="asst1">
-    <dgm:fillClrLst meth="repeat">
-      <a:schemeClr val="lt1"/>
-    </dgm:fillClrLst>
-    <dgm:linClrLst meth="repeat">
-      <a:schemeClr val="accent1">
-        <a:shade val="80000"/>
-      </a:schemeClr>
-    </dgm:linClrLst>
-    <dgm:effectClrLst/>
-    <dgm:txLinClrLst/>
-    <dgm:txFillClrLst meth="repeat">
-      <a:schemeClr val="dk1"/>
-    </dgm:txFillClrLst>
-    <dgm:txEffectClrLst/>
-  </dgm:styleLbl>
-  <dgm:styleLbl name="asst2">
-    <dgm:fillClrLst meth="repeat">
-      <a:schemeClr val="lt1"/>
-    </dgm:fillClrLst>
-    <dgm:linClrLst meth="repeat">
-      <a:schemeClr val="accent1">
-        <a:shade val="80000"/>
-      </a:schemeClr>
-    </dgm:linClrLst>
-    <dgm:effectClrLst/>
-    <dgm:txLinClrLst/>
-    <dgm:txFillClrLst meth="repeat">
-      <a:schemeClr val="dk1"/>
-    </dgm:txFillClrLst>
-    <dgm:txEffectClrLst/>
-  </dgm:styleLbl>
-  <dgm:styleLbl name="asst3">
-    <dgm:fillClrLst meth="repeat">
-      <a:schemeClr val="lt1"/>
-    </dgm:fillClrLst>
-    <dgm:linClrLst meth="repeat">
-      <a:schemeClr val="accent1">
-        <a:shade val="80000"/>
-      </a:schemeClr>
-    </dgm:linClrLst>
-    <dgm:effectClrLst/>
-    <dgm:txLinClrLst/>
-    <dgm:txFillClrLst meth="repeat">
-      <a:schemeClr val="dk1"/>
-    </dgm:txFillClrLst>
-    <dgm:txEffectClrLst/>
-  </dgm:styleLbl>
-  <dgm:styleLbl name="asst4">
-    <dgm:fillClrLst meth="repeat">
-      <a:schemeClr val="lt1"/>
-    </dgm:fillClrLst>
-    <dgm:linClrLst meth="repeat">
-      <a:schemeClr val="accent1">
-        <a:shade val="80000"/>
-      </a:schemeClr>
-    </dgm:linClrLst>
-    <dgm:effectClrLst/>
-    <dgm:txLinClrLst/>
-    <dgm:txFillClrLst meth="repeat">
-      <a:schemeClr val="dk1"/>
-    </dgm:txFillClrLst>
-    <dgm:txEffectClrLst/>
-  </dgm:styleLbl>
-  <dgm:styleLbl name="parChTrans2D1">
-    <dgm:fillClrLst meth="repeat">
-      <a:schemeClr val="accent1">
-        <a:tint val="60000"/>
-      </a:schemeClr>
-    </dgm:fillClrLst>
-    <dgm:linClrLst meth="repeat">
-      <a:schemeClr val="accent1">
-        <a:tint val="60000"/>
-      </a:schemeClr>
-    </dgm:linClrLst>
-    <dgm:effectClrLst/>
-    <dgm:txLinClrLst/>
-    <dgm:txFillClrLst/>
-    <dgm:txEffectClrLst/>
-  </dgm:styleLbl>
-  <dgm:styleLbl name="parChTrans2D2">
-    <dgm:fillClrLst meth="repeat">
-      <a:schemeClr val="accent1"/>
-    </dgm:fillClrLst>
-    <dgm:linClrLst meth="repeat">
-      <a:schemeClr val="accent1"/>
-    </dgm:linClrLst>
-    <dgm:effectClrLst/>
-    <dgm:txLinClrLst/>
-    <dgm:txFillClrLst/>
-    <dgm:txEffectClrLst/>
-  </dgm:styleLbl>
-  <dgm:styleLbl name="parChTrans2D3">
-    <dgm:fillClrLst meth="repeat">
-      <a:schemeClr val="accent1"/>
-    </dgm:fillClrLst>
-    <dgm:linClrLst meth="repeat">
-      <a:schemeClr val="accent1"/>
-    </dgm:linClrLst>
-    <dgm:effectClrLst/>
-    <dgm:txLinClrLst/>
-    <dgm:txFillClrLst/>
-    <dgm:txEffectClrLst/>
-  </dgm:styleLbl>
-  <dgm:styleLbl name="parChTrans2D4">
-    <dgm:fillClrLst meth="repeat">
-      <a:schemeClr val="accent1"/>
-    </dgm:fillClrLst>
-    <dgm:linClrLst meth="repeat">
-      <a:schemeClr val="accent1"/>
-    </dgm:linClrLst>
-    <dgm:effectClrLst/>
-    <dgm:txLinClrLst/>
-    <dgm:txFillClrLst meth="repeat">
-      <a:schemeClr val="lt1"/>
-    </dgm:txFillClrLst>
-    <dgm:txEffectClrLst/>
-  </dgm:styleLbl>
-  <dgm:styleLbl name="parChTrans1D1">
-    <dgm:fillClrLst meth="repeat">
-      <a:schemeClr val="accent1"/>
-    </dgm:fillClrLst>
-    <dgm:linClrLst meth="repeat">
-      <a:schemeClr val="accent1">
-        <a:shade val="60000"/>
-      </a:schemeClr>
-    </dgm:linClrLst>
-    <dgm:effectClrLst/>
-    <dgm:txLinClrLst/>
-    <dgm:txFillClrLst meth="repeat">
-      <a:schemeClr val="tx1"/>
-    </dgm:txFillClrLst>
-    <dgm:txEffectClrLst/>
-  </dgm:styleLbl>
-  <dgm:styleLbl name="parChTrans1D2">
-    <dgm:fillClrLst meth="repeat">
-      <a:schemeClr val="accent1"/>
-    </dgm:fillClrLst>
-    <dgm:linClrLst meth="repeat">
-      <a:schemeClr val="accent1">
-        <a:shade val="60000"/>
-      </a:schemeClr>
-    </dgm:linClrLst>
-    <dgm:effectClrLst/>
-    <dgm:txLinClrLst/>
-    <dgm:txFillClrLst meth="repeat">
-      <a:schemeClr val="tx1"/>
-    </dgm:txFillClrLst>
-    <dgm:txEffectClrLst/>
-  </dgm:styleLbl>
-  <dgm:styleLbl name="parChTrans1D3">
-    <dgm:fillClrLst meth="repeat">
-      <a:schemeClr val="accent1"/>
-    </dgm:fillClrLst>
-    <dgm:linClrLst meth="repeat">
-      <a:schemeClr val="accent1">
-        <a:shade val="80000"/>
-      </a:schemeClr>
-    </dgm:linClrLst>
-    <dgm:effectClrLst/>
-    <dgm:txLinClrLst/>
-    <dgm:txFillClrLst meth="repeat">
-      <a:schemeClr val="tx1"/>
-    </dgm:txFillClrLst>
-    <dgm:txEffectClrLst/>
-  </dgm:styleLbl>
-  <dgm:styleLbl name="parChTrans1D4">
-    <dgm:fillClrLst meth="repeat">
-      <a:schemeClr val="accent1"/>
-    </dgm:fillClrLst>
-    <dgm:linClrLst meth="repeat">
-      <a:schemeClr val="accent1">
-        <a:shade val="80000"/>
-      </a:schemeClr>
-    </dgm:linClrLst>
-    <dgm:effectClrLst/>
-    <dgm:txLinClrLst/>
-    <dgm:txFillClrLst meth="repeat">
-      <a:schemeClr val="tx1"/>
-    </dgm:txFillClrLst>
-    <dgm:txEffectClrLst/>
-  </dgm:styleLbl>
-  <dgm:styleLbl name="fgAcc1">
-    <dgm:fillClrLst meth="repeat">
-      <a:schemeClr val="accent1">
-        <a:alpha val="90000"/>
-        <a:tint val="40000"/>
-      </a:schemeClr>
-    </dgm:fillClrLst>
-    <dgm:linClrLst meth="repeat">
-      <a:schemeClr val="accent1"/>
-    </dgm:linClrLst>
-    <dgm:effectClrLst/>
-    <dgm:txLinClrLst/>
-    <dgm:txFillClrLst meth="repeat">
-      <a:schemeClr val="dk1"/>
-    </dgm:txFillClrLst>
-    <dgm:txEffectClrLst/>
-  </dgm:styleLbl>
-  <dgm:styleLbl name="conFgAcc1">
-    <dgm:fillClrLst meth="repeat">
-      <a:schemeClr val="accent1">
-        <a:alpha val="90000"/>
-        <a:tint val="40000"/>
-      </a:schemeClr>
-    </dgm:fillClrLst>
-    <dgm:linClrLst meth="repeat">
-      <a:schemeClr val="accent1"/>
-    </dgm:linClrLst>
-    <dgm:effectClrLst/>
-    <dgm:txLinClrLst/>
-    <dgm:txFillClrLst meth="repeat">
-      <a:schemeClr val="dk1"/>
-    </dgm:txFillClrLst>
-    <dgm:txEffectClrLst/>
-  </dgm:styleLbl>
-  <dgm:styleLbl name="alignAcc1">
-    <dgm:fillClrLst meth="repeat">
-      <a:schemeClr val="accent1">
-        <a:alpha val="90000"/>
-        <a:tint val="40000"/>
-      </a:schemeClr>
-    </dgm:fillClrLst>
-    <dgm:linClrLst meth="repeat">
-      <a:schemeClr val="accent1"/>
-    </dgm:linClrLst>
-    <dgm:effectClrLst/>
-    <dgm:txLinClrLst/>
-    <dgm:txFillClrLst meth="repeat">
-      <a:schemeClr val="dk1"/>
-    </dgm:txFillClrLst>
-    <dgm:txEffectClrLst/>
-  </dgm:styleLbl>
-  <dgm:styleLbl name="trAlignAcc1">
-    <dgm:fillClrLst meth="repeat">
-      <a:schemeClr val="accent1">
-        <a:alpha val="40000"/>
-        <a:tint val="40000"/>
-      </a:schemeClr>
-    </dgm:fillClrLst>
-    <dgm:linClrLst meth="repeat">
-      <a:schemeClr val="accent1"/>
-    </dgm:linClrLst>
-    <dgm:effectClrLst/>
-    <dgm:txLinClrLst/>
-    <dgm:txFillClrLst meth="repeat">
-      <a:schemeClr val="dk1"/>
-    </dgm:txFillClrLst>
-    <dgm:txEffectClrLst/>
-  </dgm:styleLbl>
-  <dgm:styleLbl name="bgAcc1">
-    <dgm:fillClrLst meth="repeat">
-      <a:schemeClr val="accent1">
-        <a:alpha val="90000"/>
-        <a:tint val="40000"/>
-      </a:schemeClr>
-    </dgm:fillClrLst>
-    <dgm:linClrLst meth="repeat">
-      <a:schemeClr val="accent1"/>
-    </dgm:linClrLst>
-    <dgm:effectClrLst/>
-    <dgm:txLinClrLst/>
-    <dgm:txFillClrLst meth="repeat">
-      <a:schemeClr val="dk1"/>
-    </dgm:txFillClrLst>
-    <dgm:txEffectClrLst/>
-  </dgm:styleLbl>
-  <dgm:styleLbl name="solidFgAcc1">
-    <dgm:fillClrLst meth="repeat">
-      <a:schemeClr val="lt1"/>
-    </dgm:fillClrLst>
-    <dgm:linClrLst meth="repeat">
-      <a:schemeClr val="accent1"/>
-    </dgm:linClrLst>
-    <dgm:effectClrLst/>
-    <dgm:txLinClrLst/>
-    <dgm:txFillClrLst meth="repeat">
-      <a:schemeClr val="dk1"/>
-    </dgm:txFillClrLst>
-    <dgm:txEffectClrLst/>
-  </dgm:styleLbl>
-  <dgm:styleLbl name="solidAlignAcc1">
-    <dgm:fillClrLst meth="repeat">
-      <a:schemeClr val="lt1"/>
-    </dgm:fillClrLst>
-    <dgm:linClrLst meth="repeat">
-      <a:schemeClr val="accent1"/>
-    </dgm:linClrLst>
-    <dgm:effectClrLst/>
-    <dgm:txLinClrLst/>
-    <dgm:txFillClrLst meth="repeat">
-      <a:schemeClr val="dk1"/>
-    </dgm:txFillClrLst>
-    <dgm:txEffectClrLst/>
-  </dgm:styleLbl>
-  <dgm:styleLbl name="solidBgAcc1">
-    <dgm:fillClrLst meth="repeat">
-      <a:schemeClr val="lt1"/>
-    </dgm:fillClrLst>
-    <dgm:linClrLst meth="repeat">
-      <a:schemeClr val="accent1"/>
-    </dgm:linClrLst>
-    <dgm:effectClrLst/>
-    <dgm:txLinClrLst/>
-    <dgm:txFillClrLst meth="repeat">
-      <a:schemeClr val="dk1"/>
-    </dgm:txFillClrLst>
-    <dgm:txEffectClrLst/>
-  </dgm:styleLbl>
-  <dgm:styleLbl name="fgAccFollowNode1">
-    <dgm:fillClrLst meth="repeat">
-      <a:schemeClr val="lt1">
-        <a:alpha val="90000"/>
-        <a:tint val="40000"/>
-      </a:schemeClr>
-    </dgm:fillClrLst>
-    <dgm:linClrLst meth="repeat">
-      <a:schemeClr val="accent1">
-        <a:alpha val="90000"/>
-      </a:schemeClr>
-    </dgm:linClrLst>
-    <dgm:effectClrLst/>
-    <dgm:txLinClrLst/>
-    <dgm:txFillClrLst meth="repeat">
-      <a:schemeClr val="dk1"/>
-    </dgm:txFillClrLst>
-    <dgm:txEffectClrLst/>
-  </dgm:styleLbl>
-  <dgm:styleLbl name="alignAccFollowNode1">
-    <dgm:fillClrLst meth="repeat">
-      <a:schemeClr val="lt1">
-        <a:alpha val="90000"/>
-        <a:tint val="40000"/>
-      </a:schemeClr>
-    </dgm:fillClrLst>
-    <dgm:linClrLst meth="repeat">
-      <a:schemeClr val="accent1">
-        <a:alpha val="90000"/>
-      </a:schemeClr>
-    </dgm:linClrLst>
-    <dgm:effectClrLst/>
-    <dgm:txLinClrLst/>
-    <dgm:txFillClrLst meth="repeat">
-      <a:schemeClr val="dk1"/>
-    </dgm:txFillClrLst>
-    <dgm:txEffectClrLst/>
-  </dgm:styleLbl>
-  <dgm:styleLbl name="bgAccFollowNode1">
-    <dgm:fillClrLst meth="repeat">
-      <a:schemeClr val="lt1">
-        <a:alpha val="90000"/>
-        <a:tint val="40000"/>
-      </a:schemeClr>
-    </dgm:fillClrLst>
-    <dgm:linClrLst meth="repeat">
-      <a:schemeClr val="accent1">
-        <a:alpha val="90000"/>
-      </a:schemeClr>
-    </dgm:linClrLst>
-    <dgm:effectClrLst/>
-    <dgm:txLinClrLst/>
-    <dgm:txFillClrLst meth="repeat">
-      <a:schemeClr val="dk1"/>
-    </dgm:txFillClrLst>
-    <dgm:txEffectClrLst/>
-  </dgm:styleLbl>
-  <dgm:styleLbl name="fgAcc0">
-    <dgm:fillClrLst meth="repeat">
-      <a:schemeClr val="accent1">
-        <a:alpha val="90000"/>
-        <a:tint val="40000"/>
-      </a:schemeClr>
-    </dgm:fillClrLst>
-    <dgm:linClrLst meth="repeat">
-      <a:schemeClr val="accent1"/>
-    </dgm:linClrLst>
-    <dgm:effectClrLst/>
-    <dgm:txLinClrLst/>
-    <dgm:txFillClrLst meth="repeat">
-      <a:schemeClr val="dk1"/>
-    </dgm:txFillClrLst>
-    <dgm:txEffectClrLst/>
-  </dgm:styleLbl>
-  <dgm:styleLbl name="fgAcc2">
-    <dgm:fillClrLst meth="repeat">
-      <a:schemeClr val="accent1">
-        <a:alpha val="90000"/>
-        <a:tint val="40000"/>
-      </a:schemeClr>
-    </dgm:fillClrLst>
-    <dgm:linClrLst meth="repeat">
-      <a:schemeClr val="accent1"/>
-    </dgm:linClrLst>
-    <dgm:effectClrLst/>
-    <dgm:txLinClrLst/>
-    <dgm:txFillClrLst meth="repeat">
-      <a:schemeClr val="dk1"/>
-    </dgm:txFillClrLst>
-    <dgm:txEffectClrLst/>
-  </dgm:styleLbl>
-  <dgm:styleLbl name="fgAcc3">
-    <dgm:fillClrLst meth="repeat">
-      <a:schemeClr val="accent1">
-        <a:alpha val="90000"/>
-        <a:tint val="40000"/>
-      </a:schemeClr>
-    </dgm:fillClrLst>
-    <dgm:linClrLst meth="repeat">
-      <a:schemeClr val="accent1"/>
-    </dgm:linClrLst>
-    <dgm:effectClrLst/>
-    <dgm:txLinClrLst/>
-    <dgm:txFillClrLst meth="repeat">
-      <a:schemeClr val="dk1"/>
-    </dgm:txFillClrLst>
-    <dgm:txEffectClrLst/>
-  </dgm:styleLbl>
-  <dgm:styleLbl name="fgAcc4">
-    <dgm:fillClrLst meth="repeat">
-      <a:schemeClr val="accent1">
-        <a:alpha val="90000"/>
-        <a:tint val="40000"/>
-      </a:schemeClr>
-    </dgm:fillClrLst>
-    <dgm:linClrLst meth="repeat">
-      <a:schemeClr val="accent1"/>
-    </dgm:linClrLst>
-    <dgm:effectClrLst/>
-    <dgm:txLinClrLst/>
-    <dgm:txFillClrLst meth="repeat">
-      <a:schemeClr val="dk1"/>
-    </dgm:txFillClrLst>
-    <dgm:txEffectClrLst/>
-  </dgm:styleLbl>
-  <dgm:styleLbl name="bgShp">
-    <dgm:fillClrLst meth="repeat">
-      <a:schemeClr val="accent1">
-        <a:tint val="40000"/>
-      </a:schemeClr>
-    </dgm:fillClrLst>
-    <dgm:linClrLst meth="repeat">
-      <a:schemeClr val="accent1"/>
-    </dgm:linClrLst>
-    <dgm:effectClrLst/>
-    <dgm:txLinClrLst/>
-    <dgm:txFillClrLst meth="repeat">
-      <a:schemeClr val="dk1"/>
-    </dgm:txFillClrLst>
-    <dgm:txEffectClrLst/>
-  </dgm:styleLbl>
-  <dgm:styleLbl name="dkBgShp">
-    <dgm:fillClrLst meth="repeat">
-      <a:schemeClr val="accent1">
-        <a:shade val="80000"/>
-      </a:schemeClr>
-    </dgm:fillClrLst>
-    <dgm:linClrLst meth="repeat">
-      <a:schemeClr val="accent1"/>
-    </dgm:linClrLst>
-    <dgm:effectClrLst/>
-    <dgm:txLinClrLst/>
-    <dgm:txFillClrLst meth="repeat">
-      <a:schemeClr val="lt1"/>
-    </dgm:txFillClrLst>
-    <dgm:txEffectClrLst/>
-  </dgm:styleLbl>
-  <dgm:styleLbl name="trBgShp">
-    <dgm:fillClrLst meth="repeat">
-      <a:schemeClr val="accent1">
-        <a:tint val="50000"/>
-        <a:alpha val="40000"/>
-      </a:schemeClr>
-    </dgm:fillClrLst>
-    <dgm:linClrLst meth="repeat">
-      <a:schemeClr val="accent1"/>
-    </dgm:linClrLst>
-    <dgm:effectClrLst/>
-    <dgm:txLinClrLst/>
-    <dgm:txFillClrLst meth="repeat">
-      <a:schemeClr val="lt1"/>
-    </dgm:txFillClrLst>
-    <dgm:txEffectClrLst/>
-  </dgm:styleLbl>
-  <dgm:styleLbl name="fgShp">
-    <dgm:fillClrLst meth="repeat">
-      <a:schemeClr val="accent1">
-        <a:tint val="60000"/>
-      </a:schemeClr>
-    </dgm:fillClrLst>
-    <dgm:linClrLst meth="repeat">
-      <a:schemeClr val="lt1"/>
-    </dgm:linClrLst>
-    <dgm:effectClrLst/>
-    <dgm:txLinClrLst/>
-    <dgm:txFillClrLst meth="repeat">
-      <a:schemeClr val="dk1"/>
-    </dgm:txFillClrLst>
-    <dgm:txEffectClrLst/>
-  </dgm:styleLbl>
-  <dgm:styleLbl name="revTx">
-    <dgm:fillClrLst meth="repeat">
-      <a:schemeClr val="lt1">
-        <a:alpha val="0"/>
-      </a:schemeClr>
-    </dgm:fillClrLst>
-    <dgm:linClrLst meth="repeat">
-      <a:schemeClr val="dk1">
-        <a:alpha val="0"/>
-      </a:schemeClr>
-    </dgm:linClrLst>
-    <dgm:effectClrLst/>
-    <dgm:txLinClrLst/>
-    <dgm:txFillClrLst meth="repeat">
-      <a:schemeClr val="tx1"/>
-    </dgm:txFillClrLst>
-    <dgm:txEffectClrLst/>
-  </dgm:styleLbl>
-</dgm:colorsDef>
-</file>
-
 <file path=ppt/diagrams/data1.xml><?xml version="1.0" encoding="utf-8"?>
 <dgm:dataModel xmlns:dgm="http://schemas.openxmlformats.org/drawingml/2006/diagram" xmlns:a="http://schemas.openxmlformats.org/drawingml/2006/main">
   <dgm:ptLst>
@@ -2687,14 +1881,35 @@
     <dgm:pt modelId="{037B9D50-050F-4868-B82B-0130B7823274}" type="pres">
       <dgm:prSet presAssocID="{311BCBAC-410E-4B2E-80C9-5231E0C77F5A}" presName="connector1" presStyleLbl="sibTrans2D1" presStyleIdx="0" presStyleCnt="3"/>
       <dgm:spPr/>
+      <dgm:t>
+        <a:bodyPr/>
+        <a:lstStyle/>
+        <a:p>
+          <a:endParaRPr lang="en-US"/>
+        </a:p>
+      </dgm:t>
     </dgm:pt>
     <dgm:pt modelId="{16DE5727-12D6-4054-8F3D-0FC2E4F4CB62}" type="pres">
       <dgm:prSet presAssocID="{7C5BBB73-E66E-4E36-88A2-240B8488F9D7}" presName="connector2" presStyleLbl="sibTrans2D1" presStyleIdx="1" presStyleCnt="3" custLinFactNeighborX="-10576" custLinFactNeighborY="25987"/>
       <dgm:spPr/>
+      <dgm:t>
+        <a:bodyPr/>
+        <a:lstStyle/>
+        <a:p>
+          <a:endParaRPr lang="en-US"/>
+        </a:p>
+      </dgm:t>
     </dgm:pt>
     <dgm:pt modelId="{E2E67E04-603E-4837-B0D3-59EE415E4665}" type="pres">
       <dgm:prSet presAssocID="{43468FC0-5211-4AE6-A76E-C1EA6738359E}" presName="connector3" presStyleLbl="sibTrans2D1" presStyleIdx="2" presStyleCnt="3" custLinFactNeighborX="-11341" custLinFactNeighborY="24781"/>
       <dgm:spPr/>
+      <dgm:t>
+        <a:bodyPr/>
+        <a:lstStyle/>
+        <a:p>
+          <a:endParaRPr lang="en-US"/>
+        </a:p>
+      </dgm:t>
     </dgm:pt>
   </dgm:ptLst>
   <dgm:cxnLst>
@@ -2704,8 +1919,8 @@
     <dgm:cxn modelId="{B50F5364-FD35-4B22-BA84-40B5702F3B4C}" type="presOf" srcId="{43468FC0-5211-4AE6-A76E-C1EA6738359E}" destId="{E2E67E04-603E-4837-B0D3-59EE415E4665}" srcOrd="0" destOrd="0" presId="urn:microsoft.com/office/officeart/2005/8/layout/gear1"/>
     <dgm:cxn modelId="{03549B5D-5302-4EF1-8BC6-ACECFFF55436}" type="presOf" srcId="{0BFEDFE6-DF5F-42DD-A77E-60C68FAFC76D}" destId="{4B6108EC-E15C-4C0F-98D4-102CCDDF360C}" srcOrd="0" destOrd="0" presId="urn:microsoft.com/office/officeart/2005/8/layout/gear1"/>
     <dgm:cxn modelId="{D4B91D7B-19B1-4D26-A6A5-6007D71904CF}" type="presOf" srcId="{0BFEDFE6-DF5F-42DD-A77E-60C68FAFC76D}" destId="{35C846D0-9211-4D51-B8BF-9A0D1933CA95}" srcOrd="3" destOrd="0" presId="urn:microsoft.com/office/officeart/2005/8/layout/gear1"/>
+    <dgm:cxn modelId="{219CA8CD-175C-4B78-87C7-F3CC84196A93}" type="presOf" srcId="{0BFEDFE6-DF5F-42DD-A77E-60C68FAFC76D}" destId="{E0EA113C-BCD5-4596-8B69-3FB1D687023D}" srcOrd="2" destOrd="0" presId="urn:microsoft.com/office/officeart/2005/8/layout/gear1"/>
     <dgm:cxn modelId="{983487D9-0181-4445-81D1-F828B57FAE01}" srcId="{60177FC3-F134-4842-A501-84CC9562B057}" destId="{C5987FDD-1E7D-418C-AC78-C45B36B1E9AA}" srcOrd="0" destOrd="0" parTransId="{7DD2CDC5-BD4C-412F-BA24-4BFC191D4752}" sibTransId="{311BCBAC-410E-4B2E-80C9-5231E0C77F5A}"/>
-    <dgm:cxn modelId="{219CA8CD-175C-4B78-87C7-F3CC84196A93}" type="presOf" srcId="{0BFEDFE6-DF5F-42DD-A77E-60C68FAFC76D}" destId="{E0EA113C-BCD5-4596-8B69-3FB1D687023D}" srcOrd="2" destOrd="0" presId="urn:microsoft.com/office/officeart/2005/8/layout/gear1"/>
     <dgm:cxn modelId="{C0433A43-A4D7-4D45-AC25-C2F5E4411A0F}" type="presOf" srcId="{C5987FDD-1E7D-418C-AC78-C45B36B1E9AA}" destId="{17886D3D-CD24-4C5F-93DF-1CBEB74AC436}" srcOrd="1" destOrd="0" presId="urn:microsoft.com/office/officeart/2005/8/layout/gear1"/>
     <dgm:cxn modelId="{74062636-8906-4025-832E-0E2C9521230E}" type="presOf" srcId="{6B164D88-37C4-4204-9334-29C3F8FFE4AF}" destId="{26B2B296-CDD6-4CEA-AE25-26593C8D525E}" srcOrd="1" destOrd="0" presId="urn:microsoft.com/office/officeart/2005/8/layout/gear1"/>
     <dgm:cxn modelId="{9D191714-ED4C-4E3B-A4B3-8612D8A68354}" type="presOf" srcId="{6B164D88-37C4-4204-9334-29C3F8FFE4AF}" destId="{AD9F1457-D241-49AF-A379-2E21DB455ADA}" srcOrd="0" destOrd="0" presId="urn:microsoft.com/office/officeart/2005/8/layout/gear1"/>
@@ -3003,14 +2218,35 @@
     <dgm:pt modelId="{037B9D50-050F-4868-B82B-0130B7823274}" type="pres">
       <dgm:prSet presAssocID="{311BCBAC-410E-4B2E-80C9-5231E0C77F5A}" presName="connector1" presStyleLbl="sibTrans2D1" presStyleIdx="0" presStyleCnt="3"/>
       <dgm:spPr/>
+      <dgm:t>
+        <a:bodyPr/>
+        <a:lstStyle/>
+        <a:p>
+          <a:endParaRPr lang="en-US"/>
+        </a:p>
+      </dgm:t>
     </dgm:pt>
     <dgm:pt modelId="{16DE5727-12D6-4054-8F3D-0FC2E4F4CB62}" type="pres">
       <dgm:prSet presAssocID="{7C5BBB73-E66E-4E36-88A2-240B8488F9D7}" presName="connector2" presStyleLbl="sibTrans2D1" presStyleIdx="1" presStyleCnt="3" custLinFactNeighborX="-10576" custLinFactNeighborY="25987"/>
       <dgm:spPr/>
+      <dgm:t>
+        <a:bodyPr/>
+        <a:lstStyle/>
+        <a:p>
+          <a:endParaRPr lang="en-US"/>
+        </a:p>
+      </dgm:t>
     </dgm:pt>
     <dgm:pt modelId="{E2E67E04-603E-4837-B0D3-59EE415E4665}" type="pres">
       <dgm:prSet presAssocID="{43468FC0-5211-4AE6-A76E-C1EA6738359E}" presName="connector3" presStyleLbl="sibTrans2D1" presStyleIdx="2" presStyleCnt="3" custLinFactNeighborX="-11341" custLinFactNeighborY="24781"/>
       <dgm:spPr/>
+      <dgm:t>
+        <a:bodyPr/>
+        <a:lstStyle/>
+        <a:p>
+          <a:endParaRPr lang="en-US"/>
+        </a:p>
+      </dgm:t>
     </dgm:pt>
   </dgm:ptLst>
   <dgm:cxnLst>
@@ -3050,266 +2286,6 @@
   <dgm:extLst>
     <a:ext uri="http://schemas.microsoft.com/office/drawing/2008/diagram">
       <dsp:dataModelExt xmlns:dsp="http://schemas.microsoft.com/office/drawing/2008/diagram" relId="rId12" minVer="http://schemas.openxmlformats.org/drawingml/2006/diagram"/>
-    </a:ext>
-  </dgm:extLst>
-</dgm:dataModel>
-</file>
-
-<file path=ppt/diagrams/data3.xml><?xml version="1.0" encoding="utf-8"?>
-<dgm:dataModel xmlns:dgm="http://schemas.openxmlformats.org/drawingml/2006/diagram" xmlns:a="http://schemas.openxmlformats.org/drawingml/2006/main">
-  <dgm:ptLst>
-    <dgm:pt modelId="{F93306FC-26D6-4E10-8343-0D38677BB4C6}" type="doc">
-      <dgm:prSet loTypeId="urn:microsoft.com/office/officeart/2005/8/layout/chevron1" loCatId="process" qsTypeId="urn:microsoft.com/office/officeart/2005/8/quickstyle/simple1" qsCatId="simple" csTypeId="urn:microsoft.com/office/officeart/2005/8/colors/accent1_1" csCatId="accent1" phldr="1"/>
-      <dgm:spPr/>
-      <dgm:t>
-        <a:bodyPr/>
-        <a:lstStyle/>
-        <a:p>
-          <a:endParaRPr lang="en-US"/>
-        </a:p>
-      </dgm:t>
-    </dgm:pt>
-    <dgm:pt modelId="{F7AC16BE-098D-45FB-AA3F-4663521CFF39}">
-      <dgm:prSet phldrT="[Text]" custT="1"/>
-      <dgm:spPr/>
-      <dgm:t>
-        <a:bodyPr/>
-        <a:lstStyle/>
-        <a:p>
-          <a:r>
-            <a:rPr lang="en-US" sz="1200" dirty="0" smtClean="0"/>
-            <a:t>Requirement Planning</a:t>
-          </a:r>
-          <a:endParaRPr lang="en-US" sz="1200" dirty="0"/>
-        </a:p>
-      </dgm:t>
-    </dgm:pt>
-    <dgm:pt modelId="{BB006DC7-E100-43E8-B56A-4A55BCBB3CCA}" type="parTrans" cxnId="{8F23B306-BD78-44FC-BE4F-638F1AF6BC49}">
-      <dgm:prSet/>
-      <dgm:spPr/>
-      <dgm:t>
-        <a:bodyPr/>
-        <a:lstStyle/>
-        <a:p>
-          <a:endParaRPr lang="en-US"/>
-        </a:p>
-      </dgm:t>
-    </dgm:pt>
-    <dgm:pt modelId="{7D4F33C5-9D2A-47AF-AEFE-9893443BEA59}" type="sibTrans" cxnId="{8F23B306-BD78-44FC-BE4F-638F1AF6BC49}">
-      <dgm:prSet/>
-      <dgm:spPr/>
-      <dgm:t>
-        <a:bodyPr/>
-        <a:lstStyle/>
-        <a:p>
-          <a:endParaRPr lang="en-US"/>
-        </a:p>
-      </dgm:t>
-    </dgm:pt>
-    <dgm:pt modelId="{25F9C534-0E55-48CC-B9A1-D31872AF50A1}">
-      <dgm:prSet phldrT="[Text]" custT="1"/>
-      <dgm:spPr/>
-      <dgm:t>
-        <a:bodyPr/>
-        <a:lstStyle/>
-        <a:p>
-          <a:r>
-            <a:rPr lang="en-US" sz="1200" dirty="0" smtClean="0"/>
-            <a:t>RFQ &amp; Vendor Selection</a:t>
-          </a:r>
-          <a:endParaRPr lang="en-US" sz="1200" dirty="0"/>
-        </a:p>
-      </dgm:t>
-    </dgm:pt>
-    <dgm:pt modelId="{724B4BA0-0D95-4F46-9F65-A39C0B0CB449}" type="parTrans" cxnId="{E62CF35D-390A-46E2-AC55-61EB38112D00}">
-      <dgm:prSet/>
-      <dgm:spPr/>
-      <dgm:t>
-        <a:bodyPr/>
-        <a:lstStyle/>
-        <a:p>
-          <a:endParaRPr lang="en-US"/>
-        </a:p>
-      </dgm:t>
-    </dgm:pt>
-    <dgm:pt modelId="{2A5802EE-80BB-44F7-A846-44BA1F97B9DE}" type="sibTrans" cxnId="{E62CF35D-390A-46E2-AC55-61EB38112D00}">
-      <dgm:prSet/>
-      <dgm:spPr/>
-      <dgm:t>
-        <a:bodyPr/>
-        <a:lstStyle/>
-        <a:p>
-          <a:endParaRPr lang="en-US"/>
-        </a:p>
-      </dgm:t>
-    </dgm:pt>
-    <dgm:pt modelId="{F58C32B8-4954-4623-888F-CE879FD54A60}">
-      <dgm:prSet phldrT="[Text]" custT="1"/>
-      <dgm:spPr/>
-      <dgm:t>
-        <a:bodyPr/>
-        <a:lstStyle/>
-        <a:p>
-          <a:r>
-            <a:rPr lang="en-US" sz="1200" dirty="0" smtClean="0"/>
-            <a:t>Create Purchase Order</a:t>
-          </a:r>
-          <a:endParaRPr lang="en-US" sz="1200" dirty="0"/>
-        </a:p>
-      </dgm:t>
-    </dgm:pt>
-    <dgm:pt modelId="{1F1D3AFA-4014-426A-821B-8BC78B19E5CA}" type="parTrans" cxnId="{7F942642-C2ED-4C5B-86E2-F64579D9D495}">
-      <dgm:prSet/>
-      <dgm:spPr/>
-      <dgm:t>
-        <a:bodyPr/>
-        <a:lstStyle/>
-        <a:p>
-          <a:endParaRPr lang="en-US"/>
-        </a:p>
-      </dgm:t>
-    </dgm:pt>
-    <dgm:pt modelId="{9A18AD2B-95A3-498C-859E-25C639E9FDF3}" type="sibTrans" cxnId="{7F942642-C2ED-4C5B-86E2-F64579D9D495}">
-      <dgm:prSet/>
-      <dgm:spPr/>
-      <dgm:t>
-        <a:bodyPr/>
-        <a:lstStyle/>
-        <a:p>
-          <a:endParaRPr lang="en-US"/>
-        </a:p>
-      </dgm:t>
-    </dgm:pt>
-    <dgm:pt modelId="{7F01E4E8-8A41-4A55-A399-9D53EF6DEC14}">
-      <dgm:prSet custT="1"/>
-      <dgm:spPr/>
-      <dgm:t>
-        <a:bodyPr/>
-        <a:lstStyle/>
-        <a:p>
-          <a:r>
-            <a:rPr lang="en-US" sz="1200" dirty="0" smtClean="0"/>
-            <a:t>Goods Receipt</a:t>
-          </a:r>
-          <a:endParaRPr lang="en-US" sz="1200" dirty="0"/>
-        </a:p>
-      </dgm:t>
-    </dgm:pt>
-    <dgm:pt modelId="{3EEEECFC-313C-4558-AB9E-0F07B62F5FA0}" type="parTrans" cxnId="{E9F9D8C0-B6F9-4A2D-9E5E-1CDD015F3A7E}">
-      <dgm:prSet/>
-      <dgm:spPr/>
-      <dgm:t>
-        <a:bodyPr/>
-        <a:lstStyle/>
-        <a:p>
-          <a:endParaRPr lang="en-US"/>
-        </a:p>
-      </dgm:t>
-    </dgm:pt>
-    <dgm:pt modelId="{C58D6FEA-CC6C-4749-96DE-736C1F9344AF}" type="sibTrans" cxnId="{E9F9D8C0-B6F9-4A2D-9E5E-1CDD015F3A7E}">
-      <dgm:prSet/>
-      <dgm:spPr/>
-      <dgm:t>
-        <a:bodyPr/>
-        <a:lstStyle/>
-        <a:p>
-          <a:endParaRPr lang="en-US"/>
-        </a:p>
-      </dgm:t>
-    </dgm:pt>
-    <dgm:pt modelId="{C3170C97-2DCC-4E7D-9D8F-4133DC460399}" type="pres">
-      <dgm:prSet presAssocID="{F93306FC-26D6-4E10-8343-0D38677BB4C6}" presName="Name0" presStyleCnt="0">
-        <dgm:presLayoutVars>
-          <dgm:dir/>
-          <dgm:animLvl val="lvl"/>
-          <dgm:resizeHandles val="exact"/>
-        </dgm:presLayoutVars>
-      </dgm:prSet>
-      <dgm:spPr/>
-    </dgm:pt>
-    <dgm:pt modelId="{9293162E-7186-45C6-96F3-194CCF641FC8}" type="pres">
-      <dgm:prSet presAssocID="{F7AC16BE-098D-45FB-AA3F-4663521CFF39}" presName="parTxOnly" presStyleLbl="node1" presStyleIdx="0" presStyleCnt="4">
-        <dgm:presLayoutVars>
-          <dgm:chMax val="0"/>
-          <dgm:chPref val="0"/>
-          <dgm:bulletEnabled val="1"/>
-        </dgm:presLayoutVars>
-      </dgm:prSet>
-      <dgm:spPr/>
-    </dgm:pt>
-    <dgm:pt modelId="{64C7EF0A-EA37-4A53-802A-1702CD2959F7}" type="pres">
-      <dgm:prSet presAssocID="{7D4F33C5-9D2A-47AF-AEFE-9893443BEA59}" presName="parTxOnlySpace" presStyleCnt="0"/>
-      <dgm:spPr/>
-    </dgm:pt>
-    <dgm:pt modelId="{7F0997CE-405D-44B1-B95F-2759612EC893}" type="pres">
-      <dgm:prSet presAssocID="{25F9C534-0E55-48CC-B9A1-D31872AF50A1}" presName="parTxOnly" presStyleLbl="node1" presStyleIdx="1" presStyleCnt="4">
-        <dgm:presLayoutVars>
-          <dgm:chMax val="0"/>
-          <dgm:chPref val="0"/>
-          <dgm:bulletEnabled val="1"/>
-        </dgm:presLayoutVars>
-      </dgm:prSet>
-      <dgm:spPr/>
-    </dgm:pt>
-    <dgm:pt modelId="{67BB434C-0AA7-4478-A029-3DB474C9D417}" type="pres">
-      <dgm:prSet presAssocID="{2A5802EE-80BB-44F7-A846-44BA1F97B9DE}" presName="parTxOnlySpace" presStyleCnt="0"/>
-      <dgm:spPr/>
-    </dgm:pt>
-    <dgm:pt modelId="{4706E5A1-8BA2-48DA-9B82-902A118A20AC}" type="pres">
-      <dgm:prSet presAssocID="{F58C32B8-4954-4623-888F-CE879FD54A60}" presName="parTxOnly" presStyleLbl="node1" presStyleIdx="2" presStyleCnt="4">
-        <dgm:presLayoutVars>
-          <dgm:chMax val="0"/>
-          <dgm:chPref val="0"/>
-          <dgm:bulletEnabled val="1"/>
-        </dgm:presLayoutVars>
-      </dgm:prSet>
-      <dgm:spPr/>
-      <dgm:t>
-        <a:bodyPr/>
-        <a:lstStyle/>
-        <a:p>
-          <a:endParaRPr lang="en-US"/>
-        </a:p>
-      </dgm:t>
-    </dgm:pt>
-    <dgm:pt modelId="{1E6CD348-A0C0-46F2-9D75-93B42213F99D}" type="pres">
-      <dgm:prSet presAssocID="{9A18AD2B-95A3-498C-859E-25C639E9FDF3}" presName="parTxOnlySpace" presStyleCnt="0"/>
-      <dgm:spPr/>
-    </dgm:pt>
-    <dgm:pt modelId="{6DC270B4-D73C-4F6A-B603-88D6470B7549}" type="pres">
-      <dgm:prSet presAssocID="{7F01E4E8-8A41-4A55-A399-9D53EF6DEC14}" presName="parTxOnly" presStyleLbl="node1" presStyleIdx="3" presStyleCnt="4">
-        <dgm:presLayoutVars>
-          <dgm:chMax val="0"/>
-          <dgm:chPref val="0"/>
-          <dgm:bulletEnabled val="1"/>
-        </dgm:presLayoutVars>
-      </dgm:prSet>
-      <dgm:spPr/>
-    </dgm:pt>
-  </dgm:ptLst>
-  <dgm:cxnLst>
-    <dgm:cxn modelId="{8F23B306-BD78-44FC-BE4F-638F1AF6BC49}" srcId="{F93306FC-26D6-4E10-8343-0D38677BB4C6}" destId="{F7AC16BE-098D-45FB-AA3F-4663521CFF39}" srcOrd="0" destOrd="0" parTransId="{BB006DC7-E100-43E8-B56A-4A55BCBB3CCA}" sibTransId="{7D4F33C5-9D2A-47AF-AEFE-9893443BEA59}"/>
-    <dgm:cxn modelId="{33DD1185-2DBB-42BD-B436-059ECA4E44C8}" type="presOf" srcId="{F58C32B8-4954-4623-888F-CE879FD54A60}" destId="{4706E5A1-8BA2-48DA-9B82-902A118A20AC}" srcOrd="0" destOrd="0" presId="urn:microsoft.com/office/officeart/2005/8/layout/chevron1"/>
-    <dgm:cxn modelId="{0B405B9C-AA14-455C-9DEA-7168FCB88D9D}" type="presOf" srcId="{F93306FC-26D6-4E10-8343-0D38677BB4C6}" destId="{C3170C97-2DCC-4E7D-9D8F-4133DC460399}" srcOrd="0" destOrd="0" presId="urn:microsoft.com/office/officeart/2005/8/layout/chevron1"/>
-    <dgm:cxn modelId="{9CF4A2F7-6C0E-40E1-BEE9-60A9DF8D38B2}" type="presOf" srcId="{25F9C534-0E55-48CC-B9A1-D31872AF50A1}" destId="{7F0997CE-405D-44B1-B95F-2759612EC893}" srcOrd="0" destOrd="0" presId="urn:microsoft.com/office/officeart/2005/8/layout/chevron1"/>
-    <dgm:cxn modelId="{2273C3C3-D028-4633-BAF7-EA28057C6064}" type="presOf" srcId="{F7AC16BE-098D-45FB-AA3F-4663521CFF39}" destId="{9293162E-7186-45C6-96F3-194CCF641FC8}" srcOrd="0" destOrd="0" presId="urn:microsoft.com/office/officeart/2005/8/layout/chevron1"/>
-    <dgm:cxn modelId="{E9F9D8C0-B6F9-4A2D-9E5E-1CDD015F3A7E}" srcId="{F93306FC-26D6-4E10-8343-0D38677BB4C6}" destId="{7F01E4E8-8A41-4A55-A399-9D53EF6DEC14}" srcOrd="3" destOrd="0" parTransId="{3EEEECFC-313C-4558-AB9E-0F07B62F5FA0}" sibTransId="{C58D6FEA-CC6C-4749-96DE-736C1F9344AF}"/>
-    <dgm:cxn modelId="{7A07A9FE-8F60-476F-87F9-77E650E2911D}" type="presOf" srcId="{7F01E4E8-8A41-4A55-A399-9D53EF6DEC14}" destId="{6DC270B4-D73C-4F6A-B603-88D6470B7549}" srcOrd="0" destOrd="0" presId="urn:microsoft.com/office/officeart/2005/8/layout/chevron1"/>
-    <dgm:cxn modelId="{E62CF35D-390A-46E2-AC55-61EB38112D00}" srcId="{F93306FC-26D6-4E10-8343-0D38677BB4C6}" destId="{25F9C534-0E55-48CC-B9A1-D31872AF50A1}" srcOrd="1" destOrd="0" parTransId="{724B4BA0-0D95-4F46-9F65-A39C0B0CB449}" sibTransId="{2A5802EE-80BB-44F7-A846-44BA1F97B9DE}"/>
-    <dgm:cxn modelId="{7F942642-C2ED-4C5B-86E2-F64579D9D495}" srcId="{F93306FC-26D6-4E10-8343-0D38677BB4C6}" destId="{F58C32B8-4954-4623-888F-CE879FD54A60}" srcOrd="2" destOrd="0" parTransId="{1F1D3AFA-4014-426A-821B-8BC78B19E5CA}" sibTransId="{9A18AD2B-95A3-498C-859E-25C639E9FDF3}"/>
-    <dgm:cxn modelId="{230B57DC-CAB5-479B-92D7-3BECCF28E938}" type="presParOf" srcId="{C3170C97-2DCC-4E7D-9D8F-4133DC460399}" destId="{9293162E-7186-45C6-96F3-194CCF641FC8}" srcOrd="0" destOrd="0" presId="urn:microsoft.com/office/officeart/2005/8/layout/chevron1"/>
-    <dgm:cxn modelId="{0BDFF111-23CC-43FE-BD97-E97A543E060C}" type="presParOf" srcId="{C3170C97-2DCC-4E7D-9D8F-4133DC460399}" destId="{64C7EF0A-EA37-4A53-802A-1702CD2959F7}" srcOrd="1" destOrd="0" presId="urn:microsoft.com/office/officeart/2005/8/layout/chevron1"/>
-    <dgm:cxn modelId="{199323E3-1C1F-4454-9938-D631BBC43456}" type="presParOf" srcId="{C3170C97-2DCC-4E7D-9D8F-4133DC460399}" destId="{7F0997CE-405D-44B1-B95F-2759612EC893}" srcOrd="2" destOrd="0" presId="urn:microsoft.com/office/officeart/2005/8/layout/chevron1"/>
-    <dgm:cxn modelId="{6FFF4E27-462B-4BCF-8C7E-510A10E73D0D}" type="presParOf" srcId="{C3170C97-2DCC-4E7D-9D8F-4133DC460399}" destId="{67BB434C-0AA7-4478-A029-3DB474C9D417}" srcOrd="3" destOrd="0" presId="urn:microsoft.com/office/officeart/2005/8/layout/chevron1"/>
-    <dgm:cxn modelId="{03369C39-F728-4CB4-A2EE-D490C80F7442}" type="presParOf" srcId="{C3170C97-2DCC-4E7D-9D8F-4133DC460399}" destId="{4706E5A1-8BA2-48DA-9B82-902A118A20AC}" srcOrd="4" destOrd="0" presId="urn:microsoft.com/office/officeart/2005/8/layout/chevron1"/>
-    <dgm:cxn modelId="{146B138D-2663-4343-B125-DD1AC7F936B1}" type="presParOf" srcId="{C3170C97-2DCC-4E7D-9D8F-4133DC460399}" destId="{1E6CD348-A0C0-46F2-9D75-93B42213F99D}" srcOrd="5" destOrd="0" presId="urn:microsoft.com/office/officeart/2005/8/layout/chevron1"/>
-    <dgm:cxn modelId="{22FC081F-ABFF-4C66-9ABE-695A838C3F83}" type="presParOf" srcId="{C3170C97-2DCC-4E7D-9D8F-4133DC460399}" destId="{6DC270B4-D73C-4F6A-B603-88D6470B7549}" srcOrd="6" destOrd="0" presId="urn:microsoft.com/office/officeart/2005/8/layout/chevron1"/>
-  </dgm:cxnLst>
-  <dgm:bg/>
-  <dgm:whole/>
-  <dgm:extLst>
-    <a:ext uri="http://schemas.microsoft.com/office/drawing/2008/diagram">
-      <dsp:dataModelExt xmlns:dsp="http://schemas.microsoft.com/office/drawing/2008/diagram" relId="rId7" minVer="http://schemas.openxmlformats.org/drawingml/2006/diagram"/>
     </a:ext>
   </dgm:extLst>
 </dgm:dataModel>
@@ -4289,330 +3265,6 @@
 </dsp:drawing>
 </file>
 
-<file path=ppt/diagrams/drawing3.xml><?xml version="1.0" encoding="utf-8"?>
-<dsp:drawing xmlns:dgm="http://schemas.openxmlformats.org/drawingml/2006/diagram" xmlns:dsp="http://schemas.microsoft.com/office/drawing/2008/diagram" xmlns:a="http://schemas.openxmlformats.org/drawingml/2006/main">
-  <dsp:spTree>
-    <dsp:nvGrpSpPr>
-      <dsp:cNvPr id="0" name=""/>
-      <dsp:cNvGrpSpPr/>
-    </dsp:nvGrpSpPr>
-    <dsp:grpSpPr/>
-    <dsp:sp modelId="{9293162E-7186-45C6-96F3-194CCF641FC8}">
-      <dsp:nvSpPr>
-        <dsp:cNvPr id="0" name=""/>
-        <dsp:cNvSpPr/>
-      </dsp:nvSpPr>
-      <dsp:spPr>
-        <a:xfrm>
-          <a:off x="2378" y="63043"/>
-          <a:ext cx="1384560" cy="553824"/>
-        </a:xfrm>
-        <a:prstGeom prst="chevron">
-          <a:avLst/>
-        </a:prstGeom>
-        <a:solidFill>
-          <a:schemeClr val="lt1">
-            <a:hueOff val="0"/>
-            <a:satOff val="0"/>
-            <a:lumOff val="0"/>
-            <a:alphaOff val="0"/>
-          </a:schemeClr>
-        </a:solidFill>
-        <a:ln w="19050" cap="rnd" cmpd="sng" algn="ctr">
-          <a:solidFill>
-            <a:schemeClr val="accent1">
-              <a:shade val="80000"/>
-              <a:hueOff val="0"/>
-              <a:satOff val="0"/>
-              <a:lumOff val="0"/>
-              <a:alphaOff val="0"/>
-            </a:schemeClr>
-          </a:solidFill>
-          <a:prstDash val="solid"/>
-        </a:ln>
-        <a:effectLst/>
-      </dsp:spPr>
-      <dsp:style>
-        <a:lnRef idx="2">
-          <a:scrgbClr r="0" g="0" b="0"/>
-        </a:lnRef>
-        <a:fillRef idx="1">
-          <a:scrgbClr r="0" g="0" b="0"/>
-        </a:fillRef>
-        <a:effectRef idx="0">
-          <a:scrgbClr r="0" g="0" b="0"/>
-        </a:effectRef>
-        <a:fontRef idx="minor">
-          <a:schemeClr val="lt1"/>
-        </a:fontRef>
-      </dsp:style>
-      <dsp:txBody>
-        <a:bodyPr spcFirstLastPara="0" vert="horz" wrap="square" lIns="48006" tIns="16002" rIns="16002" bIns="16002" numCol="1" spcCol="1270" anchor="ctr" anchorCtr="0">
-          <a:noAutofit/>
-        </a:bodyPr>
-        <a:lstStyle/>
-        <a:p>
-          <a:pPr lvl="0" algn="ctr" defTabSz="533400">
-            <a:lnSpc>
-              <a:spcPct val="90000"/>
-            </a:lnSpc>
-            <a:spcBef>
-              <a:spcPct val="0"/>
-            </a:spcBef>
-            <a:spcAft>
-              <a:spcPct val="35000"/>
-            </a:spcAft>
-          </a:pPr>
-          <a:r>
-            <a:rPr lang="en-US" sz="1200" kern="1200" dirty="0" smtClean="0"/>
-            <a:t>Requirement Planning</a:t>
-          </a:r>
-          <a:endParaRPr lang="en-US" sz="1200" kern="1200" dirty="0"/>
-        </a:p>
-      </dsp:txBody>
-      <dsp:txXfrm>
-        <a:off x="279290" y="63043"/>
-        <a:ext cx="830736" cy="553824"/>
-      </dsp:txXfrm>
-    </dsp:sp>
-    <dsp:sp modelId="{7F0997CE-405D-44B1-B95F-2759612EC893}">
-      <dsp:nvSpPr>
-        <dsp:cNvPr id="0" name=""/>
-        <dsp:cNvSpPr/>
-      </dsp:nvSpPr>
-      <dsp:spPr>
-        <a:xfrm>
-          <a:off x="1248483" y="63043"/>
-          <a:ext cx="1384560" cy="553824"/>
-        </a:xfrm>
-        <a:prstGeom prst="chevron">
-          <a:avLst/>
-        </a:prstGeom>
-        <a:solidFill>
-          <a:schemeClr val="lt1">
-            <a:hueOff val="0"/>
-            <a:satOff val="0"/>
-            <a:lumOff val="0"/>
-            <a:alphaOff val="0"/>
-          </a:schemeClr>
-        </a:solidFill>
-        <a:ln w="19050" cap="rnd" cmpd="sng" algn="ctr">
-          <a:solidFill>
-            <a:schemeClr val="accent1">
-              <a:shade val="80000"/>
-              <a:hueOff val="0"/>
-              <a:satOff val="0"/>
-              <a:lumOff val="0"/>
-              <a:alphaOff val="0"/>
-            </a:schemeClr>
-          </a:solidFill>
-          <a:prstDash val="solid"/>
-        </a:ln>
-        <a:effectLst/>
-      </dsp:spPr>
-      <dsp:style>
-        <a:lnRef idx="2">
-          <a:scrgbClr r="0" g="0" b="0"/>
-        </a:lnRef>
-        <a:fillRef idx="1">
-          <a:scrgbClr r="0" g="0" b="0"/>
-        </a:fillRef>
-        <a:effectRef idx="0">
-          <a:scrgbClr r="0" g="0" b="0"/>
-        </a:effectRef>
-        <a:fontRef idx="minor">
-          <a:schemeClr val="lt1"/>
-        </a:fontRef>
-      </dsp:style>
-      <dsp:txBody>
-        <a:bodyPr spcFirstLastPara="0" vert="horz" wrap="square" lIns="48006" tIns="16002" rIns="16002" bIns="16002" numCol="1" spcCol="1270" anchor="ctr" anchorCtr="0">
-          <a:noAutofit/>
-        </a:bodyPr>
-        <a:lstStyle/>
-        <a:p>
-          <a:pPr lvl="0" algn="ctr" defTabSz="533400">
-            <a:lnSpc>
-              <a:spcPct val="90000"/>
-            </a:lnSpc>
-            <a:spcBef>
-              <a:spcPct val="0"/>
-            </a:spcBef>
-            <a:spcAft>
-              <a:spcPct val="35000"/>
-            </a:spcAft>
-          </a:pPr>
-          <a:r>
-            <a:rPr lang="en-US" sz="1200" kern="1200" dirty="0" smtClean="0"/>
-            <a:t>RFQ &amp; Vendor Selection</a:t>
-          </a:r>
-          <a:endParaRPr lang="en-US" sz="1200" kern="1200" dirty="0"/>
-        </a:p>
-      </dsp:txBody>
-      <dsp:txXfrm>
-        <a:off x="1525395" y="63043"/>
-        <a:ext cx="830736" cy="553824"/>
-      </dsp:txXfrm>
-    </dsp:sp>
-    <dsp:sp modelId="{4706E5A1-8BA2-48DA-9B82-902A118A20AC}">
-      <dsp:nvSpPr>
-        <dsp:cNvPr id="0" name=""/>
-        <dsp:cNvSpPr/>
-      </dsp:nvSpPr>
-      <dsp:spPr>
-        <a:xfrm>
-          <a:off x="2494587" y="63043"/>
-          <a:ext cx="1384560" cy="553824"/>
-        </a:xfrm>
-        <a:prstGeom prst="chevron">
-          <a:avLst/>
-        </a:prstGeom>
-        <a:solidFill>
-          <a:schemeClr val="lt1">
-            <a:hueOff val="0"/>
-            <a:satOff val="0"/>
-            <a:lumOff val="0"/>
-            <a:alphaOff val="0"/>
-          </a:schemeClr>
-        </a:solidFill>
-        <a:ln w="19050" cap="rnd" cmpd="sng" algn="ctr">
-          <a:solidFill>
-            <a:schemeClr val="accent1">
-              <a:shade val="80000"/>
-              <a:hueOff val="0"/>
-              <a:satOff val="0"/>
-              <a:lumOff val="0"/>
-              <a:alphaOff val="0"/>
-            </a:schemeClr>
-          </a:solidFill>
-          <a:prstDash val="solid"/>
-        </a:ln>
-        <a:effectLst/>
-      </dsp:spPr>
-      <dsp:style>
-        <a:lnRef idx="2">
-          <a:scrgbClr r="0" g="0" b="0"/>
-        </a:lnRef>
-        <a:fillRef idx="1">
-          <a:scrgbClr r="0" g="0" b="0"/>
-        </a:fillRef>
-        <a:effectRef idx="0">
-          <a:scrgbClr r="0" g="0" b="0"/>
-        </a:effectRef>
-        <a:fontRef idx="minor">
-          <a:schemeClr val="lt1"/>
-        </a:fontRef>
-      </dsp:style>
-      <dsp:txBody>
-        <a:bodyPr spcFirstLastPara="0" vert="horz" wrap="square" lIns="48006" tIns="16002" rIns="16002" bIns="16002" numCol="1" spcCol="1270" anchor="ctr" anchorCtr="0">
-          <a:noAutofit/>
-        </a:bodyPr>
-        <a:lstStyle/>
-        <a:p>
-          <a:pPr lvl="0" algn="ctr" defTabSz="533400">
-            <a:lnSpc>
-              <a:spcPct val="90000"/>
-            </a:lnSpc>
-            <a:spcBef>
-              <a:spcPct val="0"/>
-            </a:spcBef>
-            <a:spcAft>
-              <a:spcPct val="35000"/>
-            </a:spcAft>
-          </a:pPr>
-          <a:r>
-            <a:rPr lang="en-US" sz="1200" kern="1200" dirty="0" smtClean="0"/>
-            <a:t>Create Purchase Order</a:t>
-          </a:r>
-          <a:endParaRPr lang="en-US" sz="1200" kern="1200" dirty="0"/>
-        </a:p>
-      </dsp:txBody>
-      <dsp:txXfrm>
-        <a:off x="2771499" y="63043"/>
-        <a:ext cx="830736" cy="553824"/>
-      </dsp:txXfrm>
-    </dsp:sp>
-    <dsp:sp modelId="{6DC270B4-D73C-4F6A-B603-88D6470B7549}">
-      <dsp:nvSpPr>
-        <dsp:cNvPr id="0" name=""/>
-        <dsp:cNvSpPr/>
-      </dsp:nvSpPr>
-      <dsp:spPr>
-        <a:xfrm>
-          <a:off x="3740692" y="63043"/>
-          <a:ext cx="1384560" cy="553824"/>
-        </a:xfrm>
-        <a:prstGeom prst="chevron">
-          <a:avLst/>
-        </a:prstGeom>
-        <a:solidFill>
-          <a:schemeClr val="lt1">
-            <a:hueOff val="0"/>
-            <a:satOff val="0"/>
-            <a:lumOff val="0"/>
-            <a:alphaOff val="0"/>
-          </a:schemeClr>
-        </a:solidFill>
-        <a:ln w="19050" cap="rnd" cmpd="sng" algn="ctr">
-          <a:solidFill>
-            <a:schemeClr val="accent1">
-              <a:shade val="80000"/>
-              <a:hueOff val="0"/>
-              <a:satOff val="0"/>
-              <a:lumOff val="0"/>
-              <a:alphaOff val="0"/>
-            </a:schemeClr>
-          </a:solidFill>
-          <a:prstDash val="solid"/>
-        </a:ln>
-        <a:effectLst/>
-      </dsp:spPr>
-      <dsp:style>
-        <a:lnRef idx="2">
-          <a:scrgbClr r="0" g="0" b="0"/>
-        </a:lnRef>
-        <a:fillRef idx="1">
-          <a:scrgbClr r="0" g="0" b="0"/>
-        </a:fillRef>
-        <a:effectRef idx="0">
-          <a:scrgbClr r="0" g="0" b="0"/>
-        </a:effectRef>
-        <a:fontRef idx="minor">
-          <a:schemeClr val="lt1"/>
-        </a:fontRef>
-      </dsp:style>
-      <dsp:txBody>
-        <a:bodyPr spcFirstLastPara="0" vert="horz" wrap="square" lIns="48006" tIns="16002" rIns="16002" bIns="16002" numCol="1" spcCol="1270" anchor="ctr" anchorCtr="0">
-          <a:noAutofit/>
-        </a:bodyPr>
-        <a:lstStyle/>
-        <a:p>
-          <a:pPr lvl="0" algn="ctr" defTabSz="533400">
-            <a:lnSpc>
-              <a:spcPct val="90000"/>
-            </a:lnSpc>
-            <a:spcBef>
-              <a:spcPct val="0"/>
-            </a:spcBef>
-            <a:spcAft>
-              <a:spcPct val="35000"/>
-            </a:spcAft>
-          </a:pPr>
-          <a:r>
-            <a:rPr lang="en-US" sz="1200" kern="1200" dirty="0" smtClean="0"/>
-            <a:t>Goods Receipt</a:t>
-          </a:r>
-          <a:endParaRPr lang="en-US" sz="1200" kern="1200" dirty="0"/>
-        </a:p>
-      </dsp:txBody>
-      <dsp:txXfrm>
-        <a:off x="4017604" y="63043"/>
-        <a:ext cx="830736" cy="553824"/>
-      </dsp:txXfrm>
-    </dsp:sp>
-  </dsp:spTree>
-</dsp:drawing>
-</file>
-
 <file path=ppt/diagrams/layout1.xml><?xml version="1.0" encoding="utf-8"?>
 <dgm:layoutDef xmlns:dgm="http://schemas.openxmlformats.org/drawingml/2006/diagram" xmlns:a="http://schemas.openxmlformats.org/drawingml/2006/main" uniqueId="urn:microsoft.com/office/officeart/2005/8/layout/gear1">
   <dgm:title val=""/>
@@ -5559,289 +4211,6 @@
 </dgm:layoutDef>
 </file>
 
-<file path=ppt/diagrams/layout3.xml><?xml version="1.0" encoding="utf-8"?>
-<dgm:layoutDef xmlns:dgm="http://schemas.openxmlformats.org/drawingml/2006/diagram" xmlns:a="http://schemas.openxmlformats.org/drawingml/2006/main" uniqueId="urn:microsoft.com/office/officeart/2005/8/layout/chevron1">
-  <dgm:title val=""/>
-  <dgm:desc val=""/>
-  <dgm:catLst>
-    <dgm:cat type="process" pri="9000"/>
-  </dgm:catLst>
-  <dgm:sampData useDef="1">
-    <dgm:dataModel>
-      <dgm:ptLst/>
-      <dgm:bg/>
-      <dgm:whole/>
-    </dgm:dataModel>
-  </dgm:sampData>
-  <dgm:styleData>
-    <dgm:dataModel>
-      <dgm:ptLst>
-        <dgm:pt modelId="0" type="doc"/>
-        <dgm:pt modelId="1"/>
-        <dgm:pt modelId="2"/>
-      </dgm:ptLst>
-      <dgm:cxnLst>
-        <dgm:cxn modelId="3" srcId="0" destId="1" srcOrd="0" destOrd="0"/>
-        <dgm:cxn modelId="4" srcId="0" destId="2" srcOrd="1" destOrd="0"/>
-      </dgm:cxnLst>
-      <dgm:bg/>
-      <dgm:whole/>
-    </dgm:dataModel>
-  </dgm:styleData>
-  <dgm:clrData>
-    <dgm:dataModel>
-      <dgm:ptLst>
-        <dgm:pt modelId="0" type="doc"/>
-        <dgm:pt modelId="1"/>
-        <dgm:pt modelId="2"/>
-        <dgm:pt modelId="3"/>
-        <dgm:pt modelId="4"/>
-      </dgm:ptLst>
-      <dgm:cxnLst>
-        <dgm:cxn modelId="5" srcId="0" destId="1" srcOrd="0" destOrd="0"/>
-        <dgm:cxn modelId="6" srcId="0" destId="2" srcOrd="1" destOrd="0"/>
-        <dgm:cxn modelId="7" srcId="0" destId="3" srcOrd="2" destOrd="0"/>
-        <dgm:cxn modelId="8" srcId="0" destId="4" srcOrd="3" destOrd="0"/>
-      </dgm:cxnLst>
-      <dgm:bg/>
-      <dgm:whole/>
-    </dgm:dataModel>
-  </dgm:clrData>
-  <dgm:layoutNode name="Name0">
-    <dgm:varLst>
-      <dgm:dir/>
-      <dgm:animLvl val="lvl"/>
-      <dgm:resizeHandles val="exact"/>
-    </dgm:varLst>
-    <dgm:choose name="Name1">
-      <dgm:if name="Name2" func="var" arg="dir" op="equ" val="norm">
-        <dgm:alg type="lin"/>
-      </dgm:if>
-      <dgm:else name="Name3">
-        <dgm:alg type="lin">
-          <dgm:param type="linDir" val="fromR"/>
-        </dgm:alg>
-      </dgm:else>
-    </dgm:choose>
-    <dgm:shape xmlns:r="http://schemas.openxmlformats.org/officeDocument/2006/relationships" r:blip="">
-      <dgm:adjLst/>
-    </dgm:shape>
-    <dgm:presOf/>
-    <dgm:choose name="Name4">
-      <dgm:if name="Name5" axis="des" func="maxDepth" op="gte" val="2">
-        <dgm:constrLst>
-          <dgm:constr type="h" for="ch" forName="composite" refType="h"/>
-          <dgm:constr type="w" for="ch" forName="composite" refType="w"/>
-          <dgm:constr type="w" for="des" forName="parTx"/>
-          <dgm:constr type="h" for="des" forName="parTx" op="equ"/>
-          <dgm:constr type="w" for="des" forName="desTx"/>
-          <dgm:constr type="h" for="des" forName="desTx" op="equ"/>
-          <dgm:constr type="primFontSz" for="des" forName="parTx" val="65"/>
-          <dgm:constr type="secFontSz" for="des" forName="desTx" refType="primFontSz" refFor="des" refForName="parTx" op="equ"/>
-          <dgm:constr type="h" for="des" forName="parTx" refType="primFontSz" refFor="des" refForName="parTx" fact="1.5"/>
-          <dgm:constr type="h" for="des" forName="desTx" refType="primFontSz" refFor="des" refForName="parTx" fact="0.5"/>
-          <dgm:constr type="w" for="ch" forName="space" op="equ" val="-6"/>
-        </dgm:constrLst>
-        <dgm:ruleLst>
-          <dgm:rule type="w" for="ch" forName="composite" val="0" fact="NaN" max="NaN"/>
-          <dgm:rule type="primFontSz" for="des" forName="parTx" val="5" fact="NaN" max="NaN"/>
-        </dgm:ruleLst>
-        <dgm:forEach name="Name6" axis="ch" ptType="node">
-          <dgm:layoutNode name="composite">
-            <dgm:alg type="composite"/>
-            <dgm:shape xmlns:r="http://schemas.openxmlformats.org/officeDocument/2006/relationships" r:blip="">
-              <dgm:adjLst/>
-            </dgm:shape>
-            <dgm:presOf/>
-            <dgm:choose name="Name7">
-              <dgm:if name="Name8" func="var" arg="dir" op="equ" val="norm">
-                <dgm:constrLst>
-                  <dgm:constr type="l" for="ch" forName="parTx"/>
-                  <dgm:constr type="w" for="ch" forName="parTx" refType="w"/>
-                  <dgm:constr type="t" for="ch" forName="parTx"/>
-                  <dgm:constr type="l" for="ch" forName="desTx"/>
-                  <dgm:constr type="w" for="ch" forName="desTx" refType="w" refFor="ch" refForName="parTx" fact="0.8"/>
-                  <dgm:constr type="t" for="ch" forName="desTx" refType="h" refFor="ch" refForName="parTx" fact="1.125"/>
-                </dgm:constrLst>
-              </dgm:if>
-              <dgm:else name="Name9">
-                <dgm:constrLst>
-                  <dgm:constr type="l" for="ch" forName="parTx"/>
-                  <dgm:constr type="w" for="ch" forName="parTx" refType="w"/>
-                  <dgm:constr type="t" for="ch" forName="parTx"/>
-                  <dgm:constr type="l" for="ch" forName="desTx" refType="w" fact="0.2"/>
-                  <dgm:constr type="w" for="ch" forName="desTx" refType="w" refFor="ch" refForName="parTx" fact="0.8"/>
-                  <dgm:constr type="t" for="ch" forName="desTx" refType="h" refFor="ch" refForName="parTx" fact="1.125"/>
-                </dgm:constrLst>
-              </dgm:else>
-            </dgm:choose>
-            <dgm:ruleLst>
-              <dgm:rule type="h" val="INF" fact="NaN" max="NaN"/>
-            </dgm:ruleLst>
-            <dgm:layoutNode name="parTx">
-              <dgm:varLst>
-                <dgm:chMax val="0"/>
-                <dgm:chPref val="0"/>
-                <dgm:bulletEnabled val="1"/>
-              </dgm:varLst>
-              <dgm:alg type="tx"/>
-              <dgm:choose name="Name10">
-                <dgm:if name="Name11" func="var" arg="dir" op="equ" val="norm">
-                  <dgm:shape xmlns:r="http://schemas.openxmlformats.org/officeDocument/2006/relationships" type="chevron" r:blip="">
-                    <dgm:adjLst/>
-                  </dgm:shape>
-                </dgm:if>
-                <dgm:else name="Name12">
-                  <dgm:shape xmlns:r="http://schemas.openxmlformats.org/officeDocument/2006/relationships" rot="180" type="chevron" r:blip="">
-                    <dgm:adjLst/>
-                  </dgm:shape>
-                </dgm:else>
-              </dgm:choose>
-              <dgm:presOf axis="self" ptType="node"/>
-              <dgm:choose name="Name13">
-                <dgm:if name="Name14" func="var" arg="dir" op="equ" val="norm">
-                  <dgm:constrLst>
-                    <dgm:constr type="h" refType="w" op="lte" fact="0.4"/>
-                    <dgm:constr type="h"/>
-                    <dgm:constr type="tMarg" refType="primFontSz" fact="0.105"/>
-                    <dgm:constr type="bMarg" refType="primFontSz" fact="0.105"/>
-                    <dgm:constr type="lMarg" refType="primFontSz" fact="0.315"/>
-                    <dgm:constr type="rMarg" refType="primFontSz" fact="0.105"/>
-                  </dgm:constrLst>
-                </dgm:if>
-                <dgm:else name="Name15">
-                  <dgm:constrLst>
-                    <dgm:constr type="h" refType="w" op="lte" fact="0.4"/>
-                    <dgm:constr type="h"/>
-                    <dgm:constr type="tMarg" refType="primFontSz" fact="0.105"/>
-                    <dgm:constr type="bMarg" refType="primFontSz" fact="0.105"/>
-                    <dgm:constr type="lMarg" refType="primFontSz" fact="0.105"/>
-                    <dgm:constr type="rMarg" refType="primFontSz" fact="0.315"/>
-                  </dgm:constrLst>
-                </dgm:else>
-              </dgm:choose>
-              <dgm:ruleLst>
-                <dgm:rule type="h" val="INF" fact="NaN" max="NaN"/>
-              </dgm:ruleLst>
-            </dgm:layoutNode>
-            <dgm:layoutNode name="desTx" styleLbl="revTx">
-              <dgm:varLst>
-                <dgm:bulletEnabled val="1"/>
-              </dgm:varLst>
-              <dgm:alg type="tx">
-                <dgm:param type="stBulletLvl" val="1"/>
-              </dgm:alg>
-              <dgm:choose name="Name16">
-                <dgm:if name="Name17" axis="ch" ptType="node" func="cnt" op="gte" val="1">
-                  <dgm:shape xmlns:r="http://schemas.openxmlformats.org/officeDocument/2006/relationships" type="rect" r:blip="">
-                    <dgm:adjLst/>
-                  </dgm:shape>
-                </dgm:if>
-                <dgm:else name="Name18">
-                  <dgm:shape xmlns:r="http://schemas.openxmlformats.org/officeDocument/2006/relationships" type="rect" r:blip="" hideGeom="1">
-                    <dgm:adjLst/>
-                  </dgm:shape>
-                </dgm:else>
-              </dgm:choose>
-              <dgm:presOf axis="des" ptType="node"/>
-              <dgm:constrLst>
-                <dgm:constr type="secFontSz" val="65"/>
-                <dgm:constr type="primFontSz" refType="secFontSz"/>
-                <dgm:constr type="h"/>
-                <dgm:constr type="tMarg"/>
-                <dgm:constr type="bMarg"/>
-                <dgm:constr type="rMarg"/>
-                <dgm:constr type="lMarg"/>
-              </dgm:constrLst>
-              <dgm:ruleLst>
-                <dgm:rule type="h" val="INF" fact="NaN" max="NaN"/>
-              </dgm:ruleLst>
-            </dgm:layoutNode>
-          </dgm:layoutNode>
-          <dgm:forEach name="Name19" axis="followSib" ptType="sibTrans" cnt="1">
-            <dgm:layoutNode name="space">
-              <dgm:alg type="sp"/>
-              <dgm:shape xmlns:r="http://schemas.openxmlformats.org/officeDocument/2006/relationships" r:blip="">
-                <dgm:adjLst/>
-              </dgm:shape>
-              <dgm:presOf/>
-              <dgm:constrLst/>
-              <dgm:ruleLst/>
-            </dgm:layoutNode>
-          </dgm:forEach>
-        </dgm:forEach>
-      </dgm:if>
-      <dgm:else name="Name20">
-        <dgm:constrLst>
-          <dgm:constr type="w" for="ch" forName="parTxOnly" refType="w"/>
-          <dgm:constr type="h" for="des" forName="parTxOnly" op="equ"/>
-          <dgm:constr type="primFontSz" for="des" forName="parTxOnly" op="equ" val="65"/>
-          <dgm:constr type="w" for="ch" forName="parTxOnlySpace" refType="w" refFor="ch" refForName="parTxOnly" fact="-0.1"/>
-        </dgm:constrLst>
-        <dgm:ruleLst/>
-        <dgm:forEach name="Name21" axis="ch" ptType="node">
-          <dgm:layoutNode name="parTxOnly">
-            <dgm:varLst>
-              <dgm:chMax val="0"/>
-              <dgm:chPref val="0"/>
-              <dgm:bulletEnabled val="1"/>
-            </dgm:varLst>
-            <dgm:alg type="tx"/>
-            <dgm:choose name="Name22">
-              <dgm:if name="Name23" func="var" arg="dir" op="equ" val="norm">
-                <dgm:shape xmlns:r="http://schemas.openxmlformats.org/officeDocument/2006/relationships" type="chevron" r:blip="">
-                  <dgm:adjLst/>
-                </dgm:shape>
-              </dgm:if>
-              <dgm:else name="Name24">
-                <dgm:shape xmlns:r="http://schemas.openxmlformats.org/officeDocument/2006/relationships" rot="180" type="chevron" r:blip="">
-                  <dgm:adjLst/>
-                </dgm:shape>
-              </dgm:else>
-            </dgm:choose>
-            <dgm:presOf axis="self" ptType="node"/>
-            <dgm:choose name="Name25">
-              <dgm:if name="Name26" func="var" arg="dir" op="equ" val="norm">
-                <dgm:constrLst>
-                  <dgm:constr type="h" refType="w" op="equ" fact="0.4"/>
-                  <dgm:constr type="tMarg" refType="primFontSz" fact="0.105"/>
-                  <dgm:constr type="bMarg" refType="primFontSz" fact="0.105"/>
-                  <dgm:constr type="lMarg" refType="primFontSz" fact="0.315"/>
-                  <dgm:constr type="rMarg" refType="primFontSz" fact="0.105"/>
-                </dgm:constrLst>
-              </dgm:if>
-              <dgm:else name="Name27">
-                <dgm:constrLst>
-                  <dgm:constr type="h" refType="w" op="equ" fact="0.4"/>
-                  <dgm:constr type="tMarg" refType="primFontSz" fact="0.105"/>
-                  <dgm:constr type="bMarg" refType="primFontSz" fact="0.105"/>
-                  <dgm:constr type="lMarg" refType="primFontSz" fact="0.105"/>
-                  <dgm:constr type="rMarg" refType="primFontSz" fact="0.315"/>
-                </dgm:constrLst>
-              </dgm:else>
-            </dgm:choose>
-            <dgm:ruleLst>
-              <dgm:rule type="primFontSz" val="5" fact="NaN" max="NaN"/>
-            </dgm:ruleLst>
-          </dgm:layoutNode>
-          <dgm:forEach name="Name28" axis="followSib" ptType="sibTrans" cnt="1">
-            <dgm:layoutNode name="parTxOnlySpace">
-              <dgm:alg type="sp"/>
-              <dgm:shape xmlns:r="http://schemas.openxmlformats.org/officeDocument/2006/relationships" r:blip="">
-                <dgm:adjLst/>
-              </dgm:shape>
-              <dgm:presOf/>
-              <dgm:constrLst/>
-              <dgm:ruleLst/>
-            </dgm:layoutNode>
-          </dgm:forEach>
-        </dgm:forEach>
-      </dgm:else>
-    </dgm:choose>
-  </dgm:layoutNode>
-</dgm:layoutDef>
-</file>
-
 <file path=ppt/diagrams/quickStyle1.xml><?xml version="1.0" encoding="utf-8"?>
 <dgm:styleDef xmlns:dgm="http://schemas.openxmlformats.org/drawingml/2006/diagram" xmlns:a="http://schemas.openxmlformats.org/drawingml/2006/main" uniqueId="urn:microsoft.com/office/officeart/2005/8/quickstyle/simple3">
   <dgm:title val=""/>
@@ -7934,1040 +6303,6 @@
         <a:scrgbClr r="0" g="0" b="0"/>
       </a:fillRef>
       <a:effectRef idx="1">
-        <a:scrgbClr r="0" g="0" b="0"/>
-      </a:effectRef>
-      <a:fontRef idx="minor"/>
-    </dgm:style>
-  </dgm:styleLbl>
-  <dgm:styleLbl name="revTx">
-    <dgm:scene3d>
-      <a:camera prst="orthographicFront"/>
-      <a:lightRig rig="threePt" dir="t"/>
-    </dgm:scene3d>
-    <dgm:sp3d/>
-    <dgm:txPr/>
-    <dgm:style>
-      <a:lnRef idx="0">
-        <a:scrgbClr r="0" g="0" b="0"/>
-      </a:lnRef>
-      <a:fillRef idx="0">
-        <a:scrgbClr r="0" g="0" b="0"/>
-      </a:fillRef>
-      <a:effectRef idx="0">
-        <a:scrgbClr r="0" g="0" b="0"/>
-      </a:effectRef>
-      <a:fontRef idx="minor"/>
-    </dgm:style>
-  </dgm:styleLbl>
-</dgm:styleDef>
-</file>
-
-<file path=ppt/diagrams/quickStyle3.xml><?xml version="1.0" encoding="utf-8"?>
-<dgm:styleDef xmlns:dgm="http://schemas.openxmlformats.org/drawingml/2006/diagram" xmlns:a="http://schemas.openxmlformats.org/drawingml/2006/main" uniqueId="urn:microsoft.com/office/officeart/2005/8/quickstyle/simple1">
-  <dgm:title val=""/>
-  <dgm:desc val=""/>
-  <dgm:catLst>
-    <dgm:cat type="simple" pri="10100"/>
-  </dgm:catLst>
-  <dgm:scene3d>
-    <a:camera prst="orthographicFront"/>
-    <a:lightRig rig="threePt" dir="t"/>
-  </dgm:scene3d>
-  <dgm:styleLbl name="node0">
-    <dgm:scene3d>
-      <a:camera prst="orthographicFront"/>
-      <a:lightRig rig="threePt" dir="t"/>
-    </dgm:scene3d>
-    <dgm:sp3d/>
-    <dgm:txPr/>
-    <dgm:style>
-      <a:lnRef idx="2">
-        <a:scrgbClr r="0" g="0" b="0"/>
-      </a:lnRef>
-      <a:fillRef idx="1">
-        <a:scrgbClr r="0" g="0" b="0"/>
-      </a:fillRef>
-      <a:effectRef idx="0">
-        <a:scrgbClr r="0" g="0" b="0"/>
-      </a:effectRef>
-      <a:fontRef idx="minor">
-        <a:schemeClr val="lt1"/>
-      </a:fontRef>
-    </dgm:style>
-  </dgm:styleLbl>
-  <dgm:styleLbl name="lnNode1">
-    <dgm:scene3d>
-      <a:camera prst="orthographicFront"/>
-      <a:lightRig rig="threePt" dir="t"/>
-    </dgm:scene3d>
-    <dgm:sp3d/>
-    <dgm:txPr/>
-    <dgm:style>
-      <a:lnRef idx="2">
-        <a:scrgbClr r="0" g="0" b="0"/>
-      </a:lnRef>
-      <a:fillRef idx="1">
-        <a:scrgbClr r="0" g="0" b="0"/>
-      </a:fillRef>
-      <a:effectRef idx="0">
-        <a:scrgbClr r="0" g="0" b="0"/>
-      </a:effectRef>
-      <a:fontRef idx="minor">
-        <a:schemeClr val="lt1"/>
-      </a:fontRef>
-    </dgm:style>
-  </dgm:styleLbl>
-  <dgm:styleLbl name="vennNode1">
-    <dgm:scene3d>
-      <a:camera prst="orthographicFront"/>
-      <a:lightRig rig="threePt" dir="t"/>
-    </dgm:scene3d>
-    <dgm:sp3d/>
-    <dgm:txPr/>
-    <dgm:style>
-      <a:lnRef idx="2">
-        <a:scrgbClr r="0" g="0" b="0"/>
-      </a:lnRef>
-      <a:fillRef idx="1">
-        <a:scrgbClr r="0" g="0" b="0"/>
-      </a:fillRef>
-      <a:effectRef idx="0">
-        <a:scrgbClr r="0" g="0" b="0"/>
-      </a:effectRef>
-      <a:fontRef idx="minor">
-        <a:schemeClr val="tx1"/>
-      </a:fontRef>
-    </dgm:style>
-  </dgm:styleLbl>
-  <dgm:styleLbl name="alignNode1">
-    <dgm:scene3d>
-      <a:camera prst="orthographicFront"/>
-      <a:lightRig rig="threePt" dir="t"/>
-    </dgm:scene3d>
-    <dgm:sp3d/>
-    <dgm:txPr/>
-    <dgm:style>
-      <a:lnRef idx="2">
-        <a:scrgbClr r="0" g="0" b="0"/>
-      </a:lnRef>
-      <a:fillRef idx="1">
-        <a:scrgbClr r="0" g="0" b="0"/>
-      </a:fillRef>
-      <a:effectRef idx="0">
-        <a:scrgbClr r="0" g="0" b="0"/>
-      </a:effectRef>
-      <a:fontRef idx="minor">
-        <a:schemeClr val="lt1"/>
-      </a:fontRef>
-    </dgm:style>
-  </dgm:styleLbl>
-  <dgm:styleLbl name="node1">
-    <dgm:scene3d>
-      <a:camera prst="orthographicFront"/>
-      <a:lightRig rig="threePt" dir="t"/>
-    </dgm:scene3d>
-    <dgm:sp3d/>
-    <dgm:txPr/>
-    <dgm:style>
-      <a:lnRef idx="2">
-        <a:scrgbClr r="0" g="0" b="0"/>
-      </a:lnRef>
-      <a:fillRef idx="1">
-        <a:scrgbClr r="0" g="0" b="0"/>
-      </a:fillRef>
-      <a:effectRef idx="0">
-        <a:scrgbClr r="0" g="0" b="0"/>
-      </a:effectRef>
-      <a:fontRef idx="minor">
-        <a:schemeClr val="lt1"/>
-      </a:fontRef>
-    </dgm:style>
-  </dgm:styleLbl>
-  <dgm:styleLbl name="node2">
-    <dgm:scene3d>
-      <a:camera prst="orthographicFront"/>
-      <a:lightRig rig="threePt" dir="t"/>
-    </dgm:scene3d>
-    <dgm:sp3d/>
-    <dgm:txPr/>
-    <dgm:style>
-      <a:lnRef idx="2">
-        <a:scrgbClr r="0" g="0" b="0"/>
-      </a:lnRef>
-      <a:fillRef idx="1">
-        <a:scrgbClr r="0" g="0" b="0"/>
-      </a:fillRef>
-      <a:effectRef idx="0">
-        <a:scrgbClr r="0" g="0" b="0"/>
-      </a:effectRef>
-      <a:fontRef idx="minor">
-        <a:schemeClr val="lt1"/>
-      </a:fontRef>
-    </dgm:style>
-  </dgm:styleLbl>
-  <dgm:styleLbl name="node3">
-    <dgm:scene3d>
-      <a:camera prst="orthographicFront"/>
-      <a:lightRig rig="threePt" dir="t"/>
-    </dgm:scene3d>
-    <dgm:sp3d/>
-    <dgm:txPr/>
-    <dgm:style>
-      <a:lnRef idx="2">
-        <a:scrgbClr r="0" g="0" b="0"/>
-      </a:lnRef>
-      <a:fillRef idx="1">
-        <a:scrgbClr r="0" g="0" b="0"/>
-      </a:fillRef>
-      <a:effectRef idx="0">
-        <a:scrgbClr r="0" g="0" b="0"/>
-      </a:effectRef>
-      <a:fontRef idx="minor">
-        <a:schemeClr val="lt1"/>
-      </a:fontRef>
-    </dgm:style>
-  </dgm:styleLbl>
-  <dgm:styleLbl name="node4">
-    <dgm:scene3d>
-      <a:camera prst="orthographicFront"/>
-      <a:lightRig rig="threePt" dir="t"/>
-    </dgm:scene3d>
-    <dgm:sp3d/>
-    <dgm:txPr/>
-    <dgm:style>
-      <a:lnRef idx="2">
-        <a:scrgbClr r="0" g="0" b="0"/>
-      </a:lnRef>
-      <a:fillRef idx="1">
-        <a:scrgbClr r="0" g="0" b="0"/>
-      </a:fillRef>
-      <a:effectRef idx="0">
-        <a:scrgbClr r="0" g="0" b="0"/>
-      </a:effectRef>
-      <a:fontRef idx="minor">
-        <a:schemeClr val="lt1"/>
-      </a:fontRef>
-    </dgm:style>
-  </dgm:styleLbl>
-  <dgm:styleLbl name="fgImgPlace1">
-    <dgm:scene3d>
-      <a:camera prst="orthographicFront"/>
-      <a:lightRig rig="threePt" dir="t"/>
-    </dgm:scene3d>
-    <dgm:sp3d/>
-    <dgm:txPr/>
-    <dgm:style>
-      <a:lnRef idx="2">
-        <a:scrgbClr r="0" g="0" b="0"/>
-      </a:lnRef>
-      <a:fillRef idx="1">
-        <a:scrgbClr r="0" g="0" b="0"/>
-      </a:fillRef>
-      <a:effectRef idx="0">
-        <a:scrgbClr r="0" g="0" b="0"/>
-      </a:effectRef>
-      <a:fontRef idx="minor"/>
-    </dgm:style>
-  </dgm:styleLbl>
-  <dgm:styleLbl name="alignImgPlace1">
-    <dgm:scene3d>
-      <a:camera prst="orthographicFront"/>
-      <a:lightRig rig="threePt" dir="t"/>
-    </dgm:scene3d>
-    <dgm:sp3d/>
-    <dgm:txPr/>
-    <dgm:style>
-      <a:lnRef idx="2">
-        <a:scrgbClr r="0" g="0" b="0"/>
-      </a:lnRef>
-      <a:fillRef idx="1">
-        <a:scrgbClr r="0" g="0" b="0"/>
-      </a:fillRef>
-      <a:effectRef idx="0">
-        <a:scrgbClr r="0" g="0" b="0"/>
-      </a:effectRef>
-      <a:fontRef idx="minor"/>
-    </dgm:style>
-  </dgm:styleLbl>
-  <dgm:styleLbl name="bgImgPlace1">
-    <dgm:scene3d>
-      <a:camera prst="orthographicFront"/>
-      <a:lightRig rig="threePt" dir="t"/>
-    </dgm:scene3d>
-    <dgm:sp3d/>
-    <dgm:txPr/>
-    <dgm:style>
-      <a:lnRef idx="2">
-        <a:scrgbClr r="0" g="0" b="0"/>
-      </a:lnRef>
-      <a:fillRef idx="1">
-        <a:scrgbClr r="0" g="0" b="0"/>
-      </a:fillRef>
-      <a:effectRef idx="0">
-        <a:scrgbClr r="0" g="0" b="0"/>
-      </a:effectRef>
-      <a:fontRef idx="minor"/>
-    </dgm:style>
-  </dgm:styleLbl>
-  <dgm:styleLbl name="sibTrans2D1">
-    <dgm:scene3d>
-      <a:camera prst="orthographicFront"/>
-      <a:lightRig rig="threePt" dir="t"/>
-    </dgm:scene3d>
-    <dgm:sp3d/>
-    <dgm:txPr/>
-    <dgm:style>
-      <a:lnRef idx="0">
-        <a:scrgbClr r="0" g="0" b="0"/>
-      </a:lnRef>
-      <a:fillRef idx="1">
-        <a:scrgbClr r="0" g="0" b="0"/>
-      </a:fillRef>
-      <a:effectRef idx="0">
-        <a:scrgbClr r="0" g="0" b="0"/>
-      </a:effectRef>
-      <a:fontRef idx="minor">
-        <a:schemeClr val="lt1"/>
-      </a:fontRef>
-    </dgm:style>
-  </dgm:styleLbl>
-  <dgm:styleLbl name="fgSibTrans2D1">
-    <dgm:scene3d>
-      <a:camera prst="orthographicFront"/>
-      <a:lightRig rig="threePt" dir="t"/>
-    </dgm:scene3d>
-    <dgm:sp3d/>
-    <dgm:txPr/>
-    <dgm:style>
-      <a:lnRef idx="0">
-        <a:scrgbClr r="0" g="0" b="0"/>
-      </a:lnRef>
-      <a:fillRef idx="1">
-        <a:scrgbClr r="0" g="0" b="0"/>
-      </a:fillRef>
-      <a:effectRef idx="0">
-        <a:scrgbClr r="0" g="0" b="0"/>
-      </a:effectRef>
-      <a:fontRef idx="minor">
-        <a:schemeClr val="lt1"/>
-      </a:fontRef>
-    </dgm:style>
-  </dgm:styleLbl>
-  <dgm:styleLbl name="bgSibTrans2D1">
-    <dgm:scene3d>
-      <a:camera prst="orthographicFront"/>
-      <a:lightRig rig="threePt" dir="t"/>
-    </dgm:scene3d>
-    <dgm:sp3d/>
-    <dgm:txPr/>
-    <dgm:style>
-      <a:lnRef idx="0">
-        <a:scrgbClr r="0" g="0" b="0"/>
-      </a:lnRef>
-      <a:fillRef idx="1">
-        <a:scrgbClr r="0" g="0" b="0"/>
-      </a:fillRef>
-      <a:effectRef idx="0">
-        <a:scrgbClr r="0" g="0" b="0"/>
-      </a:effectRef>
-      <a:fontRef idx="minor">
-        <a:schemeClr val="lt1"/>
-      </a:fontRef>
-    </dgm:style>
-  </dgm:styleLbl>
-  <dgm:styleLbl name="sibTrans1D1">
-    <dgm:scene3d>
-      <a:camera prst="orthographicFront"/>
-      <a:lightRig rig="threePt" dir="t"/>
-    </dgm:scene3d>
-    <dgm:sp3d/>
-    <dgm:txPr/>
-    <dgm:style>
-      <a:lnRef idx="1">
-        <a:scrgbClr r="0" g="0" b="0"/>
-      </a:lnRef>
-      <a:fillRef idx="0">
-        <a:scrgbClr r="0" g="0" b="0"/>
-      </a:fillRef>
-      <a:effectRef idx="0">
-        <a:scrgbClr r="0" g="0" b="0"/>
-      </a:effectRef>
-      <a:fontRef idx="minor"/>
-    </dgm:style>
-  </dgm:styleLbl>
-  <dgm:styleLbl name="callout">
-    <dgm:scene3d>
-      <a:camera prst="orthographicFront"/>
-      <a:lightRig rig="threePt" dir="t"/>
-    </dgm:scene3d>
-    <dgm:sp3d/>
-    <dgm:txPr/>
-    <dgm:style>
-      <a:lnRef idx="2">
-        <a:scrgbClr r="0" g="0" b="0"/>
-      </a:lnRef>
-      <a:fillRef idx="1">
-        <a:scrgbClr r="0" g="0" b="0"/>
-      </a:fillRef>
-      <a:effectRef idx="0">
-        <a:scrgbClr r="0" g="0" b="0"/>
-      </a:effectRef>
-      <a:fontRef idx="minor"/>
-    </dgm:style>
-  </dgm:styleLbl>
-  <dgm:styleLbl name="asst0">
-    <dgm:scene3d>
-      <a:camera prst="orthographicFront"/>
-      <a:lightRig rig="threePt" dir="t"/>
-    </dgm:scene3d>
-    <dgm:sp3d/>
-    <dgm:txPr/>
-    <dgm:style>
-      <a:lnRef idx="2">
-        <a:scrgbClr r="0" g="0" b="0"/>
-      </a:lnRef>
-      <a:fillRef idx="1">
-        <a:scrgbClr r="0" g="0" b="0"/>
-      </a:fillRef>
-      <a:effectRef idx="0">
-        <a:scrgbClr r="0" g="0" b="0"/>
-      </a:effectRef>
-      <a:fontRef idx="minor">
-        <a:schemeClr val="lt1"/>
-      </a:fontRef>
-    </dgm:style>
-  </dgm:styleLbl>
-  <dgm:styleLbl name="asst1">
-    <dgm:scene3d>
-      <a:camera prst="orthographicFront"/>
-      <a:lightRig rig="threePt" dir="t"/>
-    </dgm:scene3d>
-    <dgm:sp3d/>
-    <dgm:txPr/>
-    <dgm:style>
-      <a:lnRef idx="2">
-        <a:scrgbClr r="0" g="0" b="0"/>
-      </a:lnRef>
-      <a:fillRef idx="1">
-        <a:scrgbClr r="0" g="0" b="0"/>
-      </a:fillRef>
-      <a:effectRef idx="0">
-        <a:scrgbClr r="0" g="0" b="0"/>
-      </a:effectRef>
-      <a:fontRef idx="minor">
-        <a:schemeClr val="lt1"/>
-      </a:fontRef>
-    </dgm:style>
-  </dgm:styleLbl>
-  <dgm:styleLbl name="asst2">
-    <dgm:scene3d>
-      <a:camera prst="orthographicFront"/>
-      <a:lightRig rig="threePt" dir="t"/>
-    </dgm:scene3d>
-    <dgm:sp3d/>
-    <dgm:txPr/>
-    <dgm:style>
-      <a:lnRef idx="2">
-        <a:scrgbClr r="0" g="0" b="0"/>
-      </a:lnRef>
-      <a:fillRef idx="1">
-        <a:scrgbClr r="0" g="0" b="0"/>
-      </a:fillRef>
-      <a:effectRef idx="0">
-        <a:scrgbClr r="0" g="0" b="0"/>
-      </a:effectRef>
-      <a:fontRef idx="minor">
-        <a:schemeClr val="lt1"/>
-      </a:fontRef>
-    </dgm:style>
-  </dgm:styleLbl>
-  <dgm:styleLbl name="asst3">
-    <dgm:scene3d>
-      <a:camera prst="orthographicFront"/>
-      <a:lightRig rig="threePt" dir="t"/>
-    </dgm:scene3d>
-    <dgm:sp3d/>
-    <dgm:txPr/>
-    <dgm:style>
-      <a:lnRef idx="2">
-        <a:scrgbClr r="0" g="0" b="0"/>
-      </a:lnRef>
-      <a:fillRef idx="1">
-        <a:scrgbClr r="0" g="0" b="0"/>
-      </a:fillRef>
-      <a:effectRef idx="0">
-        <a:scrgbClr r="0" g="0" b="0"/>
-      </a:effectRef>
-      <a:fontRef idx="minor">
-        <a:schemeClr val="lt1"/>
-      </a:fontRef>
-    </dgm:style>
-  </dgm:styleLbl>
-  <dgm:styleLbl name="asst4">
-    <dgm:scene3d>
-      <a:camera prst="orthographicFront"/>
-      <a:lightRig rig="threePt" dir="t"/>
-    </dgm:scene3d>
-    <dgm:sp3d/>
-    <dgm:txPr/>
-    <dgm:style>
-      <a:lnRef idx="2">
-        <a:scrgbClr r="0" g="0" b="0"/>
-      </a:lnRef>
-      <a:fillRef idx="1">
-        <a:scrgbClr r="0" g="0" b="0"/>
-      </a:fillRef>
-      <a:effectRef idx="0">
-        <a:scrgbClr r="0" g="0" b="0"/>
-      </a:effectRef>
-      <a:fontRef idx="minor">
-        <a:schemeClr val="lt1"/>
-      </a:fontRef>
-    </dgm:style>
-  </dgm:styleLbl>
-  <dgm:styleLbl name="parChTrans2D1">
-    <dgm:scene3d>
-      <a:camera prst="orthographicFront"/>
-      <a:lightRig rig="threePt" dir="t"/>
-    </dgm:scene3d>
-    <dgm:sp3d/>
-    <dgm:txPr/>
-    <dgm:style>
-      <a:lnRef idx="2">
-        <a:scrgbClr r="0" g="0" b="0"/>
-      </a:lnRef>
-      <a:fillRef idx="1">
-        <a:scrgbClr r="0" g="0" b="0"/>
-      </a:fillRef>
-      <a:effectRef idx="0">
-        <a:scrgbClr r="0" g="0" b="0"/>
-      </a:effectRef>
-      <a:fontRef idx="minor">
-        <a:schemeClr val="lt1"/>
-      </a:fontRef>
-    </dgm:style>
-  </dgm:styleLbl>
-  <dgm:styleLbl name="parChTrans2D2">
-    <dgm:scene3d>
-      <a:camera prst="orthographicFront"/>
-      <a:lightRig rig="threePt" dir="t"/>
-    </dgm:scene3d>
-    <dgm:sp3d/>
-    <dgm:txPr/>
-    <dgm:style>
-      <a:lnRef idx="2">
-        <a:scrgbClr r="0" g="0" b="0"/>
-      </a:lnRef>
-      <a:fillRef idx="1">
-        <a:scrgbClr r="0" g="0" b="0"/>
-      </a:fillRef>
-      <a:effectRef idx="0">
-        <a:scrgbClr r="0" g="0" b="0"/>
-      </a:effectRef>
-      <a:fontRef idx="minor">
-        <a:schemeClr val="lt1"/>
-      </a:fontRef>
-    </dgm:style>
-  </dgm:styleLbl>
-  <dgm:styleLbl name="parChTrans2D3">
-    <dgm:scene3d>
-      <a:camera prst="orthographicFront"/>
-      <a:lightRig rig="threePt" dir="t"/>
-    </dgm:scene3d>
-    <dgm:sp3d/>
-    <dgm:txPr/>
-    <dgm:style>
-      <a:lnRef idx="2">
-        <a:scrgbClr r="0" g="0" b="0"/>
-      </a:lnRef>
-      <a:fillRef idx="1">
-        <a:scrgbClr r="0" g="0" b="0"/>
-      </a:fillRef>
-      <a:effectRef idx="0">
-        <a:scrgbClr r="0" g="0" b="0"/>
-      </a:effectRef>
-      <a:fontRef idx="minor">
-        <a:schemeClr val="lt1"/>
-      </a:fontRef>
-    </dgm:style>
-  </dgm:styleLbl>
-  <dgm:styleLbl name="parChTrans2D4">
-    <dgm:scene3d>
-      <a:camera prst="orthographicFront"/>
-      <a:lightRig rig="threePt" dir="t"/>
-    </dgm:scene3d>
-    <dgm:sp3d/>
-    <dgm:txPr/>
-    <dgm:style>
-      <a:lnRef idx="2">
-        <a:scrgbClr r="0" g="0" b="0"/>
-      </a:lnRef>
-      <a:fillRef idx="1">
-        <a:scrgbClr r="0" g="0" b="0"/>
-      </a:fillRef>
-      <a:effectRef idx="0">
-        <a:scrgbClr r="0" g="0" b="0"/>
-      </a:effectRef>
-      <a:fontRef idx="minor">
-        <a:schemeClr val="lt1"/>
-      </a:fontRef>
-    </dgm:style>
-  </dgm:styleLbl>
-  <dgm:styleLbl name="parChTrans1D1">
-    <dgm:scene3d>
-      <a:camera prst="orthographicFront"/>
-      <a:lightRig rig="threePt" dir="t"/>
-    </dgm:scene3d>
-    <dgm:sp3d/>
-    <dgm:txPr/>
-    <dgm:style>
-      <a:lnRef idx="2">
-        <a:scrgbClr r="0" g="0" b="0"/>
-      </a:lnRef>
-      <a:fillRef idx="0">
-        <a:scrgbClr r="0" g="0" b="0"/>
-      </a:fillRef>
-      <a:effectRef idx="0">
-        <a:scrgbClr r="0" g="0" b="0"/>
-      </a:effectRef>
-      <a:fontRef idx="minor"/>
-    </dgm:style>
-  </dgm:styleLbl>
-  <dgm:styleLbl name="parChTrans1D2">
-    <dgm:scene3d>
-      <a:camera prst="orthographicFront"/>
-      <a:lightRig rig="threePt" dir="t"/>
-    </dgm:scene3d>
-    <dgm:sp3d/>
-    <dgm:txPr/>
-    <dgm:style>
-      <a:lnRef idx="2">
-        <a:scrgbClr r="0" g="0" b="0"/>
-      </a:lnRef>
-      <a:fillRef idx="0">
-        <a:scrgbClr r="0" g="0" b="0"/>
-      </a:fillRef>
-      <a:effectRef idx="0">
-        <a:scrgbClr r="0" g="0" b="0"/>
-      </a:effectRef>
-      <a:fontRef idx="minor"/>
-    </dgm:style>
-  </dgm:styleLbl>
-  <dgm:styleLbl name="parChTrans1D3">
-    <dgm:scene3d>
-      <a:camera prst="orthographicFront"/>
-      <a:lightRig rig="threePt" dir="t"/>
-    </dgm:scene3d>
-    <dgm:sp3d/>
-    <dgm:txPr/>
-    <dgm:style>
-      <a:lnRef idx="2">
-        <a:scrgbClr r="0" g="0" b="0"/>
-      </a:lnRef>
-      <a:fillRef idx="0">
-        <a:scrgbClr r="0" g="0" b="0"/>
-      </a:fillRef>
-      <a:effectRef idx="0">
-        <a:scrgbClr r="0" g="0" b="0"/>
-      </a:effectRef>
-      <a:fontRef idx="minor"/>
-    </dgm:style>
-  </dgm:styleLbl>
-  <dgm:styleLbl name="parChTrans1D4">
-    <dgm:scene3d>
-      <a:camera prst="orthographicFront"/>
-      <a:lightRig rig="threePt" dir="t"/>
-    </dgm:scene3d>
-    <dgm:sp3d/>
-    <dgm:txPr/>
-    <dgm:style>
-      <a:lnRef idx="2">
-        <a:scrgbClr r="0" g="0" b="0"/>
-      </a:lnRef>
-      <a:fillRef idx="0">
-        <a:scrgbClr r="0" g="0" b="0"/>
-      </a:fillRef>
-      <a:effectRef idx="0">
-        <a:scrgbClr r="0" g="0" b="0"/>
-      </a:effectRef>
-      <a:fontRef idx="minor"/>
-    </dgm:style>
-  </dgm:styleLbl>
-  <dgm:styleLbl name="fgAcc1">
-    <dgm:scene3d>
-      <a:camera prst="orthographicFront"/>
-      <a:lightRig rig="threePt" dir="t"/>
-    </dgm:scene3d>
-    <dgm:sp3d/>
-    <dgm:txPr/>
-    <dgm:style>
-      <a:lnRef idx="2">
-        <a:scrgbClr r="0" g="0" b="0"/>
-      </a:lnRef>
-      <a:fillRef idx="1">
-        <a:scrgbClr r="0" g="0" b="0"/>
-      </a:fillRef>
-      <a:effectRef idx="0">
-        <a:scrgbClr r="0" g="0" b="0"/>
-      </a:effectRef>
-      <a:fontRef idx="minor"/>
-    </dgm:style>
-  </dgm:styleLbl>
-  <dgm:styleLbl name="conFgAcc1">
-    <dgm:scene3d>
-      <a:camera prst="orthographicFront"/>
-      <a:lightRig rig="threePt" dir="t"/>
-    </dgm:scene3d>
-    <dgm:sp3d/>
-    <dgm:txPr/>
-    <dgm:style>
-      <a:lnRef idx="2">
-        <a:scrgbClr r="0" g="0" b="0"/>
-      </a:lnRef>
-      <a:fillRef idx="1">
-        <a:scrgbClr r="0" g="0" b="0"/>
-      </a:fillRef>
-      <a:effectRef idx="0">
-        <a:scrgbClr r="0" g="0" b="0"/>
-      </a:effectRef>
-      <a:fontRef idx="minor"/>
-    </dgm:style>
-  </dgm:styleLbl>
-  <dgm:styleLbl name="alignAcc1">
-    <dgm:scene3d>
-      <a:camera prst="orthographicFront"/>
-      <a:lightRig rig="threePt" dir="t"/>
-    </dgm:scene3d>
-    <dgm:sp3d/>
-    <dgm:txPr/>
-    <dgm:style>
-      <a:lnRef idx="2">
-        <a:scrgbClr r="0" g="0" b="0"/>
-      </a:lnRef>
-      <a:fillRef idx="1">
-        <a:scrgbClr r="0" g="0" b="0"/>
-      </a:fillRef>
-      <a:effectRef idx="0">
-        <a:scrgbClr r="0" g="0" b="0"/>
-      </a:effectRef>
-      <a:fontRef idx="minor"/>
-    </dgm:style>
-  </dgm:styleLbl>
-  <dgm:styleLbl name="trAlignAcc1">
-    <dgm:scene3d>
-      <a:camera prst="orthographicFront"/>
-      <a:lightRig rig="threePt" dir="t"/>
-    </dgm:scene3d>
-    <dgm:sp3d/>
-    <dgm:txPr/>
-    <dgm:style>
-      <a:lnRef idx="1">
-        <a:scrgbClr r="0" g="0" b="0"/>
-      </a:lnRef>
-      <a:fillRef idx="1">
-        <a:scrgbClr r="0" g="0" b="0"/>
-      </a:fillRef>
-      <a:effectRef idx="0">
-        <a:scrgbClr r="0" g="0" b="0"/>
-      </a:effectRef>
-      <a:fontRef idx="minor"/>
-    </dgm:style>
-  </dgm:styleLbl>
-  <dgm:styleLbl name="bgAcc1">
-    <dgm:scene3d>
-      <a:camera prst="orthographicFront"/>
-      <a:lightRig rig="threePt" dir="t"/>
-    </dgm:scene3d>
-    <dgm:sp3d/>
-    <dgm:txPr/>
-    <dgm:style>
-      <a:lnRef idx="2">
-        <a:scrgbClr r="0" g="0" b="0"/>
-      </a:lnRef>
-      <a:fillRef idx="1">
-        <a:scrgbClr r="0" g="0" b="0"/>
-      </a:fillRef>
-      <a:effectRef idx="0">
-        <a:scrgbClr r="0" g="0" b="0"/>
-      </a:effectRef>
-      <a:fontRef idx="minor"/>
-    </dgm:style>
-  </dgm:styleLbl>
-  <dgm:styleLbl name="solidFgAcc1">
-    <dgm:scene3d>
-      <a:camera prst="orthographicFront"/>
-      <a:lightRig rig="threePt" dir="t"/>
-    </dgm:scene3d>
-    <dgm:sp3d/>
-    <dgm:txPr/>
-    <dgm:style>
-      <a:lnRef idx="2">
-        <a:scrgbClr r="0" g="0" b="0"/>
-      </a:lnRef>
-      <a:fillRef idx="1">
-        <a:scrgbClr r="0" g="0" b="0"/>
-      </a:fillRef>
-      <a:effectRef idx="0">
-        <a:scrgbClr r="0" g="0" b="0"/>
-      </a:effectRef>
-      <a:fontRef idx="minor"/>
-    </dgm:style>
-  </dgm:styleLbl>
-  <dgm:styleLbl name="solidAlignAcc1">
-    <dgm:scene3d>
-      <a:camera prst="orthographicFront"/>
-      <a:lightRig rig="threePt" dir="t"/>
-    </dgm:scene3d>
-    <dgm:sp3d/>
-    <dgm:txPr/>
-    <dgm:style>
-      <a:lnRef idx="2">
-        <a:scrgbClr r="0" g="0" b="0"/>
-      </a:lnRef>
-      <a:fillRef idx="1">
-        <a:scrgbClr r="0" g="0" b="0"/>
-      </a:fillRef>
-      <a:effectRef idx="0">
-        <a:scrgbClr r="0" g="0" b="0"/>
-      </a:effectRef>
-      <a:fontRef idx="minor"/>
-    </dgm:style>
-  </dgm:styleLbl>
-  <dgm:styleLbl name="solidBgAcc1">
-    <dgm:scene3d>
-      <a:camera prst="orthographicFront"/>
-      <a:lightRig rig="threePt" dir="t"/>
-    </dgm:scene3d>
-    <dgm:sp3d/>
-    <dgm:txPr/>
-    <dgm:style>
-      <a:lnRef idx="2">
-        <a:scrgbClr r="0" g="0" b="0"/>
-      </a:lnRef>
-      <a:fillRef idx="1">
-        <a:scrgbClr r="0" g="0" b="0"/>
-      </a:fillRef>
-      <a:effectRef idx="0">
-        <a:scrgbClr r="0" g="0" b="0"/>
-      </a:effectRef>
-      <a:fontRef idx="minor"/>
-    </dgm:style>
-  </dgm:styleLbl>
-  <dgm:styleLbl name="fgAccFollowNode1">
-    <dgm:scene3d>
-      <a:camera prst="orthographicFront"/>
-      <a:lightRig rig="threePt" dir="t"/>
-    </dgm:scene3d>
-    <dgm:sp3d/>
-    <dgm:txPr/>
-    <dgm:style>
-      <a:lnRef idx="2">
-        <a:scrgbClr r="0" g="0" b="0"/>
-      </a:lnRef>
-      <a:fillRef idx="1">
-        <a:scrgbClr r="0" g="0" b="0"/>
-      </a:fillRef>
-      <a:effectRef idx="0">
-        <a:scrgbClr r="0" g="0" b="0"/>
-      </a:effectRef>
-      <a:fontRef idx="minor"/>
-    </dgm:style>
-  </dgm:styleLbl>
-  <dgm:styleLbl name="alignAccFollowNode1">
-    <dgm:scene3d>
-      <a:camera prst="orthographicFront"/>
-      <a:lightRig rig="threePt" dir="t"/>
-    </dgm:scene3d>
-    <dgm:sp3d/>
-    <dgm:txPr/>
-    <dgm:style>
-      <a:lnRef idx="2">
-        <a:scrgbClr r="0" g="0" b="0"/>
-      </a:lnRef>
-      <a:fillRef idx="1">
-        <a:scrgbClr r="0" g="0" b="0"/>
-      </a:fillRef>
-      <a:effectRef idx="0">
-        <a:scrgbClr r="0" g="0" b="0"/>
-      </a:effectRef>
-      <a:fontRef idx="minor"/>
-    </dgm:style>
-  </dgm:styleLbl>
-  <dgm:styleLbl name="bgAccFollowNode1">
-    <dgm:scene3d>
-      <a:camera prst="orthographicFront"/>
-      <a:lightRig rig="threePt" dir="t"/>
-    </dgm:scene3d>
-    <dgm:sp3d/>
-    <dgm:txPr/>
-    <dgm:style>
-      <a:lnRef idx="2">
-        <a:scrgbClr r="0" g="0" b="0"/>
-      </a:lnRef>
-      <a:fillRef idx="1">
-        <a:scrgbClr r="0" g="0" b="0"/>
-      </a:fillRef>
-      <a:effectRef idx="0">
-        <a:scrgbClr r="0" g="0" b="0"/>
-      </a:effectRef>
-      <a:fontRef idx="minor"/>
-    </dgm:style>
-  </dgm:styleLbl>
-  <dgm:styleLbl name="fgAcc0">
-    <dgm:scene3d>
-      <a:camera prst="orthographicFront"/>
-      <a:lightRig rig="threePt" dir="t"/>
-    </dgm:scene3d>
-    <dgm:sp3d/>
-    <dgm:txPr/>
-    <dgm:style>
-      <a:lnRef idx="2">
-        <a:scrgbClr r="0" g="0" b="0"/>
-      </a:lnRef>
-      <a:fillRef idx="1">
-        <a:scrgbClr r="0" g="0" b="0"/>
-      </a:fillRef>
-      <a:effectRef idx="0">
-        <a:scrgbClr r="0" g="0" b="0"/>
-      </a:effectRef>
-      <a:fontRef idx="minor"/>
-    </dgm:style>
-  </dgm:styleLbl>
-  <dgm:styleLbl name="fgAcc2">
-    <dgm:scene3d>
-      <a:camera prst="orthographicFront"/>
-      <a:lightRig rig="threePt" dir="t"/>
-    </dgm:scene3d>
-    <dgm:sp3d/>
-    <dgm:txPr/>
-    <dgm:style>
-      <a:lnRef idx="2">
-        <a:scrgbClr r="0" g="0" b="0"/>
-      </a:lnRef>
-      <a:fillRef idx="1">
-        <a:scrgbClr r="0" g="0" b="0"/>
-      </a:fillRef>
-      <a:effectRef idx="0">
-        <a:scrgbClr r="0" g="0" b="0"/>
-      </a:effectRef>
-      <a:fontRef idx="minor"/>
-    </dgm:style>
-  </dgm:styleLbl>
-  <dgm:styleLbl name="fgAcc3">
-    <dgm:scene3d>
-      <a:camera prst="orthographicFront"/>
-      <a:lightRig rig="threePt" dir="t"/>
-    </dgm:scene3d>
-    <dgm:sp3d/>
-    <dgm:txPr/>
-    <dgm:style>
-      <a:lnRef idx="2">
-        <a:scrgbClr r="0" g="0" b="0"/>
-      </a:lnRef>
-      <a:fillRef idx="1">
-        <a:scrgbClr r="0" g="0" b="0"/>
-      </a:fillRef>
-      <a:effectRef idx="0">
-        <a:scrgbClr r="0" g="0" b="0"/>
-      </a:effectRef>
-      <a:fontRef idx="minor"/>
-    </dgm:style>
-  </dgm:styleLbl>
-  <dgm:styleLbl name="fgAcc4">
-    <dgm:scene3d>
-      <a:camera prst="orthographicFront"/>
-      <a:lightRig rig="threePt" dir="t"/>
-    </dgm:scene3d>
-    <dgm:sp3d/>
-    <dgm:txPr/>
-    <dgm:style>
-      <a:lnRef idx="2">
-        <a:scrgbClr r="0" g="0" b="0"/>
-      </a:lnRef>
-      <a:fillRef idx="1">
-        <a:scrgbClr r="0" g="0" b="0"/>
-      </a:fillRef>
-      <a:effectRef idx="0">
-        <a:scrgbClr r="0" g="0" b="0"/>
-      </a:effectRef>
-      <a:fontRef idx="minor"/>
-    </dgm:style>
-  </dgm:styleLbl>
-  <dgm:styleLbl name="bgShp">
-    <dgm:scene3d>
-      <a:camera prst="orthographicFront"/>
-      <a:lightRig rig="threePt" dir="t"/>
-    </dgm:scene3d>
-    <dgm:sp3d/>
-    <dgm:txPr/>
-    <dgm:style>
-      <a:lnRef idx="0">
-        <a:scrgbClr r="0" g="0" b="0"/>
-      </a:lnRef>
-      <a:fillRef idx="1">
-        <a:scrgbClr r="0" g="0" b="0"/>
-      </a:fillRef>
-      <a:effectRef idx="0">
-        <a:scrgbClr r="0" g="0" b="0"/>
-      </a:effectRef>
-      <a:fontRef idx="minor"/>
-    </dgm:style>
-  </dgm:styleLbl>
-  <dgm:styleLbl name="dkBgShp">
-    <dgm:scene3d>
-      <a:camera prst="orthographicFront"/>
-      <a:lightRig rig="threePt" dir="t"/>
-    </dgm:scene3d>
-    <dgm:sp3d/>
-    <dgm:txPr/>
-    <dgm:style>
-      <a:lnRef idx="0">
-        <a:scrgbClr r="0" g="0" b="0"/>
-      </a:lnRef>
-      <a:fillRef idx="1">
-        <a:scrgbClr r="0" g="0" b="0"/>
-      </a:fillRef>
-      <a:effectRef idx="0">
-        <a:scrgbClr r="0" g="0" b="0"/>
-      </a:effectRef>
-      <a:fontRef idx="minor"/>
-    </dgm:style>
-  </dgm:styleLbl>
-  <dgm:styleLbl name="trBgShp">
-    <dgm:scene3d>
-      <a:camera prst="orthographicFront"/>
-      <a:lightRig rig="threePt" dir="t"/>
-    </dgm:scene3d>
-    <dgm:sp3d/>
-    <dgm:txPr/>
-    <dgm:style>
-      <a:lnRef idx="0">
-        <a:scrgbClr r="0" g="0" b="0"/>
-      </a:lnRef>
-      <a:fillRef idx="1">
-        <a:scrgbClr r="0" g="0" b="0"/>
-      </a:fillRef>
-      <a:effectRef idx="0">
-        <a:scrgbClr r="0" g="0" b="0"/>
-      </a:effectRef>
-      <a:fontRef idx="minor"/>
-    </dgm:style>
-  </dgm:styleLbl>
-  <dgm:styleLbl name="fgShp">
-    <dgm:scene3d>
-      <a:camera prst="orthographicFront"/>
-      <a:lightRig rig="threePt" dir="t"/>
-    </dgm:scene3d>
-    <dgm:sp3d/>
-    <dgm:txPr/>
-    <dgm:style>
-      <a:lnRef idx="2">
-        <a:scrgbClr r="0" g="0" b="0"/>
-      </a:lnRef>
-      <a:fillRef idx="1">
-        <a:scrgbClr r="0" g="0" b="0"/>
-      </a:fillRef>
-      <a:effectRef idx="0">
         <a:scrgbClr r="0" g="0" b="0"/>
       </a:effectRef>
       <a:fontRef idx="minor"/>
@@ -9078,7 +6413,7 @@
           <a:p>
             <a:fld id="{02CB1AAE-EB80-413D-865C-38EC53BA1F48}" type="datetimeFigureOut">
               <a:rPr lang="en-US" smtClean="0"/>
-              <a:t>12/2/2021</a:t>
+              <a:t>12/22/2021</a:t>
             </a:fld>
             <a:endParaRPr lang="en-US"/>
           </a:p>
@@ -9885,7 +7220,7 @@
             <a:fld id="{B61BEF0D-F0BB-DE4B-95CE-6DB70DBA9567}" type="datetimeFigureOut">
               <a:rPr lang="en-US" dirty="0"/>
               <a:pPr/>
-              <a:t>12/2/2021</a:t>
+              <a:t>12/22/2021</a:t>
             </a:fld>
             <a:endParaRPr lang="en-US" dirty="0"/>
           </a:p>
@@ -10173,7 +7508,7 @@
             <a:fld id="{B61BEF0D-F0BB-DE4B-95CE-6DB70DBA9567}" type="datetimeFigureOut">
               <a:rPr lang="en-US" dirty="0"/>
               <a:pPr/>
-              <a:t>12/2/2021</a:t>
+              <a:t>12/22/2021</a:t>
             </a:fld>
             <a:endParaRPr lang="en-US" dirty="0"/>
           </a:p>
@@ -10418,7 +7753,7 @@
             <a:fld id="{B61BEF0D-F0BB-DE4B-95CE-6DB70DBA9567}" type="datetimeFigureOut">
               <a:rPr lang="en-US" dirty="0"/>
               <a:pPr/>
-              <a:t>12/2/2021</a:t>
+              <a:t>12/22/2021</a:t>
             </a:fld>
             <a:endParaRPr lang="en-US" dirty="0"/>
           </a:p>
@@ -10951,7 +8286,7 @@
             <a:fld id="{B61BEF0D-F0BB-DE4B-95CE-6DB70DBA9567}" type="datetimeFigureOut">
               <a:rPr lang="en-US" dirty="0"/>
               <a:pPr/>
-              <a:t>12/2/2021</a:t>
+              <a:t>12/22/2021</a:t>
             </a:fld>
             <a:endParaRPr lang="en-US" dirty="0"/>
           </a:p>
@@ -11196,7 +8531,7 @@
             <a:fld id="{B61BEF0D-F0BB-DE4B-95CE-6DB70DBA9567}" type="datetimeFigureOut">
               <a:rPr lang="en-US" dirty="0"/>
               <a:pPr/>
-              <a:t>12/2/2021</a:t>
+              <a:t>12/22/2021</a:t>
             </a:fld>
             <a:endParaRPr lang="en-US" dirty="0"/>
           </a:p>
@@ -11736,7 +9071,7 @@
             <a:fld id="{B61BEF0D-F0BB-DE4B-95CE-6DB70DBA9567}" type="datetimeFigureOut">
               <a:rPr lang="en-US" dirty="0"/>
               <a:pPr/>
-              <a:t>12/2/2021</a:t>
+              <a:t>12/22/2021</a:t>
             </a:fld>
             <a:endParaRPr lang="en-US" dirty="0"/>
           </a:p>
@@ -12043,7 +9378,7 @@
             <a:fld id="{B61BEF0D-F0BB-DE4B-95CE-6DB70DBA9567}" type="datetimeFigureOut">
               <a:rPr lang="en-US" dirty="0"/>
               <a:pPr/>
-              <a:t>12/2/2021</a:t>
+              <a:t>12/22/2021</a:t>
             </a:fld>
             <a:endParaRPr lang="en-US" dirty="0"/>
           </a:p>
@@ -12215,7 +9550,7 @@
             <a:fld id="{B61BEF0D-F0BB-DE4B-95CE-6DB70DBA9567}" type="datetimeFigureOut">
               <a:rPr lang="en-US" dirty="0"/>
               <a:pPr/>
-              <a:t>12/2/2021</a:t>
+              <a:t>12/22/2021</a:t>
             </a:fld>
             <a:endParaRPr lang="en-US" dirty="0"/>
           </a:p>
@@ -12392,7 +9727,7 @@
             <a:fld id="{B61BEF0D-F0BB-DE4B-95CE-6DB70DBA9567}" type="datetimeFigureOut">
               <a:rPr lang="en-US" dirty="0"/>
               <a:pPr/>
-              <a:t>12/2/2021</a:t>
+              <a:t>12/22/2021</a:t>
             </a:fld>
             <a:endParaRPr lang="en-US" dirty="0"/>
           </a:p>
@@ -12559,7 +9894,7 @@
             <a:fld id="{B61BEF0D-F0BB-DE4B-95CE-6DB70DBA9567}" type="datetimeFigureOut">
               <a:rPr lang="en-US" dirty="0"/>
               <a:pPr/>
-              <a:t>12/2/2021</a:t>
+              <a:t>12/22/2021</a:t>
             </a:fld>
             <a:endParaRPr lang="en-US" dirty="0"/>
           </a:p>
@@ -12802,7 +10137,7 @@
             <a:fld id="{B61BEF0D-F0BB-DE4B-95CE-6DB70DBA9567}" type="datetimeFigureOut">
               <a:rPr lang="en-US" dirty="0"/>
               <a:pPr/>
-              <a:t>12/2/2021</a:t>
+              <a:t>12/22/2021</a:t>
             </a:fld>
             <a:endParaRPr lang="en-US" dirty="0"/>
           </a:p>
@@ -13091,7 +10426,7 @@
             <a:fld id="{B61BEF0D-F0BB-DE4B-95CE-6DB70DBA9567}" type="datetimeFigureOut">
               <a:rPr lang="en-US" dirty="0"/>
               <a:pPr/>
-              <a:t>12/2/2021</a:t>
+              <a:t>12/22/2021</a:t>
             </a:fld>
             <a:endParaRPr lang="en-US" dirty="0"/>
           </a:p>
@@ -13518,7 +10853,7 @@
             <a:fld id="{B61BEF0D-F0BB-DE4B-95CE-6DB70DBA9567}" type="datetimeFigureOut">
               <a:rPr lang="en-US" dirty="0"/>
               <a:pPr/>
-              <a:t>12/2/2021</a:t>
+              <a:t>12/22/2021</a:t>
             </a:fld>
             <a:endParaRPr lang="en-US" dirty="0"/>
           </a:p>
@@ -13638,7 +10973,7 @@
             <a:fld id="{B61BEF0D-F0BB-DE4B-95CE-6DB70DBA9567}" type="datetimeFigureOut">
               <a:rPr lang="en-US" dirty="0"/>
               <a:pPr/>
-              <a:t>12/2/2021</a:t>
+              <a:t>12/22/2021</a:t>
             </a:fld>
             <a:endParaRPr lang="en-US" dirty="0"/>
           </a:p>
@@ -13730,7 +11065,7 @@
             <a:fld id="{B61BEF0D-F0BB-DE4B-95CE-6DB70DBA9567}" type="datetimeFigureOut">
               <a:rPr lang="en-US" dirty="0"/>
               <a:pPr/>
-              <a:t>12/2/2021</a:t>
+              <a:t>12/22/2021</a:t>
             </a:fld>
             <a:endParaRPr lang="en-US" dirty="0"/>
           </a:p>
@@ -14010,7 +11345,7 @@
             <a:fld id="{B61BEF0D-F0BB-DE4B-95CE-6DB70DBA9567}" type="datetimeFigureOut">
               <a:rPr lang="en-US" dirty="0"/>
               <a:pPr/>
-              <a:t>12/2/2021</a:t>
+              <a:t>12/22/2021</a:t>
             </a:fld>
             <a:endParaRPr lang="en-US" dirty="0"/>
           </a:p>
@@ -14298,7 +11633,7 @@
             <a:fld id="{B61BEF0D-F0BB-DE4B-95CE-6DB70DBA9567}" type="datetimeFigureOut">
               <a:rPr lang="en-US" dirty="0"/>
               <a:pPr/>
-              <a:t>12/2/2021</a:t>
+              <a:t>12/22/2021</a:t>
             </a:fld>
             <a:endParaRPr lang="en-US" dirty="0"/>
           </a:p>
@@ -14526,7 +11861,7 @@
             <a:fld id="{B61BEF0D-F0BB-DE4B-95CE-6DB70DBA9567}" type="datetimeFigureOut">
               <a:rPr lang="en-US" dirty="0"/>
               <a:pPr/>
-              <a:t>12/2/2021</a:t>
+              <a:t>12/22/2021</a:t>
             </a:fld>
             <a:endParaRPr lang="en-US" dirty="0"/>
           </a:p>
@@ -18401,7 +15736,6 @@
               <a:rPr lang="en-US" sz="1200" dirty="0"/>
               <a:t>Information</a:t>
             </a:r>
-            <a:endParaRPr lang="en-US" sz="1200" dirty="0"/>
           </a:p>
         </p:txBody>
       </p:sp>
@@ -18806,7 +16140,7 @@
         </p:nvSpPr>
         <p:spPr>
           <a:xfrm>
-            <a:off x="1020278" y="3273625"/>
+            <a:off x="1020278" y="3851141"/>
             <a:ext cx="10972799" cy="2726367"/>
           </a:xfrm>
           <a:prstGeom prst="rect">
@@ -18848,7 +16182,7 @@
         </p:nvSpPr>
         <p:spPr>
           <a:xfrm>
-            <a:off x="1020279" y="493616"/>
+            <a:off x="1020279" y="1071132"/>
             <a:ext cx="10972799" cy="2726367"/>
           </a:xfrm>
           <a:prstGeom prst="rect">
@@ -18922,7 +16256,7 @@
         </p:nvSpPr>
         <p:spPr>
           <a:xfrm>
-            <a:off x="1153393" y="676866"/>
+            <a:off x="1153393" y="1254382"/>
             <a:ext cx="2597267" cy="1469909"/>
           </a:xfrm>
           <a:prstGeom prst="rect">
@@ -18966,7 +16300,7 @@
         </p:nvSpPr>
         <p:spPr>
           <a:xfrm>
-            <a:off x="1297772" y="1040866"/>
+            <a:off x="1297772" y="1618382"/>
             <a:ext cx="887333" cy="367150"/>
           </a:xfrm>
           <a:prstGeom prst="rect">
@@ -19008,7 +16342,7 @@
         </p:nvSpPr>
         <p:spPr>
           <a:xfrm>
-            <a:off x="2267059" y="1045901"/>
+            <a:off x="2267059" y="1623417"/>
             <a:ext cx="1354693" cy="362115"/>
           </a:xfrm>
           <a:prstGeom prst="snip1Rect">
@@ -19058,7 +16392,7 @@
         </p:nvSpPr>
         <p:spPr>
           <a:xfrm>
-            <a:off x="2267059" y="1463432"/>
+            <a:off x="2267059" y="2040948"/>
             <a:ext cx="1354693" cy="281455"/>
           </a:xfrm>
           <a:prstGeom prst="snip1Rect">
@@ -19099,7 +16433,7 @@
         </p:nvSpPr>
         <p:spPr>
           <a:xfrm>
-            <a:off x="1297772" y="1450986"/>
+            <a:off x="1297772" y="2028502"/>
             <a:ext cx="887333" cy="293901"/>
           </a:xfrm>
           <a:prstGeom prst="rect">
@@ -19141,7 +16475,7 @@
         </p:nvSpPr>
         <p:spPr>
           <a:xfrm>
-            <a:off x="2281189" y="1787143"/>
+            <a:off x="2281189" y="2364659"/>
             <a:ext cx="1354693" cy="274528"/>
           </a:xfrm>
           <a:prstGeom prst="snip1Rect">
@@ -19183,7 +16517,7 @@
         </p:nvSpPr>
         <p:spPr>
           <a:xfrm>
-            <a:off x="1297772" y="1793530"/>
+            <a:off x="1297772" y="2371046"/>
             <a:ext cx="887333" cy="268141"/>
           </a:xfrm>
           <a:prstGeom prst="rect">
@@ -19225,7 +16559,7 @@
         </p:nvGrpSpPr>
         <p:grpSpPr>
           <a:xfrm>
-            <a:off x="0" y="1110756"/>
+            <a:off x="0" y="1688272"/>
             <a:ext cx="1020279" cy="1021771"/>
             <a:chOff x="184518" y="1005840"/>
             <a:chExt cx="1020279" cy="1021771"/>
@@ -19351,7 +16685,7 @@
         </p:nvSpPr>
         <p:spPr>
           <a:xfrm>
-            <a:off x="3621752" y="535112"/>
+            <a:off x="3621752" y="1112628"/>
             <a:ext cx="1020279" cy="461665"/>
           </a:xfrm>
           <a:prstGeom prst="rect">
@@ -19382,7 +16716,7 @@
         </p:nvSpPr>
         <p:spPr>
           <a:xfrm>
-            <a:off x="5708135" y="2327153"/>
+            <a:off x="5708135" y="2904669"/>
             <a:ext cx="2546656" cy="678581"/>
           </a:xfrm>
           <a:prstGeom prst="rect">
@@ -19449,7 +16783,7 @@
         </p:nvSpPr>
         <p:spPr>
           <a:xfrm>
-            <a:off x="4440304" y="499360"/>
+            <a:off x="4440304" y="1076876"/>
             <a:ext cx="1125335" cy="1006321"/>
           </a:xfrm>
           <a:custGeom>
@@ -19862,7 +17196,7 @@
         </p:nvCxnSpPr>
         <p:spPr>
           <a:xfrm flipV="1">
-            <a:off x="3710763" y="991034"/>
+            <a:off x="3710763" y="1568550"/>
             <a:ext cx="842258" cy="11486"/>
           </a:xfrm>
           <a:prstGeom prst="straightConnector1">
@@ -19895,7 +17229,7 @@
         </p:nvCxnSpPr>
         <p:spPr>
           <a:xfrm flipV="1">
-            <a:off x="5497850" y="979548"/>
+            <a:off x="5497850" y="1557064"/>
             <a:ext cx="457200" cy="11486"/>
           </a:xfrm>
           <a:prstGeom prst="straightConnector1">
@@ -19929,7 +17263,7 @@
         </p:nvSpPr>
         <p:spPr>
           <a:xfrm>
-            <a:off x="3665835" y="1483143"/>
+            <a:off x="3665835" y="2060659"/>
             <a:ext cx="1170767" cy="461665"/>
           </a:xfrm>
           <a:prstGeom prst="rect">
@@ -19960,7 +17294,7 @@
         </p:nvSpPr>
         <p:spPr>
           <a:xfrm>
-            <a:off x="5710223" y="1503789"/>
+            <a:off x="5710223" y="2081305"/>
             <a:ext cx="2302869" cy="577859"/>
           </a:xfrm>
           <a:prstGeom prst="rect">
@@ -20027,7 +17361,7 @@
         </p:nvSpPr>
         <p:spPr>
           <a:xfrm>
-            <a:off x="5861386" y="493616"/>
+            <a:off x="5861386" y="1071132"/>
             <a:ext cx="1125335" cy="1006321"/>
           </a:xfrm>
           <a:custGeom>
@@ -20438,7 +17772,7 @@
         </p:nvSpPr>
         <p:spPr>
           <a:xfrm>
-            <a:off x="8505317" y="1523209"/>
+            <a:off x="8505317" y="2100725"/>
             <a:ext cx="1781139" cy="623566"/>
           </a:xfrm>
           <a:prstGeom prst="rect">
@@ -20489,7 +17823,7 @@
         </p:nvSpPr>
         <p:spPr>
           <a:xfrm>
-            <a:off x="7490693" y="695985"/>
+            <a:off x="7490693" y="1273501"/>
             <a:ext cx="1852487" cy="623566"/>
           </a:xfrm>
           <a:prstGeom prst="rect">
@@ -20541,7 +17875,7 @@
         </p:nvCxnSpPr>
         <p:spPr>
           <a:xfrm flipV="1">
-            <a:off x="8013092" y="1314216"/>
+            <a:off x="8013092" y="1891732"/>
             <a:ext cx="148827" cy="478503"/>
           </a:xfrm>
           <a:prstGeom prst="bentConnector2">
@@ -20576,7 +17910,7 @@
         </p:nvCxnSpPr>
         <p:spPr>
           <a:xfrm flipV="1">
-            <a:off x="8254791" y="1212424"/>
+            <a:off x="8254791" y="1789940"/>
             <a:ext cx="69874" cy="1454020"/>
           </a:xfrm>
           <a:prstGeom prst="bentConnector2">
@@ -20612,7 +17946,7 @@
         </p:nvCxnSpPr>
         <p:spPr>
           <a:xfrm>
-            <a:off x="9343180" y="1007768"/>
+            <a:off x="9343180" y="1585284"/>
             <a:ext cx="52707" cy="515441"/>
           </a:xfrm>
           <a:prstGeom prst="bentConnector2">
@@ -20645,7 +17979,7 @@
         </p:nvCxnSpPr>
         <p:spPr>
           <a:xfrm>
-            <a:off x="7994381" y="1921951"/>
+            <a:off x="7994381" y="2499467"/>
             <a:ext cx="510936" cy="0"/>
           </a:xfrm>
           <a:prstGeom prst="straightConnector1">
@@ -20681,7 +18015,7 @@
         </p:nvCxnSpPr>
         <p:spPr>
           <a:xfrm flipV="1">
-            <a:off x="3750660" y="1216612"/>
+            <a:off x="3750660" y="1794128"/>
             <a:ext cx="746353" cy="195209"/>
           </a:xfrm>
           <a:prstGeom prst="bentConnector5">
@@ -20718,7 +18052,7 @@
         </p:nvSpPr>
         <p:spPr>
           <a:xfrm>
-            <a:off x="9871949" y="2253679"/>
+            <a:off x="9871949" y="2831195"/>
             <a:ext cx="1781139" cy="623566"/>
           </a:xfrm>
           <a:prstGeom prst="rect">
@@ -20772,7 +18106,7 @@
         </p:nvCxnSpPr>
         <p:spPr>
           <a:xfrm>
-            <a:off x="10286456" y="1834992"/>
+            <a:off x="10286456" y="2412508"/>
             <a:ext cx="476063" cy="418687"/>
           </a:xfrm>
           <a:prstGeom prst="bentConnector2">
@@ -20805,7 +18139,7 @@
         </p:nvSpPr>
         <p:spPr>
           <a:xfrm>
-            <a:off x="4002456" y="3290134"/>
+            <a:off x="4002456" y="3867650"/>
             <a:ext cx="1125335" cy="1006321"/>
           </a:xfrm>
           <a:custGeom>
@@ -21216,7 +18550,7 @@
         </p:nvSpPr>
         <p:spPr>
           <a:xfrm>
-            <a:off x="7155861" y="2064285"/>
+            <a:off x="7155861" y="2641801"/>
             <a:ext cx="1074040" cy="196033"/>
           </a:xfrm>
           <a:prstGeom prst="snip1Rect">
@@ -21258,7 +18592,7 @@
         </p:nvSpPr>
         <p:spPr>
           <a:xfrm>
-            <a:off x="1294535" y="3481512"/>
+            <a:off x="1294535" y="4059028"/>
             <a:ext cx="1781139" cy="623566"/>
           </a:xfrm>
           <a:prstGeom prst="rect">
@@ -21332,13 +18666,13 @@
           <p:nvPr>
             <p:extLst>
               <p:ext uri="{D42A27DB-BD31-4B8C-83A1-F6EECF244321}">
-                <p14:modId xmlns:p14="http://schemas.microsoft.com/office/powerpoint/2010/main" val="684603677"/>
+                <p14:modId xmlns:p14="http://schemas.microsoft.com/office/powerpoint/2010/main" val="1882376125"/>
               </p:ext>
             </p:extLst>
           </p:nvPr>
         </p:nvGraphicFramePr>
         <p:xfrm>
-          <a:off x="663968" y="3942192"/>
+          <a:off x="663968" y="4519708"/>
           <a:ext cx="2884337" cy="2033449"/>
         </p:xfrm>
         <a:graphic>
@@ -21355,7 +18689,7 @@
         </p:nvSpPr>
         <p:spPr>
           <a:xfrm>
-            <a:off x="3328140" y="4559515"/>
+            <a:off x="3328140" y="5137031"/>
             <a:ext cx="1781139" cy="623566"/>
           </a:xfrm>
           <a:prstGeom prst="rect">
@@ -21430,7 +18764,7 @@
         </p:nvSpPr>
         <p:spPr>
           <a:xfrm>
-            <a:off x="5497849" y="4924939"/>
+            <a:off x="5497849" y="5502455"/>
             <a:ext cx="1781139" cy="982637"/>
           </a:xfrm>
           <a:prstGeom prst="rect">
@@ -21502,7 +18836,7 @@
         </p:nvSpPr>
         <p:spPr>
           <a:xfrm>
-            <a:off x="1182671" y="2442423"/>
+            <a:off x="1182671" y="3019939"/>
             <a:ext cx="2313696" cy="678581"/>
           </a:xfrm>
           <a:prstGeom prst="rect">
@@ -21539,7 +18873,23 @@
             <a:pPr algn="ctr"/>
             <a:r>
               <a:rPr lang="en-US" sz="800" dirty="0" smtClean="0"/>
-              <a:t>Recommends, Current Orders, Stock Sourcing Update, BP, Deals, Order Responses, Quotations, Add to Cart</a:t>
+              <a:t>Recommends, Current </a:t>
+            </a:r>
+            <a:r>
+              <a:rPr lang="en-US" sz="800" dirty="0" smtClean="0"/>
+              <a:t>PO, </a:t>
+            </a:r>
+            <a:r>
+              <a:rPr lang="en-US" sz="800" dirty="0" smtClean="0"/>
+              <a:t>Stock Sourcing Update, BP, Deals, </a:t>
+            </a:r>
+            <a:r>
+              <a:rPr lang="en-US" sz="800" dirty="0" smtClean="0"/>
+              <a:t>PO </a:t>
+            </a:r>
+            <a:r>
+              <a:rPr lang="en-US" sz="800" dirty="0" smtClean="0"/>
+              <a:t>Responses, Quotations, Add to Cart</a:t>
             </a:r>
             <a:endParaRPr lang="en-US" sz="800" dirty="0"/>
           </a:p>
@@ -21555,7 +18905,7 @@
         </p:nvCxnSpPr>
         <p:spPr>
           <a:xfrm>
-            <a:off x="2452027" y="2146775"/>
+            <a:off x="2452027" y="2724291"/>
             <a:ext cx="2415" cy="295648"/>
           </a:xfrm>
           <a:prstGeom prst="straightConnector1">
@@ -21588,7 +18938,7 @@
         </p:nvCxnSpPr>
         <p:spPr>
           <a:xfrm flipV="1">
-            <a:off x="3496667" y="2837064"/>
+            <a:off x="3496667" y="3414580"/>
             <a:ext cx="2211468" cy="8143"/>
           </a:xfrm>
           <a:prstGeom prst="straightConnector1">
@@ -21621,7 +18971,7 @@
         </p:nvSpPr>
         <p:spPr>
           <a:xfrm>
-            <a:off x="3531193" y="2170630"/>
+            <a:off x="3531193" y="2748146"/>
             <a:ext cx="2142654" cy="579602"/>
           </a:xfrm>
           <a:prstGeom prst="rect">
@@ -21672,7 +19022,7 @@
         </p:nvCxnSpPr>
         <p:spPr>
           <a:xfrm flipV="1">
-            <a:off x="2958535" y="2259526"/>
+            <a:off x="2958535" y="2837042"/>
             <a:ext cx="572658" cy="200905"/>
           </a:xfrm>
           <a:prstGeom prst="bentConnector3">
@@ -21705,7 +19055,7 @@
         </p:nvCxnSpPr>
         <p:spPr>
           <a:xfrm>
-            <a:off x="4978293" y="1419903"/>
+            <a:off x="4978293" y="1997419"/>
             <a:ext cx="0" cy="746573"/>
           </a:xfrm>
           <a:prstGeom prst="straightConnector1">
@@ -21738,7 +19088,7 @@
         </p:nvCxnSpPr>
         <p:spPr>
           <a:xfrm>
-            <a:off x="5141787" y="1499937"/>
+            <a:off x="5141787" y="2077453"/>
             <a:ext cx="0" cy="619625"/>
           </a:xfrm>
           <a:prstGeom prst="line">
@@ -21768,7 +19118,7 @@
         </p:nvCxnSpPr>
         <p:spPr>
           <a:xfrm>
-            <a:off x="5141787" y="2131865"/>
+            <a:off x="5141787" y="2709381"/>
             <a:ext cx="813263" cy="0"/>
           </a:xfrm>
           <a:prstGeom prst="line">
@@ -21798,7 +19148,7 @@
         </p:nvCxnSpPr>
         <p:spPr>
           <a:xfrm>
-            <a:off x="5955050" y="2146775"/>
+            <a:off x="5955050" y="2724291"/>
             <a:ext cx="0" cy="287505"/>
           </a:xfrm>
           <a:prstGeom prst="straightConnector1">
@@ -21831,7 +19181,7 @@
         </p:nvSpPr>
         <p:spPr>
           <a:xfrm>
-            <a:off x="4617652" y="1604159"/>
+            <a:off x="4617652" y="2181675"/>
             <a:ext cx="1020279" cy="461665"/>
           </a:xfrm>
           <a:prstGeom prst="rect">
@@ -21862,7 +19212,7 @@
         </p:nvSpPr>
         <p:spPr>
           <a:xfrm>
-            <a:off x="3806919" y="2024946"/>
+            <a:off x="3806919" y="2602462"/>
             <a:ext cx="1049502" cy="200823"/>
           </a:xfrm>
           <a:prstGeom prst="snip1Rect">
@@ -21907,7 +19257,7 @@
         </p:nvCxnSpPr>
         <p:spPr>
           <a:xfrm rot="5400000" flipH="1" flipV="1">
-            <a:off x="4477501" y="-818431"/>
+            <a:off x="4477501" y="-240915"/>
             <a:ext cx="1801453" cy="6077418"/>
           </a:xfrm>
           <a:prstGeom prst="bentConnector3">
@@ -21942,7 +19292,7 @@
         </p:nvSpPr>
         <p:spPr>
           <a:xfrm>
-            <a:off x="10179475" y="876371"/>
+            <a:off x="10179475" y="1453887"/>
             <a:ext cx="1781139" cy="623566"/>
           </a:xfrm>
           <a:prstGeom prst="rect">
@@ -21995,7 +19345,7 @@
         </p:nvCxnSpPr>
         <p:spPr>
           <a:xfrm flipH="1">
-            <a:off x="3075674" y="3793294"/>
+            <a:off x="3075674" y="4370810"/>
             <a:ext cx="926782" cy="1"/>
           </a:xfrm>
           <a:prstGeom prst="straightConnector1">
@@ -22030,7 +19380,7 @@
         </p:nvCxnSpPr>
         <p:spPr>
           <a:xfrm flipV="1">
-            <a:off x="2331191" y="3941706"/>
+            <a:off x="2331191" y="4519222"/>
             <a:ext cx="1815511" cy="557628"/>
           </a:xfrm>
           <a:prstGeom prst="bentConnector3">
@@ -22068,7 +19418,7 @@
         </p:nvCxnSpPr>
         <p:spPr>
           <a:xfrm flipH="1">
-            <a:off x="4218710" y="4187551"/>
+            <a:off x="4218710" y="4765067"/>
             <a:ext cx="255630" cy="371964"/>
           </a:xfrm>
           <a:prstGeom prst="bentConnector4">
@@ -22104,7 +19454,7 @@
         </p:nvSpPr>
         <p:spPr>
           <a:xfrm>
-            <a:off x="5497849" y="3479260"/>
+            <a:off x="5497849" y="4056776"/>
             <a:ext cx="1781139" cy="1044561"/>
           </a:xfrm>
           <a:prstGeom prst="rect">
@@ -22179,7 +19529,7 @@
         </p:nvCxnSpPr>
         <p:spPr>
           <a:xfrm>
-            <a:off x="5015074" y="3781807"/>
+            <a:off x="5015074" y="4359323"/>
             <a:ext cx="482775" cy="219734"/>
           </a:xfrm>
           <a:prstGeom prst="bentConnector3">
@@ -22215,7 +19565,7 @@
         </p:nvCxnSpPr>
         <p:spPr>
           <a:xfrm flipV="1">
-            <a:off x="5109279" y="4001541"/>
+            <a:off x="5109279" y="4579057"/>
             <a:ext cx="388570" cy="869757"/>
           </a:xfrm>
           <a:prstGeom prst="bentConnector3">
@@ -22253,7 +19603,7 @@
         </p:nvCxnSpPr>
         <p:spPr>
           <a:xfrm>
-            <a:off x="6388419" y="4523821"/>
+            <a:off x="6388419" y="5101337"/>
             <a:ext cx="0" cy="401118"/>
           </a:xfrm>
           <a:prstGeom prst="straightConnector1">
@@ -22289,7 +19639,7 @@
         </p:nvCxnSpPr>
         <p:spPr>
           <a:xfrm rot="16200000" flipH="1">
-            <a:off x="5130955" y="2221796"/>
+            <a:off x="5130955" y="2799312"/>
             <a:ext cx="729028" cy="1785899"/>
           </a:xfrm>
           <a:prstGeom prst="bentConnector3">
@@ -22325,7 +19675,7 @@
         </p:nvCxnSpPr>
         <p:spPr>
           <a:xfrm rot="5400000">
-            <a:off x="8274462" y="991202"/>
+            <a:off x="8274462" y="1568718"/>
             <a:ext cx="602015" cy="4374100"/>
           </a:xfrm>
           <a:prstGeom prst="bentConnector3">
@@ -22362,7 +19712,7 @@
         </p:nvCxnSpPr>
         <p:spPr>
           <a:xfrm flipH="1">
-            <a:off x="4901484" y="1396777"/>
+            <a:off x="4901484" y="1974293"/>
             <a:ext cx="192271" cy="2032907"/>
           </a:xfrm>
           <a:prstGeom prst="bentConnector4">
@@ -22397,13 +19747,13 @@
           <p:nvPr>
             <p:extLst>
               <p:ext uri="{D42A27DB-BD31-4B8C-83A1-F6EECF244321}">
-                <p14:modId xmlns:p14="http://schemas.microsoft.com/office/powerpoint/2010/main" val="2933475196"/>
+                <p14:modId xmlns:p14="http://schemas.microsoft.com/office/powerpoint/2010/main" val="2142188822"/>
               </p:ext>
             </p:extLst>
           </p:nvPr>
         </p:nvGraphicFramePr>
         <p:xfrm>
-          <a:off x="7180331" y="3091132"/>
+          <a:off x="7180331" y="3668648"/>
           <a:ext cx="2239264" cy="1321961"/>
         </p:xfrm>
         <a:graphic>
@@ -22420,7 +19770,7 @@
         </p:nvSpPr>
         <p:spPr>
           <a:xfrm>
-            <a:off x="7989251" y="4450561"/>
+            <a:off x="7989251" y="5028077"/>
             <a:ext cx="1728598" cy="695052"/>
           </a:xfrm>
           <a:prstGeom prst="rect">
@@ -22495,7 +19845,7 @@
         </p:nvSpPr>
         <p:spPr>
           <a:xfrm>
-            <a:off x="7994381" y="5183081"/>
+            <a:off x="7994381" y="5760597"/>
             <a:ext cx="1486503" cy="699097"/>
           </a:xfrm>
           <a:prstGeom prst="rect">
@@ -22580,7 +19930,7 @@
         </p:nvSpPr>
         <p:spPr>
           <a:xfrm>
-            <a:off x="10020499" y="4026007"/>
+            <a:off x="10020499" y="4603523"/>
             <a:ext cx="1728598" cy="695052"/>
           </a:xfrm>
           <a:prstGeom prst="rect">
@@ -22658,7 +20008,7 @@
         </p:nvCxnSpPr>
         <p:spPr>
           <a:xfrm flipV="1">
-            <a:off x="7278988" y="4798087"/>
+            <a:off x="7278988" y="5375603"/>
             <a:ext cx="710263" cy="618171"/>
           </a:xfrm>
           <a:prstGeom prst="bentConnector3">
@@ -22693,7 +20043,7 @@
         </p:nvCxnSpPr>
         <p:spPr>
           <a:xfrm>
-            <a:off x="7289385" y="5416257"/>
+            <a:off x="7289385" y="5993773"/>
             <a:ext cx="704996" cy="116373"/>
           </a:xfrm>
           <a:prstGeom prst="bentConnector3">
@@ -22729,7 +20079,7 @@
         </p:nvCxnSpPr>
         <p:spPr>
           <a:xfrm flipV="1">
-            <a:off x="9717849" y="4373533"/>
+            <a:off x="9717849" y="4951049"/>
             <a:ext cx="302650" cy="424554"/>
           </a:xfrm>
           <a:prstGeom prst="bentConnector3">
@@ -22764,7 +20114,7 @@
         </p:nvCxnSpPr>
         <p:spPr>
           <a:xfrm flipV="1">
-            <a:off x="9480884" y="4721059"/>
+            <a:off x="9480884" y="5298575"/>
             <a:ext cx="1403914" cy="811570"/>
           </a:xfrm>
           <a:prstGeom prst="bentConnector2">
@@ -22797,7 +20147,7 @@
         </p:nvGrpSpPr>
         <p:grpSpPr>
           <a:xfrm>
-            <a:off x="18574" y="3929372"/>
+            <a:off x="18574" y="4506888"/>
             <a:ext cx="1020279" cy="1021771"/>
             <a:chOff x="184518" y="1005840"/>
             <a:chExt cx="1020279" cy="1021771"/>
@@ -22915,6 +20265,125 @@
           </p:txBody>
         </p:sp>
       </p:grpSp>
+      <p:sp>
+        <p:nvSpPr>
+          <p:cNvPr id="74" name="Title 1"/>
+          <p:cNvSpPr txBox="1">
+            <a:spLocks/>
+          </p:cNvSpPr>
+          <p:nvPr/>
+        </p:nvSpPr>
+        <p:spPr>
+          <a:xfrm>
+            <a:off x="1153393" y="528894"/>
+            <a:ext cx="9905998" cy="300888"/>
+          </a:xfrm>
+          <a:prstGeom prst="rect">
+            <a:avLst/>
+          </a:prstGeom>
+        </p:spPr>
+        <p:txBody>
+          <a:bodyPr vert="horz" lIns="91440" tIns="45720" rIns="91440" bIns="45720" rtlCol="0" anchor="ctr">
+            <a:normAutofit lnSpcReduction="10000"/>
+          </a:bodyPr>
+          <a:lstStyle>
+            <a:lvl1pPr algn="l" defTabSz="457200" rtl="0" eaLnBrk="1" latinLnBrk="0" hangingPunct="1">
+              <a:spcBef>
+                <a:spcPct val="0"/>
+              </a:spcBef>
+              <a:buNone/>
+              <a:defRPr sz="3200" kern="1200" cap="all">
+                <a:ln w="3175" cmpd="sng">
+                  <a:noFill/>
+                </a:ln>
+                <a:solidFill>
+                  <a:schemeClr val="accent1"/>
+                </a:solidFill>
+                <a:effectLst>
+                  <a:glow rad="38100">
+                    <a:schemeClr val="bg1">
+                      <a:lumMod val="65000"/>
+                      <a:lumOff val="35000"/>
+                      <a:alpha val="40000"/>
+                    </a:schemeClr>
+                  </a:glow>
+                  <a:outerShdw blurRad="28575" dist="38100" dir="14040000" algn="tl" rotWithShape="0">
+                    <a:srgbClr val="000000">
+                      <a:alpha val="25000"/>
+                    </a:srgbClr>
+                  </a:outerShdw>
+                </a:effectLst>
+                <a:latin typeface="+mj-lt"/>
+                <a:ea typeface="+mj-ea"/>
+                <a:cs typeface="+mj-cs"/>
+              </a:defRPr>
+            </a:lvl1pPr>
+            <a:lvl2pPr eaLnBrk="1" hangingPunct="1">
+              <a:defRPr>
+                <a:solidFill>
+                  <a:schemeClr val="tx2"/>
+                </a:solidFill>
+              </a:defRPr>
+            </a:lvl2pPr>
+            <a:lvl3pPr eaLnBrk="1" hangingPunct="1">
+              <a:defRPr>
+                <a:solidFill>
+                  <a:schemeClr val="tx2"/>
+                </a:solidFill>
+              </a:defRPr>
+            </a:lvl3pPr>
+            <a:lvl4pPr eaLnBrk="1" hangingPunct="1">
+              <a:defRPr>
+                <a:solidFill>
+                  <a:schemeClr val="tx2"/>
+                </a:solidFill>
+              </a:defRPr>
+            </a:lvl4pPr>
+            <a:lvl5pPr eaLnBrk="1" hangingPunct="1">
+              <a:defRPr>
+                <a:solidFill>
+                  <a:schemeClr val="tx2"/>
+                </a:solidFill>
+              </a:defRPr>
+            </a:lvl5pPr>
+            <a:lvl6pPr eaLnBrk="1" hangingPunct="1">
+              <a:defRPr>
+                <a:solidFill>
+                  <a:schemeClr val="tx2"/>
+                </a:solidFill>
+              </a:defRPr>
+            </a:lvl6pPr>
+            <a:lvl7pPr eaLnBrk="1" hangingPunct="1">
+              <a:defRPr>
+                <a:solidFill>
+                  <a:schemeClr val="tx2"/>
+                </a:solidFill>
+              </a:defRPr>
+            </a:lvl7pPr>
+            <a:lvl8pPr eaLnBrk="1" hangingPunct="1">
+              <a:defRPr>
+                <a:solidFill>
+                  <a:schemeClr val="tx2"/>
+                </a:solidFill>
+              </a:defRPr>
+            </a:lvl8pPr>
+            <a:lvl9pPr eaLnBrk="1" hangingPunct="1">
+              <a:defRPr>
+                <a:solidFill>
+                  <a:schemeClr val="tx2"/>
+                </a:solidFill>
+              </a:defRPr>
+            </a:lvl9pPr>
+          </a:lstStyle>
+          <a:p>
+            <a:r>
+              <a:rPr lang="en-US" sz="1400" cap="none" dirty="0" smtClean="0"/>
+              <a:t>Purchasing by Institutional Buyer or Retailer from enlisted Supplier(s)</a:t>
+            </a:r>
+            <a:endParaRPr lang="en-US" sz="1400" cap="none" dirty="0"/>
+          </a:p>
+        </p:txBody>
+      </p:sp>
     </p:spTree>
     <p:extLst>
       <p:ext uri="{BB962C8B-B14F-4D97-AF65-F5344CB8AC3E}">
@@ -22954,42 +20423,14 @@
       </p:grpSpPr>
       <p:sp>
         <p:nvSpPr>
-          <p:cNvPr id="2" name="Title 1"/>
-          <p:cNvSpPr>
-            <a:spLocks noGrp="1"/>
-          </p:cNvSpPr>
-          <p:nvPr>
-            <p:ph type="title"/>
-          </p:nvPr>
-        </p:nvSpPr>
-        <p:spPr>
-          <a:xfrm>
-            <a:off x="1141413" y="91440"/>
-            <a:ext cx="9905998" cy="914400"/>
-          </a:xfrm>
-        </p:spPr>
-        <p:txBody>
-          <a:bodyPr/>
-          <a:lstStyle/>
-          <a:p>
-            <a:r>
-              <a:rPr lang="en-US" dirty="0" smtClean="0"/>
-              <a:t>Systems architecture and personas</a:t>
-            </a:r>
-            <a:endParaRPr lang="en-US" dirty="0"/>
-          </a:p>
-        </p:txBody>
-      </p:sp>
-      <p:sp>
-        <p:nvSpPr>
-          <p:cNvPr id="3" name="Rectangle 2"/>
+          <p:cNvPr id="28" name="Rectangle 27"/>
           <p:cNvSpPr/>
           <p:nvPr/>
         </p:nvSpPr>
         <p:spPr>
           <a:xfrm>
-            <a:off x="1020278" y="3273625"/>
-            <a:ext cx="10972799" cy="2726367"/>
+            <a:off x="144380" y="3882362"/>
+            <a:ext cx="11848698" cy="2749443"/>
           </a:xfrm>
           <a:prstGeom prst="rect">
             <a:avLst/>
@@ -23016,7 +20457,54 @@
             <a:pPr algn="r"/>
             <a:r>
               <a:rPr lang="en-US" dirty="0" smtClean="0"/>
-              <a:t>Back-Store App</a:t>
+              <a:t>Back-Store </a:t>
+            </a:r>
+            <a:r>
+              <a:rPr lang="en-US" dirty="0" smtClean="0"/>
+              <a:t>App</a:t>
+            </a:r>
+          </a:p>
+          <a:p>
+            <a:pPr algn="r"/>
+            <a:endParaRPr lang="en-US" dirty="0"/>
+          </a:p>
+          <a:p>
+            <a:pPr algn="r"/>
+            <a:endParaRPr lang="en-US" dirty="0" smtClean="0"/>
+          </a:p>
+          <a:p>
+            <a:pPr algn="r"/>
+            <a:endParaRPr lang="en-US" dirty="0"/>
+          </a:p>
+          <a:p>
+            <a:pPr algn="r"/>
+            <a:endParaRPr lang="en-US" dirty="0" smtClean="0"/>
+          </a:p>
+          <a:p>
+            <a:pPr algn="r"/>
+            <a:endParaRPr lang="en-US" dirty="0"/>
+          </a:p>
+          <a:p>
+            <a:pPr algn="r"/>
+            <a:endParaRPr lang="en-US" dirty="0" smtClean="0"/>
+          </a:p>
+          <a:p>
+            <a:pPr algn="r"/>
+            <a:endParaRPr lang="en-US" dirty="0"/>
+          </a:p>
+          <a:p>
+            <a:pPr algn="r"/>
+            <a:endParaRPr lang="en-US" dirty="0" smtClean="0"/>
+          </a:p>
+          <a:p>
+            <a:pPr algn="r"/>
+            <a:endParaRPr lang="en-US" dirty="0"/>
+          </a:p>
+          <a:p>
+            <a:pPr algn="r"/>
+            <a:r>
+              <a:rPr lang="en-US" dirty="0" smtClean="0"/>
+              <a:t>Could DB</a:t>
             </a:r>
             <a:endParaRPr lang="en-US" dirty="0"/>
           </a:p>
@@ -23024,92 +20512,3096 @@
       </p:sp>
       <p:sp>
         <p:nvSpPr>
-          <p:cNvPr id="4" name="Freeform 3"/>
+          <p:cNvPr id="2" name="Title 1"/>
+          <p:cNvSpPr>
+            <a:spLocks noGrp="1"/>
+          </p:cNvSpPr>
+          <p:nvPr>
+            <p:ph type="title"/>
+          </p:nvPr>
+        </p:nvSpPr>
+        <p:spPr>
+          <a:xfrm>
+            <a:off x="1141413" y="91440"/>
+            <a:ext cx="9905998" cy="914400"/>
+          </a:xfrm>
+        </p:spPr>
+        <p:txBody>
+          <a:bodyPr/>
+          <a:lstStyle/>
+          <a:p>
+            <a:r>
+              <a:rPr lang="en-US" dirty="0" smtClean="0"/>
+              <a:t>Sourcing and procurement process</a:t>
+            </a:r>
+            <a:endParaRPr lang="en-US" dirty="0"/>
+          </a:p>
+        </p:txBody>
+      </p:sp>
+      <p:sp>
+        <p:nvSpPr>
+          <p:cNvPr id="3" name="Rectangle 2"/>
           <p:cNvSpPr/>
           <p:nvPr/>
         </p:nvSpPr>
         <p:spPr>
           <a:xfrm>
-            <a:off x="4440304" y="3294681"/>
-            <a:ext cx="1125335" cy="1006321"/>
+            <a:off x="144380" y="1212783"/>
+            <a:ext cx="11848698" cy="2596896"/>
+          </a:xfrm>
+          <a:prstGeom prst="rect">
+            <a:avLst/>
+          </a:prstGeom>
+        </p:spPr>
+        <p:style>
+          <a:lnRef idx="2">
+            <a:schemeClr val="accent5">
+              <a:shade val="50000"/>
+            </a:schemeClr>
+          </a:lnRef>
+          <a:fillRef idx="1">
+            <a:schemeClr val="accent5"/>
+          </a:fillRef>
+          <a:effectRef idx="0">
+            <a:schemeClr val="accent5"/>
+          </a:effectRef>
+          <a:fontRef idx="minor">
+            <a:schemeClr val="lt1"/>
+          </a:fontRef>
+        </p:style>
+        <p:txBody>
+          <a:bodyPr rtlCol="0" anchor="t" anchorCtr="0"/>
+          <a:lstStyle/>
+          <a:p>
+            <a:pPr algn="r"/>
+            <a:r>
+              <a:rPr lang="en-US" dirty="0" smtClean="0">
+                <a:solidFill>
+                  <a:schemeClr val="lt1"/>
+                </a:solidFill>
+              </a:rPr>
+              <a:t>Front-Store </a:t>
+            </a:r>
+            <a:r>
+              <a:rPr lang="en-US" dirty="0">
+                <a:solidFill>
+                  <a:schemeClr val="lt1"/>
+                </a:solidFill>
+              </a:rPr>
+              <a:t>App</a:t>
+            </a:r>
+          </a:p>
+          <a:p>
+            <a:pPr algn="r"/>
+            <a:endParaRPr lang="en-US" dirty="0">
+              <a:solidFill>
+                <a:schemeClr val="lt1"/>
+              </a:solidFill>
+            </a:endParaRPr>
+          </a:p>
+          <a:p>
+            <a:pPr algn="r"/>
+            <a:endParaRPr lang="en-US" dirty="0">
+              <a:solidFill>
+                <a:schemeClr val="lt1"/>
+              </a:solidFill>
+            </a:endParaRPr>
+          </a:p>
+          <a:p>
+            <a:pPr algn="r"/>
+            <a:endParaRPr lang="en-US" dirty="0">
+              <a:solidFill>
+                <a:schemeClr val="lt1"/>
+              </a:solidFill>
+            </a:endParaRPr>
+          </a:p>
+          <a:p>
+            <a:pPr algn="r"/>
+            <a:endParaRPr lang="en-US" dirty="0">
+              <a:solidFill>
+                <a:schemeClr val="lt1"/>
+              </a:solidFill>
+            </a:endParaRPr>
+          </a:p>
+          <a:p>
+            <a:pPr algn="r"/>
+            <a:endParaRPr lang="en-US" dirty="0">
+              <a:solidFill>
+                <a:schemeClr val="lt1"/>
+              </a:solidFill>
+            </a:endParaRPr>
+          </a:p>
+          <a:p>
+            <a:pPr algn="r"/>
+            <a:endParaRPr lang="en-US" dirty="0">
+              <a:solidFill>
+                <a:schemeClr val="lt1"/>
+              </a:solidFill>
+            </a:endParaRPr>
+          </a:p>
+          <a:p>
+            <a:pPr algn="r"/>
+            <a:endParaRPr lang="en-US" dirty="0">
+              <a:solidFill>
+                <a:schemeClr val="lt1"/>
+              </a:solidFill>
+            </a:endParaRPr>
+          </a:p>
+          <a:p>
+            <a:pPr algn="r"/>
+            <a:endParaRPr lang="en-US" dirty="0">
+              <a:solidFill>
+                <a:schemeClr val="lt1"/>
+              </a:solidFill>
+            </a:endParaRPr>
+          </a:p>
+          <a:p>
+            <a:pPr algn="r"/>
+            <a:endParaRPr lang="en-US" dirty="0">
+              <a:solidFill>
+                <a:schemeClr val="lt1"/>
+              </a:solidFill>
+            </a:endParaRPr>
+          </a:p>
+          <a:p>
+            <a:pPr algn="r"/>
+            <a:r>
+              <a:rPr lang="en-US" dirty="0">
+                <a:solidFill>
+                  <a:schemeClr val="lt1"/>
+                </a:solidFill>
+              </a:rPr>
+              <a:t>Could DB</a:t>
+            </a:r>
+            <a:endParaRPr lang="en-US" dirty="0">
+              <a:solidFill>
+                <a:schemeClr val="lt1"/>
+              </a:solidFill>
+            </a:endParaRPr>
+          </a:p>
+        </p:txBody>
+      </p:sp>
+      <p:sp>
+        <p:nvSpPr>
+          <p:cNvPr id="6" name="Title 1"/>
+          <p:cNvSpPr txBox="1">
+            <a:spLocks/>
+          </p:cNvSpPr>
+          <p:nvPr/>
+        </p:nvSpPr>
+        <p:spPr>
+          <a:xfrm>
+            <a:off x="1141413" y="758594"/>
+            <a:ext cx="9905998" cy="300888"/>
+          </a:xfrm>
+          <a:prstGeom prst="rect">
+            <a:avLst/>
+          </a:prstGeom>
+        </p:spPr>
+        <p:txBody>
+          <a:bodyPr vert="horz" lIns="91440" tIns="45720" rIns="91440" bIns="45720" rtlCol="0" anchor="ctr">
+            <a:normAutofit lnSpcReduction="10000"/>
+          </a:bodyPr>
+          <a:lstStyle>
+            <a:lvl1pPr algn="l" defTabSz="457200" rtl="0" eaLnBrk="1" latinLnBrk="0" hangingPunct="1">
+              <a:spcBef>
+                <a:spcPct val="0"/>
+              </a:spcBef>
+              <a:buNone/>
+              <a:defRPr sz="3200" kern="1200" cap="all">
+                <a:ln w="3175" cmpd="sng">
+                  <a:noFill/>
+                </a:ln>
+                <a:solidFill>
+                  <a:schemeClr val="accent1"/>
+                </a:solidFill>
+                <a:effectLst>
+                  <a:glow rad="38100">
+                    <a:schemeClr val="bg1">
+                      <a:lumMod val="65000"/>
+                      <a:lumOff val="35000"/>
+                      <a:alpha val="40000"/>
+                    </a:schemeClr>
+                  </a:glow>
+                  <a:outerShdw blurRad="28575" dist="38100" dir="14040000" algn="tl" rotWithShape="0">
+                    <a:srgbClr val="000000">
+                      <a:alpha val="25000"/>
+                    </a:srgbClr>
+                  </a:outerShdw>
+                </a:effectLst>
+                <a:latin typeface="+mj-lt"/>
+                <a:ea typeface="+mj-ea"/>
+                <a:cs typeface="+mj-cs"/>
+              </a:defRPr>
+            </a:lvl1pPr>
+            <a:lvl2pPr eaLnBrk="1" hangingPunct="1">
+              <a:defRPr>
+                <a:solidFill>
+                  <a:schemeClr val="tx2"/>
+                </a:solidFill>
+              </a:defRPr>
+            </a:lvl2pPr>
+            <a:lvl3pPr eaLnBrk="1" hangingPunct="1">
+              <a:defRPr>
+                <a:solidFill>
+                  <a:schemeClr val="tx2"/>
+                </a:solidFill>
+              </a:defRPr>
+            </a:lvl3pPr>
+            <a:lvl4pPr eaLnBrk="1" hangingPunct="1">
+              <a:defRPr>
+                <a:solidFill>
+                  <a:schemeClr val="tx2"/>
+                </a:solidFill>
+              </a:defRPr>
+            </a:lvl4pPr>
+            <a:lvl5pPr eaLnBrk="1" hangingPunct="1">
+              <a:defRPr>
+                <a:solidFill>
+                  <a:schemeClr val="tx2"/>
+                </a:solidFill>
+              </a:defRPr>
+            </a:lvl5pPr>
+            <a:lvl6pPr eaLnBrk="1" hangingPunct="1">
+              <a:defRPr>
+                <a:solidFill>
+                  <a:schemeClr val="tx2"/>
+                </a:solidFill>
+              </a:defRPr>
+            </a:lvl6pPr>
+            <a:lvl7pPr eaLnBrk="1" hangingPunct="1">
+              <a:defRPr>
+                <a:solidFill>
+                  <a:schemeClr val="tx2"/>
+                </a:solidFill>
+              </a:defRPr>
+            </a:lvl7pPr>
+            <a:lvl8pPr eaLnBrk="1" hangingPunct="1">
+              <a:defRPr>
+                <a:solidFill>
+                  <a:schemeClr val="tx2"/>
+                </a:solidFill>
+              </a:defRPr>
+            </a:lvl8pPr>
+            <a:lvl9pPr eaLnBrk="1" hangingPunct="1">
+              <a:defRPr>
+                <a:solidFill>
+                  <a:schemeClr val="tx2"/>
+                </a:solidFill>
+              </a:defRPr>
+            </a:lvl9pPr>
+          </a:lstStyle>
+          <a:p>
+            <a:r>
+              <a:rPr lang="en-US" sz="1400" cap="none" dirty="0" smtClean="0"/>
+              <a:t>Procurement by Supplier from manufacturers and stockiest (Vendor hereafter)</a:t>
+            </a:r>
+            <a:endParaRPr lang="en-US" sz="1400" cap="none" dirty="0"/>
+          </a:p>
+        </p:txBody>
+      </p:sp>
+      <p:grpSp>
+        <p:nvGrpSpPr>
+          <p:cNvPr id="7" name="Group 6"/>
+          <p:cNvGrpSpPr/>
+          <p:nvPr/>
+        </p:nvGrpSpPr>
+        <p:grpSpPr>
+          <a:xfrm>
+            <a:off x="250841" y="4059598"/>
+            <a:ext cx="1781139" cy="1122107"/>
+            <a:chOff x="250843" y="3962980"/>
+            <a:chExt cx="1781139" cy="1122107"/>
+          </a:xfrm>
+        </p:grpSpPr>
+        <p:sp>
+          <p:nvSpPr>
+            <p:cNvPr id="9" name="Rectangle 8"/>
+            <p:cNvSpPr/>
+            <p:nvPr/>
+          </p:nvSpPr>
+          <p:spPr>
+            <a:xfrm>
+              <a:off x="250843" y="3962980"/>
+              <a:ext cx="1781139" cy="1122107"/>
+            </a:xfrm>
+            <a:prstGeom prst="rect">
+              <a:avLst/>
+            </a:prstGeom>
+            <a:solidFill>
+              <a:schemeClr val="accent1">
+                <a:lumMod val="40000"/>
+                <a:lumOff val="60000"/>
+              </a:schemeClr>
+            </a:solidFill>
+          </p:spPr>
+          <p:style>
+            <a:lnRef idx="2">
+              <a:schemeClr val="accent1">
+                <a:shade val="50000"/>
+              </a:schemeClr>
+            </a:lnRef>
+            <a:fillRef idx="1">
+              <a:schemeClr val="accent1"/>
+            </a:fillRef>
+            <a:effectRef idx="0">
+              <a:schemeClr val="accent1"/>
+            </a:effectRef>
+            <a:fontRef idx="minor">
+              <a:schemeClr val="lt1"/>
+            </a:fontRef>
+          </p:style>
+          <p:txBody>
+            <a:bodyPr rtlCol="0" anchor="t" anchorCtr="0"/>
+            <a:lstStyle/>
+            <a:p>
+              <a:pPr algn="ctr"/>
+              <a:r>
+                <a:rPr lang="en-US" dirty="0" smtClean="0">
+                  <a:solidFill>
+                    <a:schemeClr val="accent1">
+                      <a:lumMod val="50000"/>
+                    </a:schemeClr>
+                  </a:solidFill>
+                </a:rPr>
+                <a:t>Product </a:t>
+              </a:r>
+              <a:r>
+                <a:rPr lang="en-US" dirty="0" smtClean="0">
+                  <a:solidFill>
+                    <a:schemeClr val="accent1">
+                      <a:lumMod val="50000"/>
+                    </a:schemeClr>
+                  </a:solidFill>
+                </a:rPr>
+                <a:t>Stock</a:t>
+              </a:r>
+              <a:endParaRPr lang="en-US" dirty="0" smtClean="0">
+                <a:solidFill>
+                  <a:schemeClr val="accent1">
+                    <a:lumMod val="50000"/>
+                  </a:schemeClr>
+                </a:solidFill>
+              </a:endParaRPr>
+            </a:p>
+          </p:txBody>
+        </p:sp>
+        <p:sp>
+          <p:nvSpPr>
+            <p:cNvPr id="11" name="Rectangle 10"/>
+            <p:cNvSpPr/>
+            <p:nvPr/>
+          </p:nvSpPr>
+          <p:spPr>
+            <a:xfrm>
+              <a:off x="366578" y="4342281"/>
+              <a:ext cx="1549668" cy="201004"/>
+            </a:xfrm>
+            <a:prstGeom prst="rect">
+              <a:avLst/>
+            </a:prstGeom>
+            <a:solidFill>
+              <a:schemeClr val="accent1">
+                <a:lumMod val="20000"/>
+                <a:lumOff val="80000"/>
+              </a:schemeClr>
+            </a:solidFill>
+          </p:spPr>
+          <p:style>
+            <a:lnRef idx="1">
+              <a:schemeClr val="accent1"/>
+            </a:lnRef>
+            <a:fillRef idx="2">
+              <a:schemeClr val="accent1"/>
+            </a:fillRef>
+            <a:effectRef idx="1">
+              <a:schemeClr val="accent1"/>
+            </a:effectRef>
+            <a:fontRef idx="minor">
+              <a:schemeClr val="dk1"/>
+            </a:fontRef>
+          </p:style>
+          <p:txBody>
+            <a:bodyPr rtlCol="0" anchor="ctr"/>
+            <a:lstStyle/>
+            <a:p>
+              <a:pPr algn="ctr"/>
+              <a:r>
+                <a:rPr lang="en-US" sz="1200" dirty="0" smtClean="0"/>
+                <a:t>Internal Stock</a:t>
+              </a:r>
+              <a:endParaRPr lang="en-US" sz="1200" dirty="0"/>
+            </a:p>
+          </p:txBody>
+        </p:sp>
+        <p:sp>
+          <p:nvSpPr>
+            <p:cNvPr id="12" name="Rectangle 11"/>
+            <p:cNvSpPr/>
+            <p:nvPr/>
+          </p:nvSpPr>
+          <p:spPr>
+            <a:xfrm>
+              <a:off x="366578" y="4589883"/>
+              <a:ext cx="1549668" cy="201004"/>
+            </a:xfrm>
+            <a:prstGeom prst="rect">
+              <a:avLst/>
+            </a:prstGeom>
+            <a:solidFill>
+              <a:schemeClr val="accent1">
+                <a:lumMod val="20000"/>
+                <a:lumOff val="80000"/>
+              </a:schemeClr>
+            </a:solidFill>
+          </p:spPr>
+          <p:style>
+            <a:lnRef idx="1">
+              <a:schemeClr val="accent1"/>
+            </a:lnRef>
+            <a:fillRef idx="2">
+              <a:schemeClr val="accent1"/>
+            </a:fillRef>
+            <a:effectRef idx="1">
+              <a:schemeClr val="accent1"/>
+            </a:effectRef>
+            <a:fontRef idx="minor">
+              <a:schemeClr val="dk1"/>
+            </a:fontRef>
+          </p:style>
+          <p:txBody>
+            <a:bodyPr rtlCol="0" anchor="ctr"/>
+            <a:lstStyle/>
+            <a:p>
+              <a:pPr algn="ctr"/>
+              <a:r>
+                <a:rPr lang="en-US" sz="1200" dirty="0" smtClean="0"/>
+                <a:t>Partner Stock</a:t>
+              </a:r>
+              <a:endParaRPr lang="en-US" sz="1200" dirty="0"/>
+            </a:p>
+          </p:txBody>
+        </p:sp>
+        <p:sp>
+          <p:nvSpPr>
+            <p:cNvPr id="13" name="Rectangle 12"/>
+            <p:cNvSpPr/>
+            <p:nvPr/>
+          </p:nvSpPr>
+          <p:spPr>
+            <a:xfrm>
+              <a:off x="366578" y="4837485"/>
+              <a:ext cx="1549668" cy="201004"/>
+            </a:xfrm>
+            <a:prstGeom prst="rect">
+              <a:avLst/>
+            </a:prstGeom>
+            <a:solidFill>
+              <a:schemeClr val="accent1">
+                <a:lumMod val="20000"/>
+                <a:lumOff val="80000"/>
+              </a:schemeClr>
+            </a:solidFill>
+          </p:spPr>
+          <p:style>
+            <a:lnRef idx="1">
+              <a:schemeClr val="accent1"/>
+            </a:lnRef>
+            <a:fillRef idx="2">
+              <a:schemeClr val="accent1"/>
+            </a:fillRef>
+            <a:effectRef idx="1">
+              <a:schemeClr val="accent1"/>
+            </a:effectRef>
+            <a:fontRef idx="minor">
+              <a:schemeClr val="dk1"/>
+            </a:fontRef>
+          </p:style>
+          <p:txBody>
+            <a:bodyPr rtlCol="0" anchor="ctr"/>
+            <a:lstStyle/>
+            <a:p>
+              <a:pPr algn="ctr"/>
+              <a:r>
+                <a:rPr lang="en-US" sz="1200" dirty="0" smtClean="0"/>
+                <a:t>Sourcing Stock</a:t>
+              </a:r>
+              <a:endParaRPr lang="en-US" sz="1200" dirty="0"/>
+            </a:p>
+          </p:txBody>
+        </p:sp>
+      </p:grpSp>
+      <p:grpSp>
+        <p:nvGrpSpPr>
+          <p:cNvPr id="5" name="Group 4"/>
+          <p:cNvGrpSpPr/>
+          <p:nvPr/>
+        </p:nvGrpSpPr>
+        <p:grpSpPr>
+          <a:xfrm>
+            <a:off x="270643" y="5244168"/>
+            <a:ext cx="2059220" cy="1235091"/>
+            <a:chOff x="250843" y="5131684"/>
+            <a:chExt cx="2059220" cy="1235091"/>
+          </a:xfrm>
+        </p:grpSpPr>
+        <p:sp>
+          <p:nvSpPr>
+            <p:cNvPr id="10" name="Rectangle 9"/>
+            <p:cNvSpPr/>
+            <p:nvPr/>
+          </p:nvSpPr>
+          <p:spPr>
+            <a:xfrm>
+              <a:off x="250843" y="5131684"/>
+              <a:ext cx="2059220" cy="1235091"/>
+            </a:xfrm>
+            <a:prstGeom prst="rect">
+              <a:avLst/>
+            </a:prstGeom>
+            <a:solidFill>
+              <a:schemeClr val="accent1">
+                <a:lumMod val="40000"/>
+                <a:lumOff val="60000"/>
+              </a:schemeClr>
+            </a:solidFill>
+          </p:spPr>
+          <p:style>
+            <a:lnRef idx="2">
+              <a:schemeClr val="accent1">
+                <a:shade val="50000"/>
+              </a:schemeClr>
+            </a:lnRef>
+            <a:fillRef idx="1">
+              <a:schemeClr val="accent1"/>
+            </a:fillRef>
+            <a:effectRef idx="0">
+              <a:schemeClr val="accent1"/>
+            </a:effectRef>
+            <a:fontRef idx="minor">
+              <a:schemeClr val="lt1"/>
+            </a:fontRef>
+          </p:style>
+          <p:txBody>
+            <a:bodyPr rtlCol="0" anchor="t" anchorCtr="0"/>
+            <a:lstStyle/>
+            <a:p>
+              <a:pPr algn="ctr"/>
+              <a:r>
+                <a:rPr lang="en-US" dirty="0" smtClean="0">
+                  <a:solidFill>
+                    <a:schemeClr val="accent1">
+                      <a:lumMod val="50000"/>
+                    </a:schemeClr>
+                  </a:solidFill>
+                </a:rPr>
+                <a:t>Vendor Catalog</a:t>
+              </a:r>
+            </a:p>
+            <a:p>
+              <a:pPr algn="ctr"/>
+              <a:r>
+                <a:rPr lang="en-US" sz="800" dirty="0" smtClean="0">
+                  <a:solidFill>
+                    <a:schemeClr val="accent1">
+                      <a:lumMod val="50000"/>
+                    </a:schemeClr>
+                  </a:solidFill>
+                </a:rPr>
+                <a:t>Vendor Pers. &amp; Comm. Info, Product Catalog &amp; Stock Info.</a:t>
+              </a:r>
+              <a:endParaRPr lang="en-US" sz="800" dirty="0">
+                <a:solidFill>
+                  <a:schemeClr val="accent1">
+                    <a:lumMod val="50000"/>
+                  </a:schemeClr>
+                </a:solidFill>
+              </a:endParaRPr>
+            </a:p>
+          </p:txBody>
+        </p:sp>
+        <p:sp>
+          <p:nvSpPr>
+            <p:cNvPr id="14" name="Rectangle 13"/>
+            <p:cNvSpPr/>
+            <p:nvPr/>
+          </p:nvSpPr>
+          <p:spPr>
+            <a:xfrm>
+              <a:off x="505619" y="5788990"/>
+              <a:ext cx="1549668" cy="201004"/>
+            </a:xfrm>
+            <a:prstGeom prst="rect">
+              <a:avLst/>
+            </a:prstGeom>
+            <a:solidFill>
+              <a:schemeClr val="accent1">
+                <a:lumMod val="20000"/>
+                <a:lumOff val="80000"/>
+              </a:schemeClr>
+            </a:solidFill>
+          </p:spPr>
+          <p:style>
+            <a:lnRef idx="1">
+              <a:schemeClr val="accent1"/>
+            </a:lnRef>
+            <a:fillRef idx="2">
+              <a:schemeClr val="accent1"/>
+            </a:fillRef>
+            <a:effectRef idx="1">
+              <a:schemeClr val="accent1"/>
+            </a:effectRef>
+            <a:fontRef idx="minor">
+              <a:schemeClr val="dk1"/>
+            </a:fontRef>
+          </p:style>
+          <p:txBody>
+            <a:bodyPr rtlCol="0" anchor="ctr"/>
+            <a:lstStyle/>
+            <a:p>
+              <a:pPr algn="ctr"/>
+              <a:r>
+                <a:rPr lang="en-US" sz="1200" dirty="0" smtClean="0"/>
+                <a:t>Partner/Pref. Ven.</a:t>
+              </a:r>
+              <a:endParaRPr lang="en-US" sz="1200" dirty="0"/>
+            </a:p>
+          </p:txBody>
+        </p:sp>
+        <p:sp>
+          <p:nvSpPr>
+            <p:cNvPr id="15" name="Rectangle 14"/>
+            <p:cNvSpPr/>
+            <p:nvPr/>
+          </p:nvSpPr>
+          <p:spPr>
+            <a:xfrm>
+              <a:off x="505619" y="6077882"/>
+              <a:ext cx="1549668" cy="201004"/>
+            </a:xfrm>
+            <a:prstGeom prst="rect">
+              <a:avLst/>
+            </a:prstGeom>
+            <a:solidFill>
+              <a:schemeClr val="accent1">
+                <a:lumMod val="20000"/>
+                <a:lumOff val="80000"/>
+              </a:schemeClr>
+            </a:solidFill>
+          </p:spPr>
+          <p:style>
+            <a:lnRef idx="1">
+              <a:schemeClr val="accent1"/>
+            </a:lnRef>
+            <a:fillRef idx="2">
+              <a:schemeClr val="accent1"/>
+            </a:fillRef>
+            <a:effectRef idx="1">
+              <a:schemeClr val="accent1"/>
+            </a:effectRef>
+            <a:fontRef idx="minor">
+              <a:schemeClr val="dk1"/>
+            </a:fontRef>
+          </p:style>
+          <p:txBody>
+            <a:bodyPr rtlCol="0" anchor="ctr"/>
+            <a:lstStyle/>
+            <a:p>
+              <a:pPr algn="ctr"/>
+              <a:r>
+                <a:rPr lang="en-US" sz="1200" dirty="0" smtClean="0"/>
+                <a:t>Gen. Vendor/Sup.</a:t>
+              </a:r>
+              <a:endParaRPr lang="en-US" sz="1200" dirty="0"/>
+            </a:p>
+          </p:txBody>
+        </p:sp>
+      </p:grpSp>
+      <p:sp>
+        <p:nvSpPr>
+          <p:cNvPr id="16" name="Rectangle 15"/>
+          <p:cNvSpPr/>
+          <p:nvPr/>
+        </p:nvSpPr>
+        <p:spPr>
+          <a:xfrm>
+            <a:off x="250842" y="1321068"/>
+            <a:ext cx="1781139" cy="623566"/>
+          </a:xfrm>
+          <a:prstGeom prst="rect">
+            <a:avLst/>
+          </a:prstGeom>
+          <a:solidFill>
+            <a:schemeClr val="accent1">
+              <a:lumMod val="40000"/>
+              <a:lumOff val="60000"/>
+            </a:schemeClr>
+          </a:solidFill>
+        </p:spPr>
+        <p:style>
+          <a:lnRef idx="2">
+            <a:schemeClr val="accent1">
+              <a:shade val="50000"/>
+            </a:schemeClr>
+          </a:lnRef>
+          <a:fillRef idx="1">
+            <a:schemeClr val="accent1"/>
+          </a:fillRef>
+          <a:effectRef idx="0">
+            <a:schemeClr val="accent1"/>
+          </a:effectRef>
+          <a:fontRef idx="minor">
+            <a:schemeClr val="lt1"/>
+          </a:fontRef>
+        </p:style>
+        <p:txBody>
+          <a:bodyPr rtlCol="0" anchor="t" anchorCtr="0"/>
+          <a:lstStyle/>
+          <a:p>
+            <a:pPr algn="ctr"/>
+            <a:r>
+              <a:rPr lang="en-US" dirty="0" smtClean="0">
+                <a:solidFill>
+                  <a:schemeClr val="accent1">
+                    <a:lumMod val="50000"/>
+                  </a:schemeClr>
+                </a:solidFill>
+              </a:rPr>
+              <a:t>Procure. Plan</a:t>
+            </a:r>
+            <a:endParaRPr lang="en-US" dirty="0" smtClean="0">
+              <a:solidFill>
+                <a:schemeClr val="accent1">
+                  <a:lumMod val="50000"/>
+                </a:schemeClr>
+              </a:solidFill>
+            </a:endParaRPr>
+          </a:p>
+          <a:p>
+            <a:pPr algn="ctr"/>
+            <a:r>
+              <a:rPr lang="en-US" sz="800" dirty="0" smtClean="0">
+                <a:solidFill>
+                  <a:schemeClr val="accent1">
+                    <a:lumMod val="50000"/>
+                  </a:schemeClr>
+                </a:solidFill>
+              </a:rPr>
+              <a:t>Meet-to-stock/Demand, Stock Avail., Proc. Req., Vendors</a:t>
+            </a:r>
+            <a:endParaRPr lang="en-US" sz="800" dirty="0">
+              <a:solidFill>
+                <a:schemeClr val="accent1">
+                  <a:lumMod val="50000"/>
+                </a:schemeClr>
+              </a:solidFill>
+            </a:endParaRPr>
+          </a:p>
+        </p:txBody>
+      </p:sp>
+      <p:sp>
+        <p:nvSpPr>
+          <p:cNvPr id="18" name="Rectangle 17"/>
+          <p:cNvSpPr/>
+          <p:nvPr/>
+        </p:nvSpPr>
+        <p:spPr>
+          <a:xfrm>
+            <a:off x="1875150" y="2995985"/>
+            <a:ext cx="1781139" cy="623566"/>
+          </a:xfrm>
+          <a:prstGeom prst="rect">
+            <a:avLst/>
+          </a:prstGeom>
+          <a:solidFill>
+            <a:schemeClr val="accent1">
+              <a:lumMod val="40000"/>
+              <a:lumOff val="60000"/>
+            </a:schemeClr>
+          </a:solidFill>
+        </p:spPr>
+        <p:style>
+          <a:lnRef idx="2">
+            <a:schemeClr val="accent1">
+              <a:shade val="50000"/>
+            </a:schemeClr>
+          </a:lnRef>
+          <a:fillRef idx="1">
+            <a:schemeClr val="accent1"/>
+          </a:fillRef>
+          <a:effectRef idx="0">
+            <a:schemeClr val="accent1"/>
+          </a:effectRef>
+          <a:fontRef idx="minor">
+            <a:schemeClr val="lt1"/>
+          </a:fontRef>
+        </p:style>
+        <p:txBody>
+          <a:bodyPr rtlCol="0" anchor="t" anchorCtr="0"/>
+          <a:lstStyle/>
+          <a:p>
+            <a:pPr algn="ctr"/>
+            <a:r>
+              <a:rPr lang="en-US" dirty="0" smtClean="0">
+                <a:solidFill>
+                  <a:schemeClr val="accent1">
+                    <a:lumMod val="50000"/>
+                  </a:schemeClr>
+                </a:solidFill>
+              </a:rPr>
+              <a:t>Invite Quote.</a:t>
+            </a:r>
+            <a:endParaRPr lang="en-US" dirty="0" smtClean="0">
+              <a:solidFill>
+                <a:schemeClr val="accent1">
+                  <a:lumMod val="50000"/>
+                </a:schemeClr>
+              </a:solidFill>
+            </a:endParaRPr>
+          </a:p>
+          <a:p>
+            <a:pPr algn="ctr"/>
+            <a:r>
+              <a:rPr lang="en-US" sz="800" dirty="0" smtClean="0">
+                <a:solidFill>
+                  <a:schemeClr val="accent1">
+                    <a:lumMod val="50000"/>
+                  </a:schemeClr>
+                </a:solidFill>
+              </a:rPr>
+              <a:t>Open/Private/Selective RFQ</a:t>
+            </a:r>
+            <a:endParaRPr lang="en-US" sz="800" dirty="0">
+              <a:solidFill>
+                <a:schemeClr val="accent1">
+                  <a:lumMod val="50000"/>
+                </a:schemeClr>
+              </a:solidFill>
+            </a:endParaRPr>
+          </a:p>
+        </p:txBody>
+      </p:sp>
+      <p:sp>
+        <p:nvSpPr>
+          <p:cNvPr id="19" name="Rectangle 18"/>
+          <p:cNvSpPr/>
+          <p:nvPr/>
+        </p:nvSpPr>
+        <p:spPr>
+          <a:xfrm>
+            <a:off x="2765719" y="1447956"/>
+            <a:ext cx="1781139" cy="365426"/>
+          </a:xfrm>
+          <a:prstGeom prst="rect">
+            <a:avLst/>
+          </a:prstGeom>
+          <a:solidFill>
+            <a:schemeClr val="accent1">
+              <a:lumMod val="40000"/>
+              <a:lumOff val="60000"/>
+            </a:schemeClr>
+          </a:solidFill>
+        </p:spPr>
+        <p:style>
+          <a:lnRef idx="2">
+            <a:schemeClr val="accent1">
+              <a:shade val="50000"/>
+            </a:schemeClr>
+          </a:lnRef>
+          <a:fillRef idx="1">
+            <a:schemeClr val="accent1"/>
+          </a:fillRef>
+          <a:effectRef idx="0">
+            <a:schemeClr val="accent1"/>
+          </a:effectRef>
+          <a:fontRef idx="minor">
+            <a:schemeClr val="lt1"/>
+          </a:fontRef>
+        </p:style>
+        <p:txBody>
+          <a:bodyPr rtlCol="0" anchor="t" anchorCtr="0"/>
+          <a:lstStyle/>
+          <a:p>
+            <a:pPr algn="ctr"/>
+            <a:r>
+              <a:rPr lang="en-US" dirty="0" smtClean="0">
+                <a:solidFill>
+                  <a:schemeClr val="accent1">
+                    <a:lumMod val="50000"/>
+                  </a:schemeClr>
+                </a:solidFill>
+              </a:rPr>
+              <a:t>Order </a:t>
+            </a:r>
+            <a:r>
+              <a:rPr lang="en-US" dirty="0" smtClean="0">
+                <a:solidFill>
+                  <a:schemeClr val="accent1">
+                    <a:lumMod val="50000"/>
+                  </a:schemeClr>
+                </a:solidFill>
+              </a:rPr>
+              <a:t>Confirm</a:t>
+            </a:r>
+            <a:endParaRPr lang="en-US" sz="800" dirty="0">
+              <a:solidFill>
+                <a:schemeClr val="accent1">
+                  <a:lumMod val="50000"/>
+                </a:schemeClr>
+              </a:solidFill>
+            </a:endParaRPr>
+          </a:p>
+        </p:txBody>
+      </p:sp>
+      <p:sp>
+        <p:nvSpPr>
+          <p:cNvPr id="20" name="Rectangle 19"/>
+          <p:cNvSpPr/>
+          <p:nvPr/>
+        </p:nvSpPr>
+        <p:spPr>
+          <a:xfrm>
+            <a:off x="4694264" y="6040006"/>
+            <a:ext cx="1781139" cy="501724"/>
+          </a:xfrm>
+          <a:prstGeom prst="rect">
+            <a:avLst/>
+          </a:prstGeom>
+          <a:solidFill>
+            <a:schemeClr val="accent1">
+              <a:lumMod val="40000"/>
+              <a:lumOff val="60000"/>
+            </a:schemeClr>
+          </a:solidFill>
+        </p:spPr>
+        <p:style>
+          <a:lnRef idx="2">
+            <a:schemeClr val="accent1">
+              <a:shade val="50000"/>
+            </a:schemeClr>
+          </a:lnRef>
+          <a:fillRef idx="1">
+            <a:schemeClr val="accent1"/>
+          </a:fillRef>
+          <a:effectRef idx="0">
+            <a:schemeClr val="accent1"/>
+          </a:effectRef>
+          <a:fontRef idx="minor">
+            <a:schemeClr val="lt1"/>
+          </a:fontRef>
+        </p:style>
+        <p:txBody>
+          <a:bodyPr rtlCol="0" anchor="t" anchorCtr="0"/>
+          <a:lstStyle/>
+          <a:p>
+            <a:pPr algn="ctr"/>
+            <a:r>
+              <a:rPr lang="en-US" dirty="0" smtClean="0">
+                <a:solidFill>
+                  <a:schemeClr val="accent1">
+                    <a:lumMod val="50000"/>
+                  </a:schemeClr>
+                </a:solidFill>
+              </a:rPr>
+              <a:t>Quote Req.</a:t>
+            </a:r>
+            <a:endParaRPr lang="en-US" dirty="0" smtClean="0">
+              <a:solidFill>
+                <a:schemeClr val="accent1">
+                  <a:lumMod val="50000"/>
+                </a:schemeClr>
+              </a:solidFill>
+            </a:endParaRPr>
+          </a:p>
+          <a:p>
+            <a:pPr algn="ctr"/>
+            <a:r>
+              <a:rPr lang="en-US" sz="800" dirty="0" smtClean="0">
+                <a:solidFill>
+                  <a:schemeClr val="accent1">
+                    <a:lumMod val="50000"/>
+                  </a:schemeClr>
+                </a:solidFill>
+              </a:rPr>
+              <a:t>RFQ Response</a:t>
+            </a:r>
+            <a:endParaRPr lang="en-US" sz="800" dirty="0">
+              <a:solidFill>
+                <a:schemeClr val="accent1">
+                  <a:lumMod val="50000"/>
+                </a:schemeClr>
+              </a:solidFill>
+            </a:endParaRPr>
+          </a:p>
+        </p:txBody>
+      </p:sp>
+      <p:sp>
+        <p:nvSpPr>
+          <p:cNvPr id="21" name="Rectangle 20"/>
+          <p:cNvSpPr/>
+          <p:nvPr/>
+        </p:nvSpPr>
+        <p:spPr>
+          <a:xfrm>
+            <a:off x="4691583" y="1439175"/>
+            <a:ext cx="1781139" cy="365426"/>
+          </a:xfrm>
+          <a:prstGeom prst="rect">
+            <a:avLst/>
+          </a:prstGeom>
+          <a:solidFill>
+            <a:schemeClr val="accent1">
+              <a:lumMod val="40000"/>
+              <a:lumOff val="60000"/>
+            </a:schemeClr>
+          </a:solidFill>
+        </p:spPr>
+        <p:style>
+          <a:lnRef idx="2">
+            <a:schemeClr val="accent1">
+              <a:shade val="50000"/>
+            </a:schemeClr>
+          </a:lnRef>
+          <a:fillRef idx="1">
+            <a:schemeClr val="accent1"/>
+          </a:fillRef>
+          <a:effectRef idx="0">
+            <a:schemeClr val="accent1"/>
+          </a:effectRef>
+          <a:fontRef idx="minor">
+            <a:schemeClr val="lt1"/>
+          </a:fontRef>
+        </p:style>
+        <p:txBody>
+          <a:bodyPr rtlCol="0" anchor="t" anchorCtr="0"/>
+          <a:lstStyle/>
+          <a:p>
+            <a:pPr algn="ctr"/>
+            <a:r>
+              <a:rPr lang="en-US" dirty="0" smtClean="0">
+                <a:solidFill>
+                  <a:schemeClr val="accent1">
+                    <a:lumMod val="50000"/>
+                  </a:schemeClr>
+                </a:solidFill>
+              </a:rPr>
+              <a:t>Quote Conf.</a:t>
+            </a:r>
+            <a:endParaRPr lang="en-US" sz="800" dirty="0">
+              <a:solidFill>
+                <a:schemeClr val="accent1">
+                  <a:lumMod val="50000"/>
+                </a:schemeClr>
+              </a:solidFill>
+            </a:endParaRPr>
+          </a:p>
+        </p:txBody>
+      </p:sp>
+      <p:sp>
+        <p:nvSpPr>
+          <p:cNvPr id="22" name="Rectangle 21"/>
+          <p:cNvSpPr/>
+          <p:nvPr/>
+        </p:nvSpPr>
+        <p:spPr>
+          <a:xfrm>
+            <a:off x="6617447" y="1429495"/>
+            <a:ext cx="1925766" cy="379301"/>
+          </a:xfrm>
+          <a:prstGeom prst="rect">
+            <a:avLst/>
+          </a:prstGeom>
+          <a:solidFill>
+            <a:schemeClr val="accent1">
+              <a:lumMod val="75000"/>
+            </a:schemeClr>
+          </a:solidFill>
+        </p:spPr>
+        <p:style>
+          <a:lnRef idx="2">
+            <a:schemeClr val="accent1">
+              <a:shade val="50000"/>
+            </a:schemeClr>
+          </a:lnRef>
+          <a:fillRef idx="1">
+            <a:schemeClr val="accent1"/>
+          </a:fillRef>
+          <a:effectRef idx="0">
+            <a:schemeClr val="accent1"/>
+          </a:effectRef>
+          <a:fontRef idx="minor">
+            <a:schemeClr val="lt1"/>
+          </a:fontRef>
+        </p:style>
+        <p:txBody>
+          <a:bodyPr rtlCol="0" anchor="t" anchorCtr="0"/>
+          <a:lstStyle/>
+          <a:p>
+            <a:pPr algn="ctr"/>
+            <a:r>
+              <a:rPr lang="en-US" dirty="0" smtClean="0">
+                <a:solidFill>
+                  <a:schemeClr val="accent1">
+                    <a:lumMod val="40000"/>
+                    <a:lumOff val="60000"/>
+                  </a:schemeClr>
+                </a:solidFill>
+              </a:rPr>
+              <a:t>Purchase Order</a:t>
+            </a:r>
+            <a:endParaRPr lang="en-US" sz="800" dirty="0">
+              <a:solidFill>
+                <a:schemeClr val="accent1">
+                  <a:lumMod val="40000"/>
+                  <a:lumOff val="60000"/>
+                </a:schemeClr>
+              </a:solidFill>
+            </a:endParaRPr>
+          </a:p>
+        </p:txBody>
+      </p:sp>
+      <p:sp>
+        <p:nvSpPr>
+          <p:cNvPr id="23" name="Rectangle 22"/>
+          <p:cNvSpPr/>
+          <p:nvPr/>
+        </p:nvSpPr>
+        <p:spPr>
+          <a:xfrm>
+            <a:off x="6689760" y="6062622"/>
+            <a:ext cx="1781139" cy="365426"/>
+          </a:xfrm>
+          <a:prstGeom prst="rect">
+            <a:avLst/>
+          </a:prstGeom>
+          <a:solidFill>
+            <a:schemeClr val="accent1">
+              <a:lumMod val="40000"/>
+              <a:lumOff val="60000"/>
+            </a:schemeClr>
+          </a:solidFill>
+        </p:spPr>
+        <p:style>
+          <a:lnRef idx="2">
+            <a:schemeClr val="accent1">
+              <a:shade val="50000"/>
+            </a:schemeClr>
+          </a:lnRef>
+          <a:fillRef idx="1">
+            <a:schemeClr val="accent1"/>
+          </a:fillRef>
+          <a:effectRef idx="0">
+            <a:schemeClr val="accent1"/>
+          </a:effectRef>
+          <a:fontRef idx="minor">
+            <a:schemeClr val="lt1"/>
+          </a:fontRef>
+        </p:style>
+        <p:txBody>
+          <a:bodyPr rtlCol="0" anchor="t" anchorCtr="0"/>
+          <a:lstStyle/>
+          <a:p>
+            <a:pPr algn="ctr"/>
+            <a:r>
+              <a:rPr lang="en-US" dirty="0" smtClean="0">
+                <a:solidFill>
+                  <a:schemeClr val="accent1">
+                    <a:lumMod val="50000"/>
+                  </a:schemeClr>
+                </a:solidFill>
+              </a:rPr>
+              <a:t>PO Confirm</a:t>
+            </a:r>
+            <a:endParaRPr lang="en-US" sz="800" dirty="0">
+              <a:solidFill>
+                <a:schemeClr val="accent1">
+                  <a:lumMod val="50000"/>
+                </a:schemeClr>
+              </a:solidFill>
+            </a:endParaRPr>
+          </a:p>
+        </p:txBody>
+      </p:sp>
+      <p:grpSp>
+        <p:nvGrpSpPr>
+          <p:cNvPr id="73" name="Group 72"/>
+          <p:cNvGrpSpPr/>
+          <p:nvPr/>
+        </p:nvGrpSpPr>
+        <p:grpSpPr>
+          <a:xfrm>
+            <a:off x="8084986" y="3096302"/>
+            <a:ext cx="1436119" cy="1292324"/>
+            <a:chOff x="8084986" y="3096302"/>
+            <a:chExt cx="1436119" cy="1292324"/>
+          </a:xfrm>
+        </p:grpSpPr>
+        <p:sp>
+          <p:nvSpPr>
+            <p:cNvPr id="74" name="Freeform 73"/>
+            <p:cNvSpPr/>
+            <p:nvPr/>
+          </p:nvSpPr>
+          <p:spPr>
+            <a:xfrm>
+              <a:off x="8673173" y="3553452"/>
+              <a:ext cx="727078" cy="727078"/>
+            </a:xfrm>
+            <a:custGeom>
+              <a:avLst/>
+              <a:gdLst>
+                <a:gd name="connsiteX0" fmla="*/ 516083 w 727078"/>
+                <a:gd name="connsiteY0" fmla="*/ 115924 h 727078"/>
+                <a:gd name="connsiteX1" fmla="*/ 572638 w 727078"/>
+                <a:gd name="connsiteY1" fmla="*/ 68466 h 727078"/>
+                <a:gd name="connsiteX2" fmla="*/ 617819 w 727078"/>
+                <a:gd name="connsiteY2" fmla="*/ 106378 h 727078"/>
+                <a:gd name="connsiteX3" fmla="*/ 580903 w 727078"/>
+                <a:gd name="connsiteY3" fmla="*/ 170315 h 727078"/>
+                <a:gd name="connsiteX4" fmla="*/ 639558 w 727078"/>
+                <a:gd name="connsiteY4" fmla="*/ 271909 h 727078"/>
+                <a:gd name="connsiteX5" fmla="*/ 713387 w 727078"/>
+                <a:gd name="connsiteY5" fmla="*/ 271907 h 727078"/>
+                <a:gd name="connsiteX6" fmla="*/ 723629 w 727078"/>
+                <a:gd name="connsiteY6" fmla="*/ 329990 h 727078"/>
+                <a:gd name="connsiteX7" fmla="*/ 654252 w 727078"/>
+                <a:gd name="connsiteY7" fmla="*/ 355239 h 727078"/>
+                <a:gd name="connsiteX8" fmla="*/ 633881 w 727078"/>
+                <a:gd name="connsiteY8" fmla="*/ 470767 h 727078"/>
+                <a:gd name="connsiteX9" fmla="*/ 690439 w 727078"/>
+                <a:gd name="connsiteY9" fmla="*/ 518223 h 727078"/>
+                <a:gd name="connsiteX10" fmla="*/ 660949 w 727078"/>
+                <a:gd name="connsiteY10" fmla="*/ 569301 h 727078"/>
+                <a:gd name="connsiteX11" fmla="*/ 591573 w 727078"/>
+                <a:gd name="connsiteY11" fmla="*/ 544048 h 727078"/>
+                <a:gd name="connsiteX12" fmla="*/ 501708 w 727078"/>
+                <a:gd name="connsiteY12" fmla="*/ 619454 h 727078"/>
+                <a:gd name="connsiteX13" fmla="*/ 514530 w 727078"/>
+                <a:gd name="connsiteY13" fmla="*/ 692161 h 727078"/>
+                <a:gd name="connsiteX14" fmla="*/ 459107 w 727078"/>
+                <a:gd name="connsiteY14" fmla="*/ 712333 h 727078"/>
+                <a:gd name="connsiteX15" fmla="*/ 422194 w 727078"/>
+                <a:gd name="connsiteY15" fmla="*/ 648394 h 727078"/>
+                <a:gd name="connsiteX16" fmla="*/ 304884 w 727078"/>
+                <a:gd name="connsiteY16" fmla="*/ 648394 h 727078"/>
+                <a:gd name="connsiteX17" fmla="*/ 267971 w 727078"/>
+                <a:gd name="connsiteY17" fmla="*/ 712333 h 727078"/>
+                <a:gd name="connsiteX18" fmla="*/ 212548 w 727078"/>
+                <a:gd name="connsiteY18" fmla="*/ 692161 h 727078"/>
+                <a:gd name="connsiteX19" fmla="*/ 225370 w 727078"/>
+                <a:gd name="connsiteY19" fmla="*/ 619453 h 727078"/>
+                <a:gd name="connsiteX20" fmla="*/ 135505 w 727078"/>
+                <a:gd name="connsiteY20" fmla="*/ 544047 h 727078"/>
+                <a:gd name="connsiteX21" fmla="*/ 66129 w 727078"/>
+                <a:gd name="connsiteY21" fmla="*/ 569301 h 727078"/>
+                <a:gd name="connsiteX22" fmla="*/ 36639 w 727078"/>
+                <a:gd name="connsiteY22" fmla="*/ 518223 h 727078"/>
+                <a:gd name="connsiteX23" fmla="*/ 93197 w 727078"/>
+                <a:gd name="connsiteY23" fmla="*/ 470768 h 727078"/>
+                <a:gd name="connsiteX24" fmla="*/ 72826 w 727078"/>
+                <a:gd name="connsiteY24" fmla="*/ 355240 h 727078"/>
+                <a:gd name="connsiteX25" fmla="*/ 3449 w 727078"/>
+                <a:gd name="connsiteY25" fmla="*/ 329990 h 727078"/>
+                <a:gd name="connsiteX26" fmla="*/ 13691 w 727078"/>
+                <a:gd name="connsiteY26" fmla="*/ 271907 h 727078"/>
+                <a:gd name="connsiteX27" fmla="*/ 87520 w 727078"/>
+                <a:gd name="connsiteY27" fmla="*/ 271908 h 727078"/>
+                <a:gd name="connsiteX28" fmla="*/ 146175 w 727078"/>
+                <a:gd name="connsiteY28" fmla="*/ 170314 h 727078"/>
+                <a:gd name="connsiteX29" fmla="*/ 109259 w 727078"/>
+                <a:gd name="connsiteY29" fmla="*/ 106378 h 727078"/>
+                <a:gd name="connsiteX30" fmla="*/ 154440 w 727078"/>
+                <a:gd name="connsiteY30" fmla="*/ 68466 h 727078"/>
+                <a:gd name="connsiteX31" fmla="*/ 210995 w 727078"/>
+                <a:gd name="connsiteY31" fmla="*/ 115924 h 727078"/>
+                <a:gd name="connsiteX32" fmla="*/ 321231 w 727078"/>
+                <a:gd name="connsiteY32" fmla="*/ 75801 h 727078"/>
+                <a:gd name="connsiteX33" fmla="*/ 334049 w 727078"/>
+                <a:gd name="connsiteY33" fmla="*/ 3094 h 727078"/>
+                <a:gd name="connsiteX34" fmla="*/ 393029 w 727078"/>
+                <a:gd name="connsiteY34" fmla="*/ 3094 h 727078"/>
+                <a:gd name="connsiteX35" fmla="*/ 405847 w 727078"/>
+                <a:gd name="connsiteY35" fmla="*/ 75802 h 727078"/>
+                <a:gd name="connsiteX36" fmla="*/ 516083 w 727078"/>
+                <a:gd name="connsiteY36" fmla="*/ 115925 h 727078"/>
+                <a:gd name="connsiteX37" fmla="*/ 516083 w 727078"/>
+                <a:gd name="connsiteY37" fmla="*/ 115924 h 727078"/>
+              </a:gdLst>
+              <a:ahLst/>
+              <a:cxnLst>
+                <a:cxn ang="0">
+                  <a:pos x="connsiteX0" y="connsiteY0"/>
+                </a:cxn>
+                <a:cxn ang="0">
+                  <a:pos x="connsiteX1" y="connsiteY1"/>
+                </a:cxn>
+                <a:cxn ang="0">
+                  <a:pos x="connsiteX2" y="connsiteY2"/>
+                </a:cxn>
+                <a:cxn ang="0">
+                  <a:pos x="connsiteX3" y="connsiteY3"/>
+                </a:cxn>
+                <a:cxn ang="0">
+                  <a:pos x="connsiteX4" y="connsiteY4"/>
+                </a:cxn>
+                <a:cxn ang="0">
+                  <a:pos x="connsiteX5" y="connsiteY5"/>
+                </a:cxn>
+                <a:cxn ang="0">
+                  <a:pos x="connsiteX6" y="connsiteY6"/>
+                </a:cxn>
+                <a:cxn ang="0">
+                  <a:pos x="connsiteX7" y="connsiteY7"/>
+                </a:cxn>
+                <a:cxn ang="0">
+                  <a:pos x="connsiteX8" y="connsiteY8"/>
+                </a:cxn>
+                <a:cxn ang="0">
+                  <a:pos x="connsiteX9" y="connsiteY9"/>
+                </a:cxn>
+                <a:cxn ang="0">
+                  <a:pos x="connsiteX10" y="connsiteY10"/>
+                </a:cxn>
+                <a:cxn ang="0">
+                  <a:pos x="connsiteX11" y="connsiteY11"/>
+                </a:cxn>
+                <a:cxn ang="0">
+                  <a:pos x="connsiteX12" y="connsiteY12"/>
+                </a:cxn>
+                <a:cxn ang="0">
+                  <a:pos x="connsiteX13" y="connsiteY13"/>
+                </a:cxn>
+                <a:cxn ang="0">
+                  <a:pos x="connsiteX14" y="connsiteY14"/>
+                </a:cxn>
+                <a:cxn ang="0">
+                  <a:pos x="connsiteX15" y="connsiteY15"/>
+                </a:cxn>
+                <a:cxn ang="0">
+                  <a:pos x="connsiteX16" y="connsiteY16"/>
+                </a:cxn>
+                <a:cxn ang="0">
+                  <a:pos x="connsiteX17" y="connsiteY17"/>
+                </a:cxn>
+                <a:cxn ang="0">
+                  <a:pos x="connsiteX18" y="connsiteY18"/>
+                </a:cxn>
+                <a:cxn ang="0">
+                  <a:pos x="connsiteX19" y="connsiteY19"/>
+                </a:cxn>
+                <a:cxn ang="0">
+                  <a:pos x="connsiteX20" y="connsiteY20"/>
+                </a:cxn>
+                <a:cxn ang="0">
+                  <a:pos x="connsiteX21" y="connsiteY21"/>
+                </a:cxn>
+                <a:cxn ang="0">
+                  <a:pos x="connsiteX22" y="connsiteY22"/>
+                </a:cxn>
+                <a:cxn ang="0">
+                  <a:pos x="connsiteX23" y="connsiteY23"/>
+                </a:cxn>
+                <a:cxn ang="0">
+                  <a:pos x="connsiteX24" y="connsiteY24"/>
+                </a:cxn>
+                <a:cxn ang="0">
+                  <a:pos x="connsiteX25" y="connsiteY25"/>
+                </a:cxn>
+                <a:cxn ang="0">
+                  <a:pos x="connsiteX26" y="connsiteY26"/>
+                </a:cxn>
+                <a:cxn ang="0">
+                  <a:pos x="connsiteX27" y="connsiteY27"/>
+                </a:cxn>
+                <a:cxn ang="0">
+                  <a:pos x="connsiteX28" y="connsiteY28"/>
+                </a:cxn>
+                <a:cxn ang="0">
+                  <a:pos x="connsiteX29" y="connsiteY29"/>
+                </a:cxn>
+                <a:cxn ang="0">
+                  <a:pos x="connsiteX30" y="connsiteY30"/>
+                </a:cxn>
+                <a:cxn ang="0">
+                  <a:pos x="connsiteX31" y="connsiteY31"/>
+                </a:cxn>
+                <a:cxn ang="0">
+                  <a:pos x="connsiteX32" y="connsiteY32"/>
+                </a:cxn>
+                <a:cxn ang="0">
+                  <a:pos x="connsiteX33" y="connsiteY33"/>
+                </a:cxn>
+                <a:cxn ang="0">
+                  <a:pos x="connsiteX34" y="connsiteY34"/>
+                </a:cxn>
+                <a:cxn ang="0">
+                  <a:pos x="connsiteX35" y="connsiteY35"/>
+                </a:cxn>
+                <a:cxn ang="0">
+                  <a:pos x="connsiteX36" y="connsiteY36"/>
+                </a:cxn>
+                <a:cxn ang="0">
+                  <a:pos x="connsiteX37" y="connsiteY37"/>
+                </a:cxn>
+              </a:cxnLst>
+              <a:rect l="l" t="t" r="r" b="b"/>
+              <a:pathLst>
+                <a:path w="727078" h="727078">
+                  <a:moveTo>
+                    <a:pt x="516083" y="115924"/>
+                  </a:moveTo>
+                  <a:lnTo>
+                    <a:pt x="572638" y="68466"/>
+                  </a:lnTo>
+                  <a:lnTo>
+                    <a:pt x="617819" y="106378"/>
+                  </a:lnTo>
+                  <a:lnTo>
+                    <a:pt x="580903" y="170315"/>
+                  </a:lnTo>
+                  <a:cubicBezTo>
+                    <a:pt x="607153" y="199844"/>
+                    <a:pt x="627110" y="234412"/>
+                    <a:pt x="639558" y="271909"/>
+                  </a:cubicBezTo>
+                  <a:lnTo>
+                    <a:pt x="713387" y="271907"/>
+                  </a:lnTo>
+                  <a:lnTo>
+                    <a:pt x="723629" y="329990"/>
+                  </a:lnTo>
+                  <a:lnTo>
+                    <a:pt x="654252" y="355239"/>
+                  </a:lnTo>
+                  <a:cubicBezTo>
+                    <a:pt x="655380" y="394732"/>
+                    <a:pt x="648448" y="434041"/>
+                    <a:pt x="633881" y="470767"/>
+                  </a:cubicBezTo>
+                  <a:lnTo>
+                    <a:pt x="690439" y="518223"/>
+                  </a:lnTo>
+                  <a:lnTo>
+                    <a:pt x="660949" y="569301"/>
+                  </a:lnTo>
+                  <a:lnTo>
+                    <a:pt x="591573" y="544048"/>
+                  </a:lnTo>
+                  <a:cubicBezTo>
+                    <a:pt x="567051" y="575026"/>
+                    <a:pt x="536474" y="600684"/>
+                    <a:pt x="501708" y="619454"/>
+                  </a:cubicBezTo>
+                  <a:lnTo>
+                    <a:pt x="514530" y="692161"/>
+                  </a:lnTo>
+                  <a:lnTo>
+                    <a:pt x="459107" y="712333"/>
+                  </a:lnTo>
+                  <a:lnTo>
+                    <a:pt x="422194" y="648394"/>
+                  </a:lnTo>
+                  <a:cubicBezTo>
+                    <a:pt x="383496" y="656362"/>
+                    <a:pt x="343581" y="656362"/>
+                    <a:pt x="304884" y="648394"/>
+                  </a:cubicBezTo>
+                  <a:lnTo>
+                    <a:pt x="267971" y="712333"/>
+                  </a:lnTo>
+                  <a:lnTo>
+                    <a:pt x="212548" y="692161"/>
+                  </a:lnTo>
+                  <a:lnTo>
+                    <a:pt x="225370" y="619453"/>
+                  </a:lnTo>
+                  <a:cubicBezTo>
+                    <a:pt x="190604" y="600683"/>
+                    <a:pt x="160027" y="575026"/>
+                    <a:pt x="135505" y="544047"/>
+                  </a:cubicBezTo>
+                  <a:lnTo>
+                    <a:pt x="66129" y="569301"/>
+                  </a:lnTo>
+                  <a:lnTo>
+                    <a:pt x="36639" y="518223"/>
+                  </a:lnTo>
+                  <a:lnTo>
+                    <a:pt x="93197" y="470768"/>
+                  </a:lnTo>
+                  <a:cubicBezTo>
+                    <a:pt x="78630" y="434042"/>
+                    <a:pt x="71699" y="394733"/>
+                    <a:pt x="72826" y="355240"/>
+                  </a:cubicBezTo>
+                  <a:lnTo>
+                    <a:pt x="3449" y="329990"/>
+                  </a:lnTo>
+                  <a:lnTo>
+                    <a:pt x="13691" y="271907"/>
+                  </a:lnTo>
+                  <a:lnTo>
+                    <a:pt x="87520" y="271908"/>
+                  </a:lnTo>
+                  <a:cubicBezTo>
+                    <a:pt x="99968" y="234411"/>
+                    <a:pt x="119926" y="199843"/>
+                    <a:pt x="146175" y="170314"/>
+                  </a:cubicBezTo>
+                  <a:lnTo>
+                    <a:pt x="109259" y="106378"/>
+                  </a:lnTo>
+                  <a:lnTo>
+                    <a:pt x="154440" y="68466"/>
+                  </a:lnTo>
+                  <a:lnTo>
+                    <a:pt x="210995" y="115924"/>
+                  </a:lnTo>
+                  <a:cubicBezTo>
+                    <a:pt x="244633" y="95201"/>
+                    <a:pt x="282142" y="81549"/>
+                    <a:pt x="321231" y="75801"/>
+                  </a:cubicBezTo>
+                  <a:lnTo>
+                    <a:pt x="334049" y="3094"/>
+                  </a:lnTo>
+                  <a:lnTo>
+                    <a:pt x="393029" y="3094"/>
+                  </a:lnTo>
+                  <a:lnTo>
+                    <a:pt x="405847" y="75802"/>
+                  </a:lnTo>
+                  <a:cubicBezTo>
+                    <a:pt x="444936" y="81550"/>
+                    <a:pt x="482444" y="95201"/>
+                    <a:pt x="516083" y="115925"/>
+                  </a:cubicBezTo>
+                  <a:lnTo>
+                    <a:pt x="516083" y="115924"/>
+                  </a:lnTo>
+                  <a:close/>
+                </a:path>
+              </a:pathLst>
+            </a:custGeom>
+            <a:scene3d>
+              <a:camera prst="orthographicFront"/>
+              <a:lightRig rig="flat" dir="t"/>
+            </a:scene3d>
+            <a:sp3d prstMaterial="dkEdge">
+              <a:bevelT w="8200" h="38100"/>
+            </a:sp3d>
+          </p:spPr>
+          <p:style>
+            <a:lnRef idx="0">
+              <a:schemeClr val="lt1">
+                <a:hueOff val="0"/>
+                <a:satOff val="0"/>
+                <a:lumOff val="0"/>
+                <a:alphaOff val="0"/>
+              </a:schemeClr>
+            </a:lnRef>
+            <a:fillRef idx="2">
+              <a:schemeClr val="accent1">
+                <a:hueOff val="0"/>
+                <a:satOff val="0"/>
+                <a:lumOff val="0"/>
+                <a:alphaOff val="0"/>
+              </a:schemeClr>
+            </a:fillRef>
+            <a:effectRef idx="1">
+              <a:schemeClr val="accent1">
+                <a:hueOff val="0"/>
+                <a:satOff val="0"/>
+                <a:lumOff val="0"/>
+                <a:alphaOff val="0"/>
+              </a:schemeClr>
+            </a:effectRef>
+            <a:fontRef idx="minor">
+              <a:schemeClr val="dk1"/>
+            </a:fontRef>
+          </p:style>
+          <p:txBody>
+            <a:bodyPr spcFirstLastPara="0" vert="horz" wrap="square" lIns="146175" tIns="170315" rIns="146175" bIns="183030" numCol="1" spcCol="1270" anchor="ctr" anchorCtr="0">
+              <a:noAutofit/>
+            </a:bodyPr>
+            <a:lstStyle/>
+            <a:p>
+              <a:pPr lvl="0" algn="ctr" defTabSz="355600">
+                <a:lnSpc>
+                  <a:spcPct val="90000"/>
+                </a:lnSpc>
+                <a:spcBef>
+                  <a:spcPct val="0"/>
+                </a:spcBef>
+                <a:spcAft>
+                  <a:spcPct val="35000"/>
+                </a:spcAft>
+              </a:pPr>
+              <a:r>
+                <a:rPr lang="en-US" sz="800" kern="1200" dirty="0" smtClean="0"/>
+                <a:t>Delivery Mgmt.</a:t>
+              </a:r>
+              <a:endParaRPr lang="en-US" sz="800" kern="1200" dirty="0"/>
+            </a:p>
+          </p:txBody>
+        </p:sp>
+        <p:sp>
+          <p:nvSpPr>
+            <p:cNvPr id="75" name="Freeform 74"/>
+            <p:cNvSpPr/>
+            <p:nvPr/>
+          </p:nvSpPr>
+          <p:spPr>
+            <a:xfrm>
+              <a:off x="8186279" y="3557317"/>
+              <a:ext cx="528784" cy="528784"/>
+            </a:xfrm>
+            <a:custGeom>
+              <a:avLst/>
+              <a:gdLst>
+                <a:gd name="connsiteX0" fmla="*/ 395661 w 528784"/>
+                <a:gd name="connsiteY0" fmla="*/ 133928 h 528784"/>
+                <a:gd name="connsiteX1" fmla="*/ 473675 w 528784"/>
+                <a:gd name="connsiteY1" fmla="*/ 110416 h 528784"/>
+                <a:gd name="connsiteX2" fmla="*/ 502381 w 528784"/>
+                <a:gd name="connsiteY2" fmla="*/ 160136 h 528784"/>
+                <a:gd name="connsiteX3" fmla="*/ 443012 w 528784"/>
+                <a:gd name="connsiteY3" fmla="*/ 215942 h 528784"/>
+                <a:gd name="connsiteX4" fmla="*/ 443012 w 528784"/>
+                <a:gd name="connsiteY4" fmla="*/ 312842 h 528784"/>
+                <a:gd name="connsiteX5" fmla="*/ 502381 w 528784"/>
+                <a:gd name="connsiteY5" fmla="*/ 368648 h 528784"/>
+                <a:gd name="connsiteX6" fmla="*/ 473675 w 528784"/>
+                <a:gd name="connsiteY6" fmla="*/ 418368 h 528784"/>
+                <a:gd name="connsiteX7" fmla="*/ 395661 w 528784"/>
+                <a:gd name="connsiteY7" fmla="*/ 394856 h 528784"/>
+                <a:gd name="connsiteX8" fmla="*/ 311743 w 528784"/>
+                <a:gd name="connsiteY8" fmla="*/ 443306 h 528784"/>
+                <a:gd name="connsiteX9" fmla="*/ 293098 w 528784"/>
+                <a:gd name="connsiteY9" fmla="*/ 522624 h 528784"/>
+                <a:gd name="connsiteX10" fmla="*/ 235686 w 528784"/>
+                <a:gd name="connsiteY10" fmla="*/ 522624 h 528784"/>
+                <a:gd name="connsiteX11" fmla="*/ 217041 w 528784"/>
+                <a:gd name="connsiteY11" fmla="*/ 443307 h 528784"/>
+                <a:gd name="connsiteX12" fmla="*/ 133123 w 528784"/>
+                <a:gd name="connsiteY12" fmla="*/ 394857 h 528784"/>
+                <a:gd name="connsiteX13" fmla="*/ 55109 w 528784"/>
+                <a:gd name="connsiteY13" fmla="*/ 418368 h 528784"/>
+                <a:gd name="connsiteX14" fmla="*/ 26403 w 528784"/>
+                <a:gd name="connsiteY14" fmla="*/ 368648 h 528784"/>
+                <a:gd name="connsiteX15" fmla="*/ 85772 w 528784"/>
+                <a:gd name="connsiteY15" fmla="*/ 312842 h 528784"/>
+                <a:gd name="connsiteX16" fmla="*/ 85772 w 528784"/>
+                <a:gd name="connsiteY16" fmla="*/ 215942 h 528784"/>
+                <a:gd name="connsiteX17" fmla="*/ 26403 w 528784"/>
+                <a:gd name="connsiteY17" fmla="*/ 160136 h 528784"/>
+                <a:gd name="connsiteX18" fmla="*/ 55109 w 528784"/>
+                <a:gd name="connsiteY18" fmla="*/ 110416 h 528784"/>
+                <a:gd name="connsiteX19" fmla="*/ 133123 w 528784"/>
+                <a:gd name="connsiteY19" fmla="*/ 133928 h 528784"/>
+                <a:gd name="connsiteX20" fmla="*/ 217041 w 528784"/>
+                <a:gd name="connsiteY20" fmla="*/ 85478 h 528784"/>
+                <a:gd name="connsiteX21" fmla="*/ 235686 w 528784"/>
+                <a:gd name="connsiteY21" fmla="*/ 6160 h 528784"/>
+                <a:gd name="connsiteX22" fmla="*/ 293098 w 528784"/>
+                <a:gd name="connsiteY22" fmla="*/ 6160 h 528784"/>
+                <a:gd name="connsiteX23" fmla="*/ 311743 w 528784"/>
+                <a:gd name="connsiteY23" fmla="*/ 85477 h 528784"/>
+                <a:gd name="connsiteX24" fmla="*/ 395661 w 528784"/>
+                <a:gd name="connsiteY24" fmla="*/ 133927 h 528784"/>
+                <a:gd name="connsiteX25" fmla="*/ 395661 w 528784"/>
+                <a:gd name="connsiteY25" fmla="*/ 133928 h 528784"/>
+              </a:gdLst>
+              <a:ahLst/>
+              <a:cxnLst>
+                <a:cxn ang="0">
+                  <a:pos x="connsiteX0" y="connsiteY0"/>
+                </a:cxn>
+                <a:cxn ang="0">
+                  <a:pos x="connsiteX1" y="connsiteY1"/>
+                </a:cxn>
+                <a:cxn ang="0">
+                  <a:pos x="connsiteX2" y="connsiteY2"/>
+                </a:cxn>
+                <a:cxn ang="0">
+                  <a:pos x="connsiteX3" y="connsiteY3"/>
+                </a:cxn>
+                <a:cxn ang="0">
+                  <a:pos x="connsiteX4" y="connsiteY4"/>
+                </a:cxn>
+                <a:cxn ang="0">
+                  <a:pos x="connsiteX5" y="connsiteY5"/>
+                </a:cxn>
+                <a:cxn ang="0">
+                  <a:pos x="connsiteX6" y="connsiteY6"/>
+                </a:cxn>
+                <a:cxn ang="0">
+                  <a:pos x="connsiteX7" y="connsiteY7"/>
+                </a:cxn>
+                <a:cxn ang="0">
+                  <a:pos x="connsiteX8" y="connsiteY8"/>
+                </a:cxn>
+                <a:cxn ang="0">
+                  <a:pos x="connsiteX9" y="connsiteY9"/>
+                </a:cxn>
+                <a:cxn ang="0">
+                  <a:pos x="connsiteX10" y="connsiteY10"/>
+                </a:cxn>
+                <a:cxn ang="0">
+                  <a:pos x="connsiteX11" y="connsiteY11"/>
+                </a:cxn>
+                <a:cxn ang="0">
+                  <a:pos x="connsiteX12" y="connsiteY12"/>
+                </a:cxn>
+                <a:cxn ang="0">
+                  <a:pos x="connsiteX13" y="connsiteY13"/>
+                </a:cxn>
+                <a:cxn ang="0">
+                  <a:pos x="connsiteX14" y="connsiteY14"/>
+                </a:cxn>
+                <a:cxn ang="0">
+                  <a:pos x="connsiteX15" y="connsiteY15"/>
+                </a:cxn>
+                <a:cxn ang="0">
+                  <a:pos x="connsiteX16" y="connsiteY16"/>
+                </a:cxn>
+                <a:cxn ang="0">
+                  <a:pos x="connsiteX17" y="connsiteY17"/>
+                </a:cxn>
+                <a:cxn ang="0">
+                  <a:pos x="connsiteX18" y="connsiteY18"/>
+                </a:cxn>
+                <a:cxn ang="0">
+                  <a:pos x="connsiteX19" y="connsiteY19"/>
+                </a:cxn>
+                <a:cxn ang="0">
+                  <a:pos x="connsiteX20" y="connsiteY20"/>
+                </a:cxn>
+                <a:cxn ang="0">
+                  <a:pos x="connsiteX21" y="connsiteY21"/>
+                </a:cxn>
+                <a:cxn ang="0">
+                  <a:pos x="connsiteX22" y="connsiteY22"/>
+                </a:cxn>
+                <a:cxn ang="0">
+                  <a:pos x="connsiteX23" y="connsiteY23"/>
+                </a:cxn>
+                <a:cxn ang="0">
+                  <a:pos x="connsiteX24" y="connsiteY24"/>
+                </a:cxn>
+                <a:cxn ang="0">
+                  <a:pos x="connsiteX25" y="connsiteY25"/>
+                </a:cxn>
+              </a:cxnLst>
+              <a:rect l="l" t="t" r="r" b="b"/>
+              <a:pathLst>
+                <a:path w="528784" h="528784">
+                  <a:moveTo>
+                    <a:pt x="395661" y="133928"/>
+                  </a:moveTo>
+                  <a:lnTo>
+                    <a:pt x="473675" y="110416"/>
+                  </a:lnTo>
+                  <a:lnTo>
+                    <a:pt x="502381" y="160136"/>
+                  </a:lnTo>
+                  <a:lnTo>
+                    <a:pt x="443012" y="215942"/>
+                  </a:lnTo>
+                  <a:cubicBezTo>
+                    <a:pt x="451618" y="247669"/>
+                    <a:pt x="451618" y="281115"/>
+                    <a:pt x="443012" y="312842"/>
+                  </a:cubicBezTo>
+                  <a:lnTo>
+                    <a:pt x="502381" y="368648"/>
+                  </a:lnTo>
+                  <a:lnTo>
+                    <a:pt x="473675" y="418368"/>
+                  </a:lnTo>
+                  <a:lnTo>
+                    <a:pt x="395661" y="394856"/>
+                  </a:lnTo>
+                  <a:cubicBezTo>
+                    <a:pt x="372488" y="418172"/>
+                    <a:pt x="343522" y="434895"/>
+                    <a:pt x="311743" y="443306"/>
+                  </a:cubicBezTo>
+                  <a:lnTo>
+                    <a:pt x="293098" y="522624"/>
+                  </a:lnTo>
+                  <a:lnTo>
+                    <a:pt x="235686" y="522624"/>
+                  </a:lnTo>
+                  <a:lnTo>
+                    <a:pt x="217041" y="443307"/>
+                  </a:lnTo>
+                  <a:cubicBezTo>
+                    <a:pt x="185262" y="434896"/>
+                    <a:pt x="156296" y="418173"/>
+                    <a:pt x="133123" y="394857"/>
+                  </a:cubicBezTo>
+                  <a:lnTo>
+                    <a:pt x="55109" y="418368"/>
+                  </a:lnTo>
+                  <a:lnTo>
+                    <a:pt x="26403" y="368648"/>
+                  </a:lnTo>
+                  <a:lnTo>
+                    <a:pt x="85772" y="312842"/>
+                  </a:lnTo>
+                  <a:cubicBezTo>
+                    <a:pt x="77166" y="281115"/>
+                    <a:pt x="77166" y="247669"/>
+                    <a:pt x="85772" y="215942"/>
+                  </a:cubicBezTo>
+                  <a:lnTo>
+                    <a:pt x="26403" y="160136"/>
+                  </a:lnTo>
+                  <a:lnTo>
+                    <a:pt x="55109" y="110416"/>
+                  </a:lnTo>
+                  <a:lnTo>
+                    <a:pt x="133123" y="133928"/>
+                  </a:lnTo>
+                  <a:cubicBezTo>
+                    <a:pt x="156296" y="110612"/>
+                    <a:pt x="185262" y="93889"/>
+                    <a:pt x="217041" y="85478"/>
+                  </a:cubicBezTo>
+                  <a:lnTo>
+                    <a:pt x="235686" y="6160"/>
+                  </a:lnTo>
+                  <a:lnTo>
+                    <a:pt x="293098" y="6160"/>
+                  </a:lnTo>
+                  <a:lnTo>
+                    <a:pt x="311743" y="85477"/>
+                  </a:lnTo>
+                  <a:cubicBezTo>
+                    <a:pt x="343522" y="93888"/>
+                    <a:pt x="372488" y="110611"/>
+                    <a:pt x="395661" y="133927"/>
+                  </a:cubicBezTo>
+                  <a:lnTo>
+                    <a:pt x="395661" y="133928"/>
+                  </a:lnTo>
+                  <a:close/>
+                </a:path>
+              </a:pathLst>
+            </a:custGeom>
+            <a:scene3d>
+              <a:camera prst="orthographicFront"/>
+              <a:lightRig rig="flat" dir="t"/>
+            </a:scene3d>
+            <a:sp3d prstMaterial="dkEdge">
+              <a:bevelT w="8200" h="38100"/>
+            </a:sp3d>
+          </p:spPr>
+          <p:style>
+            <a:lnRef idx="0">
+              <a:schemeClr val="lt1">
+                <a:hueOff val="0"/>
+                <a:satOff val="0"/>
+                <a:lumOff val="0"/>
+                <a:alphaOff val="0"/>
+              </a:schemeClr>
+            </a:lnRef>
+            <a:fillRef idx="2">
+              <a:schemeClr val="accent1">
+                <a:hueOff val="0"/>
+                <a:satOff val="0"/>
+                <a:lumOff val="0"/>
+                <a:alphaOff val="0"/>
+              </a:schemeClr>
+            </a:fillRef>
+            <a:effectRef idx="1">
+              <a:schemeClr val="accent1">
+                <a:hueOff val="0"/>
+                <a:satOff val="0"/>
+                <a:lumOff val="0"/>
+                <a:alphaOff val="0"/>
+              </a:schemeClr>
+            </a:effectRef>
+            <a:fontRef idx="minor">
+              <a:schemeClr val="dk1"/>
+            </a:fontRef>
+          </p:style>
+          <p:txBody>
+            <a:bodyPr spcFirstLastPara="0" vert="horz" wrap="square" lIns="133123" tIns="133928" rIns="133123" bIns="133928" numCol="1" spcCol="1270" anchor="ctr" anchorCtr="0">
+              <a:noAutofit/>
+            </a:bodyPr>
+            <a:lstStyle/>
+            <a:p>
+              <a:pPr lvl="0" algn="ctr" defTabSz="355600">
+                <a:lnSpc>
+                  <a:spcPct val="90000"/>
+                </a:lnSpc>
+                <a:spcBef>
+                  <a:spcPct val="0"/>
+                </a:spcBef>
+                <a:spcAft>
+                  <a:spcPct val="35000"/>
+                </a:spcAft>
+              </a:pPr>
+              <a:r>
+                <a:rPr lang="en-US" sz="800" kern="1200" dirty="0" smtClean="0"/>
+                <a:t>Logistics</a:t>
+              </a:r>
+              <a:endParaRPr lang="en-US" sz="800" kern="1200" dirty="0"/>
+            </a:p>
+          </p:txBody>
+        </p:sp>
+        <p:sp>
+          <p:nvSpPr>
+            <p:cNvPr id="76" name="Freeform 75"/>
+            <p:cNvSpPr/>
+            <p:nvPr/>
+          </p:nvSpPr>
+          <p:spPr>
+            <a:xfrm>
+              <a:off x="8372694" y="3160004"/>
+              <a:ext cx="634542" cy="634542"/>
+            </a:xfrm>
+            <a:custGeom>
+              <a:avLst/>
+              <a:gdLst>
+                <a:gd name="connsiteX0" fmla="*/ 387667 w 518100"/>
+                <a:gd name="connsiteY0" fmla="*/ 131222 h 518100"/>
+                <a:gd name="connsiteX1" fmla="*/ 464104 w 518100"/>
+                <a:gd name="connsiteY1" fmla="*/ 108185 h 518100"/>
+                <a:gd name="connsiteX2" fmla="*/ 492230 w 518100"/>
+                <a:gd name="connsiteY2" fmla="*/ 156901 h 518100"/>
+                <a:gd name="connsiteX3" fmla="*/ 434061 w 518100"/>
+                <a:gd name="connsiteY3" fmla="*/ 211579 h 518100"/>
+                <a:gd name="connsiteX4" fmla="*/ 434061 w 518100"/>
+                <a:gd name="connsiteY4" fmla="*/ 306521 h 518100"/>
+                <a:gd name="connsiteX5" fmla="*/ 492230 w 518100"/>
+                <a:gd name="connsiteY5" fmla="*/ 361199 h 518100"/>
+                <a:gd name="connsiteX6" fmla="*/ 464104 w 518100"/>
+                <a:gd name="connsiteY6" fmla="*/ 409915 h 518100"/>
+                <a:gd name="connsiteX7" fmla="*/ 387667 w 518100"/>
+                <a:gd name="connsiteY7" fmla="*/ 386878 h 518100"/>
+                <a:gd name="connsiteX8" fmla="*/ 305445 w 518100"/>
+                <a:gd name="connsiteY8" fmla="*/ 434349 h 518100"/>
+                <a:gd name="connsiteX9" fmla="*/ 287176 w 518100"/>
+                <a:gd name="connsiteY9" fmla="*/ 512065 h 518100"/>
+                <a:gd name="connsiteX10" fmla="*/ 230924 w 518100"/>
+                <a:gd name="connsiteY10" fmla="*/ 512065 h 518100"/>
+                <a:gd name="connsiteX11" fmla="*/ 212656 w 518100"/>
+                <a:gd name="connsiteY11" fmla="*/ 434350 h 518100"/>
+                <a:gd name="connsiteX12" fmla="*/ 130434 w 518100"/>
+                <a:gd name="connsiteY12" fmla="*/ 386879 h 518100"/>
+                <a:gd name="connsiteX13" fmla="*/ 53996 w 518100"/>
+                <a:gd name="connsiteY13" fmla="*/ 409915 h 518100"/>
+                <a:gd name="connsiteX14" fmla="*/ 25870 w 518100"/>
+                <a:gd name="connsiteY14" fmla="*/ 361199 h 518100"/>
+                <a:gd name="connsiteX15" fmla="*/ 84039 w 518100"/>
+                <a:gd name="connsiteY15" fmla="*/ 306521 h 518100"/>
+                <a:gd name="connsiteX16" fmla="*/ 84039 w 518100"/>
+                <a:gd name="connsiteY16" fmla="*/ 211579 h 518100"/>
+                <a:gd name="connsiteX17" fmla="*/ 25870 w 518100"/>
+                <a:gd name="connsiteY17" fmla="*/ 156901 h 518100"/>
+                <a:gd name="connsiteX18" fmla="*/ 53996 w 518100"/>
+                <a:gd name="connsiteY18" fmla="*/ 108185 h 518100"/>
+                <a:gd name="connsiteX19" fmla="*/ 130433 w 518100"/>
+                <a:gd name="connsiteY19" fmla="*/ 131222 h 518100"/>
+                <a:gd name="connsiteX20" fmla="*/ 212655 w 518100"/>
+                <a:gd name="connsiteY20" fmla="*/ 83751 h 518100"/>
+                <a:gd name="connsiteX21" fmla="*/ 230924 w 518100"/>
+                <a:gd name="connsiteY21" fmla="*/ 6035 h 518100"/>
+                <a:gd name="connsiteX22" fmla="*/ 287176 w 518100"/>
+                <a:gd name="connsiteY22" fmla="*/ 6035 h 518100"/>
+                <a:gd name="connsiteX23" fmla="*/ 305444 w 518100"/>
+                <a:gd name="connsiteY23" fmla="*/ 83750 h 518100"/>
+                <a:gd name="connsiteX24" fmla="*/ 387666 w 518100"/>
+                <a:gd name="connsiteY24" fmla="*/ 131221 h 518100"/>
+                <a:gd name="connsiteX25" fmla="*/ 387667 w 518100"/>
+                <a:gd name="connsiteY25" fmla="*/ 131222 h 518100"/>
+              </a:gdLst>
+              <a:ahLst/>
+              <a:cxnLst>
+                <a:cxn ang="0">
+                  <a:pos x="connsiteX0" y="connsiteY0"/>
+                </a:cxn>
+                <a:cxn ang="0">
+                  <a:pos x="connsiteX1" y="connsiteY1"/>
+                </a:cxn>
+                <a:cxn ang="0">
+                  <a:pos x="connsiteX2" y="connsiteY2"/>
+                </a:cxn>
+                <a:cxn ang="0">
+                  <a:pos x="connsiteX3" y="connsiteY3"/>
+                </a:cxn>
+                <a:cxn ang="0">
+                  <a:pos x="connsiteX4" y="connsiteY4"/>
+                </a:cxn>
+                <a:cxn ang="0">
+                  <a:pos x="connsiteX5" y="connsiteY5"/>
+                </a:cxn>
+                <a:cxn ang="0">
+                  <a:pos x="connsiteX6" y="connsiteY6"/>
+                </a:cxn>
+                <a:cxn ang="0">
+                  <a:pos x="connsiteX7" y="connsiteY7"/>
+                </a:cxn>
+                <a:cxn ang="0">
+                  <a:pos x="connsiteX8" y="connsiteY8"/>
+                </a:cxn>
+                <a:cxn ang="0">
+                  <a:pos x="connsiteX9" y="connsiteY9"/>
+                </a:cxn>
+                <a:cxn ang="0">
+                  <a:pos x="connsiteX10" y="connsiteY10"/>
+                </a:cxn>
+                <a:cxn ang="0">
+                  <a:pos x="connsiteX11" y="connsiteY11"/>
+                </a:cxn>
+                <a:cxn ang="0">
+                  <a:pos x="connsiteX12" y="connsiteY12"/>
+                </a:cxn>
+                <a:cxn ang="0">
+                  <a:pos x="connsiteX13" y="connsiteY13"/>
+                </a:cxn>
+                <a:cxn ang="0">
+                  <a:pos x="connsiteX14" y="connsiteY14"/>
+                </a:cxn>
+                <a:cxn ang="0">
+                  <a:pos x="connsiteX15" y="connsiteY15"/>
+                </a:cxn>
+                <a:cxn ang="0">
+                  <a:pos x="connsiteX16" y="connsiteY16"/>
+                </a:cxn>
+                <a:cxn ang="0">
+                  <a:pos x="connsiteX17" y="connsiteY17"/>
+                </a:cxn>
+                <a:cxn ang="0">
+                  <a:pos x="connsiteX18" y="connsiteY18"/>
+                </a:cxn>
+                <a:cxn ang="0">
+                  <a:pos x="connsiteX19" y="connsiteY19"/>
+                </a:cxn>
+                <a:cxn ang="0">
+                  <a:pos x="connsiteX20" y="connsiteY20"/>
+                </a:cxn>
+                <a:cxn ang="0">
+                  <a:pos x="connsiteX21" y="connsiteY21"/>
+                </a:cxn>
+                <a:cxn ang="0">
+                  <a:pos x="connsiteX22" y="connsiteY22"/>
+                </a:cxn>
+                <a:cxn ang="0">
+                  <a:pos x="connsiteX23" y="connsiteY23"/>
+                </a:cxn>
+                <a:cxn ang="0">
+                  <a:pos x="connsiteX24" y="connsiteY24"/>
+                </a:cxn>
+                <a:cxn ang="0">
+                  <a:pos x="connsiteX25" y="connsiteY25"/>
+                </a:cxn>
+              </a:cxnLst>
+              <a:rect l="l" t="t" r="r" b="b"/>
+              <a:pathLst>
+                <a:path w="518100" h="518100">
+                  <a:moveTo>
+                    <a:pt x="333474" y="131056"/>
+                  </a:moveTo>
+                  <a:lnTo>
+                    <a:pt x="388889" y="96734"/>
+                  </a:lnTo>
+                  <a:lnTo>
+                    <a:pt x="421366" y="129211"/>
+                  </a:lnTo>
+                  <a:lnTo>
+                    <a:pt x="387045" y="184627"/>
+                  </a:lnTo>
+                  <a:cubicBezTo>
+                    <a:pt x="400264" y="207362"/>
+                    <a:pt x="407189" y="233207"/>
+                    <a:pt x="407108" y="259505"/>
+                  </a:cubicBezTo>
+                  <a:lnTo>
+                    <a:pt x="464539" y="290336"/>
+                  </a:lnTo>
+                  <a:lnTo>
+                    <a:pt x="452652" y="334700"/>
+                  </a:lnTo>
+                  <a:lnTo>
+                    <a:pt x="387500" y="332685"/>
+                  </a:lnTo>
+                  <a:cubicBezTo>
+                    <a:pt x="374421" y="355500"/>
+                    <a:pt x="355501" y="374421"/>
+                    <a:pt x="332685" y="387499"/>
+                  </a:cubicBezTo>
+                  <a:lnTo>
+                    <a:pt x="334700" y="452652"/>
+                  </a:lnTo>
+                  <a:lnTo>
+                    <a:pt x="290336" y="464540"/>
+                  </a:lnTo>
+                  <a:lnTo>
+                    <a:pt x="259505" y="407109"/>
+                  </a:lnTo>
+                  <a:cubicBezTo>
+                    <a:pt x="233207" y="407189"/>
+                    <a:pt x="207362" y="400264"/>
+                    <a:pt x="184627" y="387045"/>
+                  </a:cubicBezTo>
+                  <a:lnTo>
+                    <a:pt x="129211" y="421366"/>
+                  </a:lnTo>
+                  <a:lnTo>
+                    <a:pt x="96734" y="388889"/>
+                  </a:lnTo>
+                  <a:lnTo>
+                    <a:pt x="131055" y="333473"/>
+                  </a:lnTo>
+                  <a:cubicBezTo>
+                    <a:pt x="117836" y="310738"/>
+                    <a:pt x="110911" y="284893"/>
+                    <a:pt x="110992" y="258595"/>
+                  </a:cubicBezTo>
+                  <a:lnTo>
+                    <a:pt x="53561" y="227764"/>
+                  </a:lnTo>
+                  <a:lnTo>
+                    <a:pt x="65448" y="183400"/>
+                  </a:lnTo>
+                  <a:lnTo>
+                    <a:pt x="130600" y="185415"/>
+                  </a:lnTo>
+                  <a:cubicBezTo>
+                    <a:pt x="143679" y="162600"/>
+                    <a:pt x="162599" y="143679"/>
+                    <a:pt x="185415" y="130601"/>
+                  </a:cubicBezTo>
+                  <a:lnTo>
+                    <a:pt x="183400" y="65448"/>
+                  </a:lnTo>
+                  <a:lnTo>
+                    <a:pt x="227764" y="53560"/>
+                  </a:lnTo>
+                  <a:lnTo>
+                    <a:pt x="258595" y="110991"/>
+                  </a:lnTo>
+                  <a:cubicBezTo>
+                    <a:pt x="284893" y="110911"/>
+                    <a:pt x="310738" y="117836"/>
+                    <a:pt x="333473" y="131055"/>
+                  </a:cubicBezTo>
+                  <a:lnTo>
+                    <a:pt x="333474" y="131056"/>
+                  </a:lnTo>
+                  <a:close/>
+                </a:path>
+              </a:pathLst>
+            </a:custGeom>
+            <a:scene3d>
+              <a:camera prst="orthographicFront"/>
+              <a:lightRig rig="flat" dir="t"/>
+            </a:scene3d>
+            <a:sp3d prstMaterial="dkEdge">
+              <a:bevelT w="8200" h="38100"/>
+            </a:sp3d>
+          </p:spPr>
+          <p:style>
+            <a:lnRef idx="0">
+              <a:schemeClr val="lt1">
+                <a:hueOff val="0"/>
+                <a:satOff val="0"/>
+                <a:lumOff val="0"/>
+                <a:alphaOff val="0"/>
+              </a:schemeClr>
+            </a:lnRef>
+            <a:fillRef idx="2">
+              <a:schemeClr val="accent1">
+                <a:hueOff val="0"/>
+                <a:satOff val="0"/>
+                <a:lumOff val="0"/>
+                <a:alphaOff val="0"/>
+              </a:schemeClr>
+            </a:fillRef>
+            <a:effectRef idx="1">
+              <a:schemeClr val="accent1">
+                <a:hueOff val="0"/>
+                <a:satOff val="0"/>
+                <a:lumOff val="0"/>
+                <a:alphaOff val="0"/>
+              </a:schemeClr>
+            </a:effectRef>
+            <a:fontRef idx="minor">
+              <a:schemeClr val="dk1"/>
+            </a:fontRef>
+          </p:style>
+          <p:txBody>
+            <a:bodyPr spcFirstLastPara="0" vert="horz" wrap="square" lIns="171856" tIns="171856" rIns="171855" bIns="171855" numCol="1" spcCol="1270" anchor="ctr" anchorCtr="0">
+              <a:noAutofit/>
+            </a:bodyPr>
+            <a:lstStyle/>
+            <a:p>
+              <a:pPr lvl="0" algn="ctr" defTabSz="355600">
+                <a:lnSpc>
+                  <a:spcPct val="90000"/>
+                </a:lnSpc>
+                <a:spcBef>
+                  <a:spcPct val="0"/>
+                </a:spcBef>
+                <a:spcAft>
+                  <a:spcPct val="35000"/>
+                </a:spcAft>
+              </a:pPr>
+              <a:r>
+                <a:rPr lang="en-US" sz="800" kern="1200" dirty="0" smtClean="0"/>
+                <a:t>3</a:t>
+              </a:r>
+              <a:r>
+                <a:rPr lang="en-US" sz="800" kern="1200" baseline="30000" dirty="0" smtClean="0"/>
+                <a:t>rd</a:t>
+              </a:r>
+              <a:r>
+                <a:rPr lang="en-US" sz="800" kern="1200" dirty="0" smtClean="0"/>
+                <a:t> Party</a:t>
+              </a:r>
+              <a:endParaRPr lang="en-US" sz="800" kern="1200" dirty="0"/>
+            </a:p>
+          </p:txBody>
+        </p:sp>
+        <p:sp>
+          <p:nvSpPr>
+            <p:cNvPr id="77" name="Circular Arrow 76"/>
+            <p:cNvSpPr/>
+            <p:nvPr/>
+          </p:nvSpPr>
+          <p:spPr>
+            <a:xfrm>
+              <a:off x="8590445" y="3457966"/>
+              <a:ext cx="930660" cy="930660"/>
+            </a:xfrm>
+            <a:prstGeom prst="circularArrow">
+              <a:avLst>
+                <a:gd name="adj1" fmla="val 4687"/>
+                <a:gd name="adj2" fmla="val 299029"/>
+                <a:gd name="adj3" fmla="val 2349212"/>
+                <a:gd name="adj4" fmla="val 16284932"/>
+                <a:gd name="adj5" fmla="val 5469"/>
+              </a:avLst>
+            </a:prstGeom>
+          </p:spPr>
+          <p:style>
+            <a:lnRef idx="0">
+              <a:schemeClr val="accent1">
+                <a:tint val="60000"/>
+                <a:hueOff val="0"/>
+                <a:satOff val="0"/>
+                <a:lumOff val="0"/>
+                <a:alphaOff val="0"/>
+              </a:schemeClr>
+            </a:lnRef>
+            <a:fillRef idx="2">
+              <a:schemeClr val="accent1">
+                <a:tint val="60000"/>
+                <a:hueOff val="0"/>
+                <a:satOff val="0"/>
+                <a:lumOff val="0"/>
+                <a:alphaOff val="0"/>
+              </a:schemeClr>
+            </a:fillRef>
+            <a:effectRef idx="1">
+              <a:schemeClr val="accent1">
+                <a:tint val="60000"/>
+                <a:hueOff val="0"/>
+                <a:satOff val="0"/>
+                <a:lumOff val="0"/>
+                <a:alphaOff val="0"/>
+              </a:schemeClr>
+            </a:effectRef>
+            <a:fontRef idx="minor">
+              <a:schemeClr val="dk1"/>
+            </a:fontRef>
+          </p:style>
+        </p:sp>
+        <p:sp>
+          <p:nvSpPr>
+            <p:cNvPr id="78" name="Shape 77"/>
+            <p:cNvSpPr/>
+            <p:nvPr/>
+          </p:nvSpPr>
+          <p:spPr>
+            <a:xfrm>
+              <a:off x="8084986" y="3452643"/>
+              <a:ext cx="676183" cy="676183"/>
+            </a:xfrm>
+            <a:prstGeom prst="leftCircularArrow">
+              <a:avLst>
+                <a:gd name="adj1" fmla="val 6452"/>
+                <a:gd name="adj2" fmla="val 429999"/>
+                <a:gd name="adj3" fmla="val 10489124"/>
+                <a:gd name="adj4" fmla="val 14837806"/>
+                <a:gd name="adj5" fmla="val 7527"/>
+              </a:avLst>
+            </a:prstGeom>
+          </p:spPr>
+          <p:style>
+            <a:lnRef idx="0">
+              <a:schemeClr val="accent1">
+                <a:tint val="60000"/>
+                <a:hueOff val="0"/>
+                <a:satOff val="0"/>
+                <a:lumOff val="0"/>
+                <a:alphaOff val="0"/>
+              </a:schemeClr>
+            </a:lnRef>
+            <a:fillRef idx="2">
+              <a:schemeClr val="accent1">
+                <a:tint val="60000"/>
+                <a:hueOff val="0"/>
+                <a:satOff val="0"/>
+                <a:lumOff val="0"/>
+                <a:alphaOff val="0"/>
+              </a:schemeClr>
+            </a:fillRef>
+            <a:effectRef idx="1">
+              <a:schemeClr val="accent1">
+                <a:tint val="60000"/>
+                <a:hueOff val="0"/>
+                <a:satOff val="0"/>
+                <a:lumOff val="0"/>
+                <a:alphaOff val="0"/>
+              </a:schemeClr>
+            </a:effectRef>
+            <a:fontRef idx="minor">
+              <a:schemeClr val="dk1"/>
+            </a:fontRef>
+          </p:style>
+        </p:sp>
+        <p:sp>
+          <p:nvSpPr>
+            <p:cNvPr id="79" name="Circular Arrow 78"/>
+            <p:cNvSpPr/>
+            <p:nvPr/>
+          </p:nvSpPr>
+          <p:spPr>
+            <a:xfrm>
+              <a:off x="8343794" y="3096302"/>
+              <a:ext cx="729061" cy="729061"/>
+            </a:xfrm>
+            <a:prstGeom prst="circularArrow">
+              <a:avLst>
+                <a:gd name="adj1" fmla="val 5984"/>
+                <a:gd name="adj2" fmla="val 394124"/>
+                <a:gd name="adj3" fmla="val 13313824"/>
+                <a:gd name="adj4" fmla="val 10508221"/>
+                <a:gd name="adj5" fmla="val 6981"/>
+              </a:avLst>
+            </a:prstGeom>
+          </p:spPr>
+          <p:style>
+            <a:lnRef idx="0">
+              <a:schemeClr val="accent1">
+                <a:tint val="60000"/>
+                <a:hueOff val="0"/>
+                <a:satOff val="0"/>
+                <a:lumOff val="0"/>
+                <a:alphaOff val="0"/>
+              </a:schemeClr>
+            </a:lnRef>
+            <a:fillRef idx="2">
+              <a:schemeClr val="accent1">
+                <a:tint val="60000"/>
+                <a:hueOff val="0"/>
+                <a:satOff val="0"/>
+                <a:lumOff val="0"/>
+                <a:alphaOff val="0"/>
+              </a:schemeClr>
+            </a:fillRef>
+            <a:effectRef idx="1">
+              <a:schemeClr val="accent1">
+                <a:tint val="60000"/>
+                <a:hueOff val="0"/>
+                <a:satOff val="0"/>
+                <a:lumOff val="0"/>
+                <a:alphaOff val="0"/>
+              </a:schemeClr>
+            </a:effectRef>
+            <a:fontRef idx="minor">
+              <a:schemeClr val="dk1"/>
+            </a:fontRef>
+          </p:style>
+        </p:sp>
+      </p:grpSp>
+      <p:sp>
+        <p:nvSpPr>
+          <p:cNvPr id="25" name="Rectangle 24"/>
+          <p:cNvSpPr/>
+          <p:nvPr/>
+        </p:nvSpPr>
+        <p:spPr>
+          <a:xfrm>
+            <a:off x="8146142" y="2409668"/>
+            <a:ext cx="1781139" cy="365426"/>
+          </a:xfrm>
+          <a:prstGeom prst="rect">
+            <a:avLst/>
+          </a:prstGeom>
+          <a:solidFill>
+            <a:schemeClr val="accent1">
+              <a:lumMod val="40000"/>
+              <a:lumOff val="60000"/>
+            </a:schemeClr>
+          </a:solidFill>
+        </p:spPr>
+        <p:style>
+          <a:lnRef idx="2">
+            <a:schemeClr val="accent1">
+              <a:shade val="50000"/>
+            </a:schemeClr>
+          </a:lnRef>
+          <a:fillRef idx="1">
+            <a:schemeClr val="accent1"/>
+          </a:fillRef>
+          <a:effectRef idx="0">
+            <a:schemeClr val="accent1"/>
+          </a:effectRef>
+          <a:fontRef idx="minor">
+            <a:schemeClr val="lt1"/>
+          </a:fontRef>
+        </p:style>
+        <p:txBody>
+          <a:bodyPr rtlCol="0" anchor="t" anchorCtr="0"/>
+          <a:lstStyle/>
+          <a:p>
+            <a:pPr algn="ctr"/>
+            <a:r>
+              <a:rPr lang="en-US" dirty="0" smtClean="0">
+                <a:solidFill>
+                  <a:schemeClr val="accent1">
+                    <a:lumMod val="50000"/>
+                  </a:schemeClr>
+                </a:solidFill>
+              </a:rPr>
+              <a:t>Good Receipt</a:t>
+            </a:r>
+            <a:endParaRPr lang="en-US" sz="800" dirty="0">
+              <a:solidFill>
+                <a:schemeClr val="accent1">
+                  <a:lumMod val="50000"/>
+                </a:schemeClr>
+              </a:solidFill>
+            </a:endParaRPr>
+          </a:p>
+        </p:txBody>
+      </p:sp>
+      <p:sp>
+        <p:nvSpPr>
+          <p:cNvPr id="26" name="Rectangle 25"/>
+          <p:cNvSpPr/>
+          <p:nvPr/>
+        </p:nvSpPr>
+        <p:spPr>
+          <a:xfrm>
+            <a:off x="9007236" y="1726636"/>
+            <a:ext cx="2821267" cy="361824"/>
+          </a:xfrm>
+          <a:prstGeom prst="rect">
+            <a:avLst/>
+          </a:prstGeom>
+          <a:solidFill>
+            <a:schemeClr val="accent1">
+              <a:lumMod val="40000"/>
+              <a:lumOff val="60000"/>
+            </a:schemeClr>
+          </a:solidFill>
+        </p:spPr>
+        <p:style>
+          <a:lnRef idx="2">
+            <a:schemeClr val="accent1">
+              <a:shade val="50000"/>
+            </a:schemeClr>
+          </a:lnRef>
+          <a:fillRef idx="1">
+            <a:schemeClr val="accent1"/>
+          </a:fillRef>
+          <a:effectRef idx="0">
+            <a:schemeClr val="accent1"/>
+          </a:effectRef>
+          <a:fontRef idx="minor">
+            <a:schemeClr val="lt1"/>
+          </a:fontRef>
+        </p:style>
+        <p:txBody>
+          <a:bodyPr rtlCol="0" anchor="t" anchorCtr="0"/>
+          <a:lstStyle/>
+          <a:p>
+            <a:pPr algn="ctr"/>
+            <a:r>
+              <a:rPr lang="en-US" dirty="0" smtClean="0">
+                <a:solidFill>
+                  <a:schemeClr val="accent1">
+                    <a:lumMod val="50000"/>
+                  </a:schemeClr>
+                </a:solidFill>
+              </a:rPr>
+              <a:t>Invoice Verification</a:t>
+            </a:r>
+            <a:endParaRPr lang="en-US" sz="800" dirty="0">
+              <a:solidFill>
+                <a:schemeClr val="accent1">
+                  <a:lumMod val="50000"/>
+                </a:schemeClr>
+              </a:solidFill>
+            </a:endParaRPr>
+          </a:p>
+        </p:txBody>
+      </p:sp>
+      <p:sp>
+        <p:nvSpPr>
+          <p:cNvPr id="27" name="Rectangle 26"/>
+          <p:cNvSpPr/>
+          <p:nvPr/>
+        </p:nvSpPr>
+        <p:spPr>
+          <a:xfrm>
+            <a:off x="10151648" y="3095406"/>
+            <a:ext cx="1781139" cy="365426"/>
+          </a:xfrm>
+          <a:prstGeom prst="rect">
+            <a:avLst/>
+          </a:prstGeom>
+          <a:solidFill>
+            <a:schemeClr val="accent1">
+              <a:lumMod val="40000"/>
+              <a:lumOff val="60000"/>
+            </a:schemeClr>
+          </a:solidFill>
+        </p:spPr>
+        <p:style>
+          <a:lnRef idx="2">
+            <a:schemeClr val="accent1">
+              <a:shade val="50000"/>
+            </a:schemeClr>
+          </a:lnRef>
+          <a:fillRef idx="1">
+            <a:schemeClr val="accent1"/>
+          </a:fillRef>
+          <a:effectRef idx="0">
+            <a:schemeClr val="accent1"/>
+          </a:effectRef>
+          <a:fontRef idx="minor">
+            <a:schemeClr val="lt1"/>
+          </a:fontRef>
+        </p:style>
+        <p:txBody>
+          <a:bodyPr rtlCol="0" anchor="t" anchorCtr="0"/>
+          <a:lstStyle/>
+          <a:p>
+            <a:pPr algn="ctr"/>
+            <a:r>
+              <a:rPr lang="en-US" dirty="0" smtClean="0">
+                <a:solidFill>
+                  <a:schemeClr val="accent1">
+                    <a:lumMod val="50000"/>
+                  </a:schemeClr>
+                </a:solidFill>
+              </a:rPr>
+              <a:t>Payment Sch.</a:t>
+            </a:r>
+            <a:endParaRPr lang="en-US" sz="800" dirty="0">
+              <a:solidFill>
+                <a:schemeClr val="accent1">
+                  <a:lumMod val="50000"/>
+                </a:schemeClr>
+              </a:solidFill>
+            </a:endParaRPr>
+          </a:p>
+        </p:txBody>
+      </p:sp>
+      <p:sp>
+        <p:nvSpPr>
+          <p:cNvPr id="29" name="Rectangle 28"/>
+          <p:cNvSpPr/>
+          <p:nvPr/>
+        </p:nvSpPr>
+        <p:spPr>
+          <a:xfrm>
+            <a:off x="4425304" y="2097102"/>
+            <a:ext cx="2313696" cy="678581"/>
+          </a:xfrm>
+          <a:prstGeom prst="rect">
+            <a:avLst/>
+          </a:prstGeom>
+        </p:spPr>
+        <p:style>
+          <a:lnRef idx="2">
+            <a:schemeClr val="accent1">
+              <a:shade val="50000"/>
+            </a:schemeClr>
+          </a:lnRef>
+          <a:fillRef idx="1">
+            <a:schemeClr val="accent1"/>
+          </a:fillRef>
+          <a:effectRef idx="0">
+            <a:schemeClr val="accent1"/>
+          </a:effectRef>
+          <a:fontRef idx="minor">
+            <a:schemeClr val="lt1"/>
+          </a:fontRef>
+        </p:style>
+        <p:txBody>
+          <a:bodyPr rtlCol="0" anchor="t" anchorCtr="0"/>
+          <a:lstStyle/>
+          <a:p>
+            <a:pPr algn="ctr"/>
+            <a:r>
+              <a:rPr lang="en-US" dirty="0" smtClean="0"/>
+              <a:t>Buyer’s Page</a:t>
+            </a:r>
+          </a:p>
+          <a:p>
+            <a:pPr algn="ctr"/>
+            <a:r>
+              <a:rPr lang="en-US" sz="800" dirty="0" smtClean="0"/>
+              <a:t>Recommends, Current </a:t>
+            </a:r>
+            <a:r>
+              <a:rPr lang="en-US" sz="800" dirty="0" smtClean="0"/>
+              <a:t>PO, </a:t>
+            </a:r>
+            <a:r>
+              <a:rPr lang="en-US" sz="800" dirty="0" smtClean="0"/>
+              <a:t>Stock Sourcing Update, BP, Deals, Order Responses, Quotations, Add to Cart</a:t>
+            </a:r>
+            <a:endParaRPr lang="en-US" sz="800" dirty="0"/>
+          </a:p>
+        </p:txBody>
+      </p:sp>
+      <p:cxnSp>
+        <p:nvCxnSpPr>
+          <p:cNvPr id="31" name="Elbow Connector 30"/>
+          <p:cNvCxnSpPr>
+            <a:stCxn id="29" idx="1"/>
+          </p:cNvCxnSpPr>
+          <p:nvPr/>
+        </p:nvCxnSpPr>
+        <p:spPr>
+          <a:xfrm rot="10800000">
+            <a:off x="1520792" y="1942453"/>
+            <a:ext cx="2904512" cy="493940"/>
+          </a:xfrm>
+          <a:prstGeom prst="bentConnector3">
+            <a:avLst>
+              <a:gd name="adj1" fmla="val 100371"/>
+            </a:avLst>
+          </a:prstGeom>
+          <a:ln>
+            <a:tailEnd type="triangle"/>
+          </a:ln>
+        </p:spPr>
+        <p:style>
+          <a:lnRef idx="3">
+            <a:schemeClr val="accent2"/>
+          </a:lnRef>
+          <a:fillRef idx="0">
+            <a:schemeClr val="accent2"/>
+          </a:fillRef>
+          <a:effectRef idx="2">
+            <a:schemeClr val="accent2"/>
+          </a:effectRef>
+          <a:fontRef idx="minor">
+            <a:schemeClr val="tx1"/>
+          </a:fontRef>
+        </p:style>
+      </p:cxnSp>
+      <p:cxnSp>
+        <p:nvCxnSpPr>
+          <p:cNvPr id="35" name="Elbow Connector 34"/>
+          <p:cNvCxnSpPr>
+            <a:stCxn id="9" idx="0"/>
+            <a:endCxn id="16" idx="2"/>
+          </p:cNvCxnSpPr>
+          <p:nvPr/>
+        </p:nvCxnSpPr>
+        <p:spPr>
+          <a:xfrm rot="5400000" flipH="1" flipV="1">
+            <a:off x="83929" y="3002116"/>
+            <a:ext cx="2114964" cy="1"/>
+          </a:xfrm>
+          <a:prstGeom prst="bentConnector3">
+            <a:avLst>
+              <a:gd name="adj1" fmla="val 50000"/>
+            </a:avLst>
+          </a:prstGeom>
+          <a:ln>
+            <a:tailEnd type="triangle"/>
+          </a:ln>
+        </p:spPr>
+        <p:style>
+          <a:lnRef idx="3">
+            <a:schemeClr val="accent2"/>
+          </a:lnRef>
+          <a:fillRef idx="0">
+            <a:schemeClr val="accent2"/>
+          </a:fillRef>
+          <a:effectRef idx="2">
+            <a:schemeClr val="accent2"/>
+          </a:effectRef>
+          <a:fontRef idx="minor">
+            <a:schemeClr val="tx1"/>
+          </a:fontRef>
+        </p:style>
+      </p:cxnSp>
+      <p:cxnSp>
+        <p:nvCxnSpPr>
+          <p:cNvPr id="38" name="Elbow Connector 37"/>
+          <p:cNvCxnSpPr>
+            <a:stCxn id="10" idx="1"/>
+            <a:endCxn id="16" idx="1"/>
+          </p:cNvCxnSpPr>
+          <p:nvPr/>
+        </p:nvCxnSpPr>
+        <p:spPr>
+          <a:xfrm rot="10800000">
+            <a:off x="250843" y="1632852"/>
+            <a:ext cx="19801" cy="4228863"/>
+          </a:xfrm>
+          <a:prstGeom prst="bentConnector3">
+            <a:avLst>
+              <a:gd name="adj1" fmla="val 1254487"/>
+            </a:avLst>
+          </a:prstGeom>
+          <a:ln>
+            <a:tailEnd type="triangle"/>
+          </a:ln>
+        </p:spPr>
+        <p:style>
+          <a:lnRef idx="3">
+            <a:schemeClr val="accent2"/>
+          </a:lnRef>
+          <a:fillRef idx="0">
+            <a:schemeClr val="accent2"/>
+          </a:fillRef>
+          <a:effectRef idx="2">
+            <a:schemeClr val="accent2"/>
+          </a:effectRef>
+          <a:fontRef idx="minor">
+            <a:schemeClr val="tx1"/>
+          </a:fontRef>
+        </p:style>
+      </p:cxnSp>
+      <p:cxnSp>
+        <p:nvCxnSpPr>
+          <p:cNvPr id="43" name="Elbow Connector 42"/>
+          <p:cNvCxnSpPr>
+            <a:stCxn id="19" idx="1"/>
+            <a:endCxn id="16" idx="3"/>
+          </p:cNvCxnSpPr>
+          <p:nvPr/>
+        </p:nvCxnSpPr>
+        <p:spPr>
+          <a:xfrm rot="10800000" flipV="1">
+            <a:off x="2031981" y="1630669"/>
+            <a:ext cx="733738" cy="2182"/>
+          </a:xfrm>
+          <a:prstGeom prst="bentConnector3">
+            <a:avLst/>
+          </a:prstGeom>
+          <a:ln>
+            <a:tailEnd type="triangle"/>
+          </a:ln>
+        </p:spPr>
+        <p:style>
+          <a:lnRef idx="3">
+            <a:schemeClr val="accent2"/>
+          </a:lnRef>
+          <a:fillRef idx="0">
+            <a:schemeClr val="accent2"/>
+          </a:fillRef>
+          <a:effectRef idx="2">
+            <a:schemeClr val="accent2"/>
+          </a:effectRef>
+          <a:fontRef idx="minor">
+            <a:schemeClr val="tx1"/>
+          </a:fontRef>
+        </p:style>
+      </p:cxnSp>
+      <p:sp>
+        <p:nvSpPr>
+          <p:cNvPr id="49" name="Rectangle 48"/>
+          <p:cNvSpPr/>
+          <p:nvPr/>
+        </p:nvSpPr>
+        <p:spPr>
+          <a:xfrm>
+            <a:off x="4425304" y="4679864"/>
+            <a:ext cx="2313696" cy="678581"/>
+          </a:xfrm>
+          <a:prstGeom prst="rect">
+            <a:avLst/>
+          </a:prstGeom>
+        </p:spPr>
+        <p:style>
+          <a:lnRef idx="2">
+            <a:schemeClr val="accent1">
+              <a:shade val="50000"/>
+            </a:schemeClr>
+          </a:lnRef>
+          <a:fillRef idx="1">
+            <a:schemeClr val="accent1"/>
+          </a:fillRef>
+          <a:effectRef idx="0">
+            <a:schemeClr val="accent1"/>
+          </a:effectRef>
+          <a:fontRef idx="minor">
+            <a:schemeClr val="lt1"/>
+          </a:fontRef>
+        </p:style>
+        <p:txBody>
+          <a:bodyPr rtlCol="0" anchor="t" anchorCtr="0"/>
+          <a:lstStyle/>
+          <a:p>
+            <a:pPr algn="ctr"/>
+            <a:r>
+              <a:rPr lang="en-US" dirty="0" smtClean="0"/>
+              <a:t>Seller’s </a:t>
+            </a:r>
+            <a:r>
+              <a:rPr lang="en-US" dirty="0" smtClean="0"/>
+              <a:t>Page</a:t>
+            </a:r>
+          </a:p>
+          <a:p>
+            <a:pPr algn="ctr"/>
+            <a:r>
+              <a:rPr lang="en-US" sz="800" dirty="0" smtClean="0"/>
+              <a:t>Recommends, Current </a:t>
+            </a:r>
+            <a:r>
+              <a:rPr lang="en-US" sz="800" dirty="0"/>
+              <a:t>P</a:t>
+            </a:r>
+            <a:r>
+              <a:rPr lang="en-US" sz="800" dirty="0" smtClean="0"/>
+              <a:t>O, </a:t>
+            </a:r>
+            <a:r>
+              <a:rPr lang="en-US" sz="800" dirty="0" smtClean="0"/>
+              <a:t>Stock Sourcing Update, BP, Deals, </a:t>
+            </a:r>
+            <a:r>
+              <a:rPr lang="en-US" sz="800" dirty="0" smtClean="0"/>
+              <a:t>Quote </a:t>
+            </a:r>
+            <a:r>
+              <a:rPr lang="en-US" sz="800" dirty="0" smtClean="0"/>
+              <a:t>Responses, </a:t>
+            </a:r>
+            <a:r>
+              <a:rPr lang="en-US" sz="800" dirty="0" smtClean="0"/>
+              <a:t>Invoice/Billing Updates, Summary</a:t>
+            </a:r>
+            <a:endParaRPr lang="en-US" sz="800" dirty="0"/>
+          </a:p>
+        </p:txBody>
+      </p:sp>
+      <p:cxnSp>
+        <p:nvCxnSpPr>
+          <p:cNvPr id="55" name="Elbow Connector 54"/>
+          <p:cNvCxnSpPr>
+            <a:stCxn id="49" idx="1"/>
+            <a:endCxn id="9" idx="3"/>
+          </p:cNvCxnSpPr>
+          <p:nvPr/>
+        </p:nvCxnSpPr>
+        <p:spPr>
+          <a:xfrm rot="10800000">
+            <a:off x="2031980" y="4620653"/>
+            <a:ext cx="2393324" cy="398503"/>
+          </a:xfrm>
+          <a:prstGeom prst="bentConnector3">
+            <a:avLst/>
+          </a:prstGeom>
+          <a:ln>
+            <a:tailEnd type="triangle"/>
+          </a:ln>
+        </p:spPr>
+        <p:style>
+          <a:lnRef idx="3">
+            <a:schemeClr val="accent2"/>
+          </a:lnRef>
+          <a:fillRef idx="0">
+            <a:schemeClr val="accent2"/>
+          </a:fillRef>
+          <a:effectRef idx="2">
+            <a:schemeClr val="accent2"/>
+          </a:effectRef>
+          <a:fontRef idx="minor">
+            <a:schemeClr val="tx1"/>
+          </a:fontRef>
+        </p:style>
+      </p:cxnSp>
+      <p:cxnSp>
+        <p:nvCxnSpPr>
+          <p:cNvPr id="57" name="Elbow Connector 56"/>
+          <p:cNvCxnSpPr>
+            <a:endCxn id="10" idx="3"/>
+          </p:cNvCxnSpPr>
+          <p:nvPr/>
+        </p:nvCxnSpPr>
+        <p:spPr>
+          <a:xfrm rot="10800000" flipV="1">
+            <a:off x="2329863" y="5196794"/>
+            <a:ext cx="2095440" cy="664920"/>
+          </a:xfrm>
+          <a:prstGeom prst="bentConnector3">
+            <a:avLst>
+              <a:gd name="adj1" fmla="val 50000"/>
+            </a:avLst>
+          </a:prstGeom>
+          <a:ln>
+            <a:tailEnd type="triangle"/>
+          </a:ln>
+        </p:spPr>
+        <p:style>
+          <a:lnRef idx="3">
+            <a:schemeClr val="accent2"/>
+          </a:lnRef>
+          <a:fillRef idx="0">
+            <a:schemeClr val="accent2"/>
+          </a:fillRef>
+          <a:effectRef idx="2">
+            <a:schemeClr val="accent2"/>
+          </a:effectRef>
+          <a:fontRef idx="minor">
+            <a:schemeClr val="tx1"/>
+          </a:fontRef>
+        </p:style>
+      </p:cxnSp>
+      <p:cxnSp>
+        <p:nvCxnSpPr>
+          <p:cNvPr id="62" name="Elbow Connector 61"/>
+          <p:cNvCxnSpPr>
+            <a:stCxn id="18" idx="2"/>
+            <a:endCxn id="20" idx="1"/>
+          </p:cNvCxnSpPr>
+          <p:nvPr/>
+        </p:nvCxnSpPr>
+        <p:spPr>
+          <a:xfrm rot="16200000" flipH="1">
+            <a:off x="2394334" y="3990937"/>
+            <a:ext cx="2671317" cy="1928544"/>
+          </a:xfrm>
+          <a:prstGeom prst="bentConnector2">
+            <a:avLst/>
+          </a:prstGeom>
+          <a:ln>
+            <a:tailEnd type="triangle"/>
+          </a:ln>
+        </p:spPr>
+        <p:style>
+          <a:lnRef idx="3">
+            <a:schemeClr val="accent2"/>
+          </a:lnRef>
+          <a:fillRef idx="0">
+            <a:schemeClr val="accent2"/>
+          </a:fillRef>
+          <a:effectRef idx="2">
+            <a:schemeClr val="accent2"/>
+          </a:effectRef>
+          <a:fontRef idx="minor">
+            <a:schemeClr val="tx1"/>
+          </a:fontRef>
+        </p:style>
+      </p:cxnSp>
+      <p:sp>
+        <p:nvSpPr>
+          <p:cNvPr id="80" name="Freeform 79"/>
+          <p:cNvSpPr/>
+          <p:nvPr/>
+        </p:nvSpPr>
+        <p:spPr>
+          <a:xfrm>
+            <a:off x="8001861" y="4833003"/>
+            <a:ext cx="897619" cy="853335"/>
           </a:xfrm>
           <a:custGeom>
             <a:avLst/>
             <a:gdLst>
-              <a:gd name="connsiteX0" fmla="*/ 2115406 w 2980266"/>
-              <a:gd name="connsiteY0" fmla="*/ 475169 h 2980266"/>
-              <a:gd name="connsiteX1" fmla="*/ 2347223 w 2980266"/>
-              <a:gd name="connsiteY1" fmla="*/ 280641 h 2980266"/>
-              <a:gd name="connsiteX2" fmla="*/ 2532418 w 2980266"/>
-              <a:gd name="connsiteY2" fmla="*/ 436038 h 2980266"/>
-              <a:gd name="connsiteX3" fmla="*/ 2381100 w 2980266"/>
-              <a:gd name="connsiteY3" fmla="*/ 698113 h 2980266"/>
-              <a:gd name="connsiteX4" fmla="*/ 2621526 w 2980266"/>
-              <a:gd name="connsiteY4" fmla="*/ 1114543 h 2980266"/>
-              <a:gd name="connsiteX5" fmla="*/ 2924149 w 2980266"/>
-              <a:gd name="connsiteY5" fmla="*/ 1114535 h 2980266"/>
-              <a:gd name="connsiteX6" fmla="*/ 2966129 w 2980266"/>
-              <a:gd name="connsiteY6" fmla="*/ 1352617 h 2980266"/>
-              <a:gd name="connsiteX7" fmla="*/ 2681754 w 2980266"/>
-              <a:gd name="connsiteY7" fmla="*/ 1456113 h 2980266"/>
-              <a:gd name="connsiteX8" fmla="*/ 2598255 w 2980266"/>
-              <a:gd name="connsiteY8" fmla="*/ 1929659 h 2980266"/>
-              <a:gd name="connsiteX9" fmla="*/ 2830082 w 2980266"/>
-              <a:gd name="connsiteY9" fmla="*/ 2124176 h 2980266"/>
-              <a:gd name="connsiteX10" fmla="*/ 2709205 w 2980266"/>
-              <a:gd name="connsiteY10" fmla="*/ 2333542 h 2980266"/>
-              <a:gd name="connsiteX11" fmla="*/ 2424835 w 2980266"/>
-              <a:gd name="connsiteY11" fmla="*/ 2230031 h 2980266"/>
-              <a:gd name="connsiteX12" fmla="*/ 2056481 w 2980266"/>
-              <a:gd name="connsiteY12" fmla="*/ 2539116 h 2980266"/>
-              <a:gd name="connsiteX13" fmla="*/ 2109039 w 2980266"/>
-              <a:gd name="connsiteY13" fmla="*/ 2837141 h 2980266"/>
-              <a:gd name="connsiteX14" fmla="*/ 1881863 w 2980266"/>
-              <a:gd name="connsiteY14" fmla="*/ 2919826 h 2980266"/>
-              <a:gd name="connsiteX15" fmla="*/ 1730559 w 2980266"/>
-              <a:gd name="connsiteY15" fmla="*/ 2657743 h 2980266"/>
-              <a:gd name="connsiteX16" fmla="*/ 1249707 w 2980266"/>
-              <a:gd name="connsiteY16" fmla="*/ 2657743 h 2980266"/>
-              <a:gd name="connsiteX17" fmla="*/ 1098403 w 2980266"/>
-              <a:gd name="connsiteY17" fmla="*/ 2919826 h 2980266"/>
-              <a:gd name="connsiteX18" fmla="*/ 871227 w 2980266"/>
-              <a:gd name="connsiteY18" fmla="*/ 2837141 h 2980266"/>
-              <a:gd name="connsiteX19" fmla="*/ 923785 w 2980266"/>
-              <a:gd name="connsiteY19" fmla="*/ 2539117 h 2980266"/>
-              <a:gd name="connsiteX20" fmla="*/ 555431 w 2980266"/>
-              <a:gd name="connsiteY20" fmla="*/ 2230032 h 2980266"/>
-              <a:gd name="connsiteX21" fmla="*/ 271061 w 2980266"/>
-              <a:gd name="connsiteY21" fmla="*/ 2333542 h 2980266"/>
-              <a:gd name="connsiteX22" fmla="*/ 150184 w 2980266"/>
-              <a:gd name="connsiteY22" fmla="*/ 2124176 h 2980266"/>
-              <a:gd name="connsiteX23" fmla="*/ 382011 w 2980266"/>
-              <a:gd name="connsiteY23" fmla="*/ 1929660 h 2980266"/>
-              <a:gd name="connsiteX24" fmla="*/ 298512 w 2980266"/>
-              <a:gd name="connsiteY24" fmla="*/ 1456114 h 2980266"/>
-              <a:gd name="connsiteX25" fmla="*/ 14137 w 2980266"/>
-              <a:gd name="connsiteY25" fmla="*/ 1352617 h 2980266"/>
-              <a:gd name="connsiteX26" fmla="*/ 56117 w 2980266"/>
-              <a:gd name="connsiteY26" fmla="*/ 1114535 h 2980266"/>
-              <a:gd name="connsiteX27" fmla="*/ 358740 w 2980266"/>
-              <a:gd name="connsiteY27" fmla="*/ 1114543 h 2980266"/>
-              <a:gd name="connsiteX28" fmla="*/ 599166 w 2980266"/>
-              <a:gd name="connsiteY28" fmla="*/ 698113 h 2980266"/>
-              <a:gd name="connsiteX29" fmla="*/ 447848 w 2980266"/>
-              <a:gd name="connsiteY29" fmla="*/ 436038 h 2980266"/>
-              <a:gd name="connsiteX30" fmla="*/ 633043 w 2980266"/>
-              <a:gd name="connsiteY30" fmla="*/ 280641 h 2980266"/>
-              <a:gd name="connsiteX31" fmla="*/ 864860 w 2980266"/>
-              <a:gd name="connsiteY31" fmla="*/ 475169 h 2980266"/>
-              <a:gd name="connsiteX32" fmla="*/ 1316713 w 2980266"/>
-              <a:gd name="connsiteY32" fmla="*/ 310708 h 2980266"/>
-              <a:gd name="connsiteX33" fmla="*/ 1369255 w 2980266"/>
-              <a:gd name="connsiteY33" fmla="*/ 12681 h 2980266"/>
-              <a:gd name="connsiteX34" fmla="*/ 1611011 w 2980266"/>
-              <a:gd name="connsiteY34" fmla="*/ 12681 h 2980266"/>
-              <a:gd name="connsiteX35" fmla="*/ 1663553 w 2980266"/>
-              <a:gd name="connsiteY35" fmla="*/ 310708 h 2980266"/>
-              <a:gd name="connsiteX36" fmla="*/ 2115406 w 2980266"/>
-              <a:gd name="connsiteY36" fmla="*/ 475169 h 2980266"/>
+              <a:gd name="connsiteX0" fmla="*/ 516083 w 727078"/>
+              <a:gd name="connsiteY0" fmla="*/ 115924 h 727078"/>
+              <a:gd name="connsiteX1" fmla="*/ 572638 w 727078"/>
+              <a:gd name="connsiteY1" fmla="*/ 68466 h 727078"/>
+              <a:gd name="connsiteX2" fmla="*/ 617819 w 727078"/>
+              <a:gd name="connsiteY2" fmla="*/ 106378 h 727078"/>
+              <a:gd name="connsiteX3" fmla="*/ 580903 w 727078"/>
+              <a:gd name="connsiteY3" fmla="*/ 170315 h 727078"/>
+              <a:gd name="connsiteX4" fmla="*/ 639558 w 727078"/>
+              <a:gd name="connsiteY4" fmla="*/ 271909 h 727078"/>
+              <a:gd name="connsiteX5" fmla="*/ 713387 w 727078"/>
+              <a:gd name="connsiteY5" fmla="*/ 271907 h 727078"/>
+              <a:gd name="connsiteX6" fmla="*/ 723629 w 727078"/>
+              <a:gd name="connsiteY6" fmla="*/ 329990 h 727078"/>
+              <a:gd name="connsiteX7" fmla="*/ 654252 w 727078"/>
+              <a:gd name="connsiteY7" fmla="*/ 355239 h 727078"/>
+              <a:gd name="connsiteX8" fmla="*/ 633881 w 727078"/>
+              <a:gd name="connsiteY8" fmla="*/ 470767 h 727078"/>
+              <a:gd name="connsiteX9" fmla="*/ 690439 w 727078"/>
+              <a:gd name="connsiteY9" fmla="*/ 518223 h 727078"/>
+              <a:gd name="connsiteX10" fmla="*/ 660949 w 727078"/>
+              <a:gd name="connsiteY10" fmla="*/ 569301 h 727078"/>
+              <a:gd name="connsiteX11" fmla="*/ 591573 w 727078"/>
+              <a:gd name="connsiteY11" fmla="*/ 544048 h 727078"/>
+              <a:gd name="connsiteX12" fmla="*/ 501708 w 727078"/>
+              <a:gd name="connsiteY12" fmla="*/ 619454 h 727078"/>
+              <a:gd name="connsiteX13" fmla="*/ 514530 w 727078"/>
+              <a:gd name="connsiteY13" fmla="*/ 692161 h 727078"/>
+              <a:gd name="connsiteX14" fmla="*/ 459107 w 727078"/>
+              <a:gd name="connsiteY14" fmla="*/ 712333 h 727078"/>
+              <a:gd name="connsiteX15" fmla="*/ 422194 w 727078"/>
+              <a:gd name="connsiteY15" fmla="*/ 648394 h 727078"/>
+              <a:gd name="connsiteX16" fmla="*/ 304884 w 727078"/>
+              <a:gd name="connsiteY16" fmla="*/ 648394 h 727078"/>
+              <a:gd name="connsiteX17" fmla="*/ 267971 w 727078"/>
+              <a:gd name="connsiteY17" fmla="*/ 712333 h 727078"/>
+              <a:gd name="connsiteX18" fmla="*/ 212548 w 727078"/>
+              <a:gd name="connsiteY18" fmla="*/ 692161 h 727078"/>
+              <a:gd name="connsiteX19" fmla="*/ 225370 w 727078"/>
+              <a:gd name="connsiteY19" fmla="*/ 619453 h 727078"/>
+              <a:gd name="connsiteX20" fmla="*/ 135505 w 727078"/>
+              <a:gd name="connsiteY20" fmla="*/ 544047 h 727078"/>
+              <a:gd name="connsiteX21" fmla="*/ 66129 w 727078"/>
+              <a:gd name="connsiteY21" fmla="*/ 569301 h 727078"/>
+              <a:gd name="connsiteX22" fmla="*/ 36639 w 727078"/>
+              <a:gd name="connsiteY22" fmla="*/ 518223 h 727078"/>
+              <a:gd name="connsiteX23" fmla="*/ 93197 w 727078"/>
+              <a:gd name="connsiteY23" fmla="*/ 470768 h 727078"/>
+              <a:gd name="connsiteX24" fmla="*/ 72826 w 727078"/>
+              <a:gd name="connsiteY24" fmla="*/ 355240 h 727078"/>
+              <a:gd name="connsiteX25" fmla="*/ 3449 w 727078"/>
+              <a:gd name="connsiteY25" fmla="*/ 329990 h 727078"/>
+              <a:gd name="connsiteX26" fmla="*/ 13691 w 727078"/>
+              <a:gd name="connsiteY26" fmla="*/ 271907 h 727078"/>
+              <a:gd name="connsiteX27" fmla="*/ 87520 w 727078"/>
+              <a:gd name="connsiteY27" fmla="*/ 271908 h 727078"/>
+              <a:gd name="connsiteX28" fmla="*/ 146175 w 727078"/>
+              <a:gd name="connsiteY28" fmla="*/ 170314 h 727078"/>
+              <a:gd name="connsiteX29" fmla="*/ 109259 w 727078"/>
+              <a:gd name="connsiteY29" fmla="*/ 106378 h 727078"/>
+              <a:gd name="connsiteX30" fmla="*/ 154440 w 727078"/>
+              <a:gd name="connsiteY30" fmla="*/ 68466 h 727078"/>
+              <a:gd name="connsiteX31" fmla="*/ 210995 w 727078"/>
+              <a:gd name="connsiteY31" fmla="*/ 115924 h 727078"/>
+              <a:gd name="connsiteX32" fmla="*/ 321231 w 727078"/>
+              <a:gd name="connsiteY32" fmla="*/ 75801 h 727078"/>
+              <a:gd name="connsiteX33" fmla="*/ 334049 w 727078"/>
+              <a:gd name="connsiteY33" fmla="*/ 3094 h 727078"/>
+              <a:gd name="connsiteX34" fmla="*/ 393029 w 727078"/>
+              <a:gd name="connsiteY34" fmla="*/ 3094 h 727078"/>
+              <a:gd name="connsiteX35" fmla="*/ 405847 w 727078"/>
+              <a:gd name="connsiteY35" fmla="*/ 75802 h 727078"/>
+              <a:gd name="connsiteX36" fmla="*/ 516083 w 727078"/>
+              <a:gd name="connsiteY36" fmla="*/ 115925 h 727078"/>
+              <a:gd name="connsiteX37" fmla="*/ 516083 w 727078"/>
+              <a:gd name="connsiteY37" fmla="*/ 115924 h 727078"/>
             </a:gdLst>
             <a:ahLst/>
             <a:cxnLst>
@@ -23224,146 +23716,159 @@
               <a:cxn ang="0">
                 <a:pos x="connsiteX36" y="connsiteY36"/>
               </a:cxn>
+              <a:cxn ang="0">
+                <a:pos x="connsiteX37" y="connsiteY37"/>
+              </a:cxn>
             </a:cxnLst>
             <a:rect l="l" t="t" r="r" b="b"/>
             <a:pathLst>
-              <a:path w="2980266" h="2980266">
+              <a:path w="727078" h="727078">
                 <a:moveTo>
-                  <a:pt x="2115406" y="475169"/>
+                  <a:pt x="516083" y="115924"/>
                 </a:moveTo>
                 <a:lnTo>
-                  <a:pt x="2347223" y="280641"/>
+                  <a:pt x="572638" y="68466"/>
                 </a:lnTo>
                 <a:lnTo>
-                  <a:pt x="2532418" y="436038"/>
+                  <a:pt x="617819" y="106378"/>
                 </a:lnTo>
                 <a:lnTo>
-                  <a:pt x="2381100" y="698113"/>
+                  <a:pt x="580903" y="170315"/>
                 </a:lnTo>
                 <a:cubicBezTo>
-                  <a:pt x="2488696" y="819151"/>
-                  <a:pt x="2570502" y="960843"/>
-                  <a:pt x="2621526" y="1114543"/>
+                  <a:pt x="607153" y="199844"/>
+                  <a:pt x="627110" y="234412"/>
+                  <a:pt x="639558" y="271909"/>
                 </a:cubicBezTo>
                 <a:lnTo>
-                  <a:pt x="2924149" y="1114535"/>
+                  <a:pt x="713387" y="271907"/>
                 </a:lnTo>
                 <a:lnTo>
-                  <a:pt x="2966129" y="1352617"/>
+                  <a:pt x="723629" y="329990"/>
                 </a:lnTo>
                 <a:lnTo>
-                  <a:pt x="2681754" y="1456113"/>
+                  <a:pt x="654252" y="355239"/>
                 </a:lnTo>
                 <a:cubicBezTo>
-                  <a:pt x="2686376" y="1617995"/>
-                  <a:pt x="2657965" y="1779121"/>
-                  <a:pt x="2598255" y="1929659"/>
+                  <a:pt x="655380" y="394732"/>
+                  <a:pt x="648448" y="434041"/>
+                  <a:pt x="633881" y="470767"/>
                 </a:cubicBezTo>
                 <a:lnTo>
-                  <a:pt x="2830082" y="2124176"/>
+                  <a:pt x="690439" y="518223"/>
                 </a:lnTo>
                 <a:lnTo>
-                  <a:pt x="2709205" y="2333542"/>
+                  <a:pt x="660949" y="569301"/>
                 </a:lnTo>
                 <a:lnTo>
-                  <a:pt x="2424835" y="2230031"/>
+                  <a:pt x="591573" y="544048"/>
                 </a:lnTo>
                 <a:cubicBezTo>
-                  <a:pt x="2324320" y="2357010"/>
-                  <a:pt x="2198986" y="2462178"/>
-                  <a:pt x="2056481" y="2539116"/>
+                  <a:pt x="567051" y="575026"/>
+                  <a:pt x="536474" y="600684"/>
+                  <a:pt x="501708" y="619454"/>
                 </a:cubicBezTo>
                 <a:lnTo>
-                  <a:pt x="2109039" y="2837141"/>
+                  <a:pt x="514530" y="692161"/>
                 </a:lnTo>
                 <a:lnTo>
-                  <a:pt x="1881863" y="2919826"/>
+                  <a:pt x="459107" y="712333"/>
                 </a:lnTo>
                 <a:lnTo>
-                  <a:pt x="1730559" y="2657743"/>
+                  <a:pt x="422194" y="648394"/>
                 </a:lnTo>
                 <a:cubicBezTo>
-                  <a:pt x="1571939" y="2690405"/>
-                  <a:pt x="1408327" y="2690405"/>
-                  <a:pt x="1249707" y="2657743"/>
+                  <a:pt x="383496" y="656362"/>
+                  <a:pt x="343581" y="656362"/>
+                  <a:pt x="304884" y="648394"/>
                 </a:cubicBezTo>
                 <a:lnTo>
-                  <a:pt x="1098403" y="2919826"/>
+                  <a:pt x="267971" y="712333"/>
                 </a:lnTo>
                 <a:lnTo>
-                  <a:pt x="871227" y="2837141"/>
+                  <a:pt x="212548" y="692161"/>
                 </a:lnTo>
                 <a:lnTo>
-                  <a:pt x="923785" y="2539117"/>
+                  <a:pt x="225370" y="619453"/>
                 </a:lnTo>
                 <a:cubicBezTo>
-                  <a:pt x="781280" y="2462179"/>
-                  <a:pt x="655947" y="2357011"/>
-                  <a:pt x="555431" y="2230032"/>
+                  <a:pt x="190604" y="600683"/>
+                  <a:pt x="160027" y="575026"/>
+                  <a:pt x="135505" y="544047"/>
                 </a:cubicBezTo>
                 <a:lnTo>
-                  <a:pt x="271061" y="2333542"/>
+                  <a:pt x="66129" y="569301"/>
                 </a:lnTo>
                 <a:lnTo>
-                  <a:pt x="150184" y="2124176"/>
+                  <a:pt x="36639" y="518223"/>
                 </a:lnTo>
                 <a:lnTo>
-                  <a:pt x="382011" y="1929660"/>
+                  <a:pt x="93197" y="470768"/>
                 </a:lnTo>
                 <a:cubicBezTo>
-                  <a:pt x="322301" y="1779122"/>
-                  <a:pt x="293890" y="1617995"/>
-                  <a:pt x="298512" y="1456114"/>
+                  <a:pt x="78630" y="434042"/>
+                  <a:pt x="71699" y="394733"/>
+                  <a:pt x="72826" y="355240"/>
                 </a:cubicBezTo>
                 <a:lnTo>
-                  <a:pt x="14137" y="1352617"/>
+                  <a:pt x="3449" y="329990"/>
                 </a:lnTo>
                 <a:lnTo>
-                  <a:pt x="56117" y="1114535"/>
+                  <a:pt x="13691" y="271907"/>
                 </a:lnTo>
                 <a:lnTo>
-                  <a:pt x="358740" y="1114543"/>
+                  <a:pt x="87520" y="271908"/>
                 </a:lnTo>
                 <a:cubicBezTo>
-                  <a:pt x="409764" y="960843"/>
-                  <a:pt x="491570" y="819151"/>
-                  <a:pt x="599166" y="698113"/>
+                  <a:pt x="99968" y="234411"/>
+                  <a:pt x="119926" y="199843"/>
+                  <a:pt x="146175" y="170314"/>
                 </a:cubicBezTo>
                 <a:lnTo>
-                  <a:pt x="447848" y="436038"/>
+                  <a:pt x="109259" y="106378"/>
                 </a:lnTo>
                 <a:lnTo>
-                  <a:pt x="633043" y="280641"/>
+                  <a:pt x="154440" y="68466"/>
                 </a:lnTo>
                 <a:lnTo>
-                  <a:pt x="864860" y="475169"/>
+                  <a:pt x="210995" y="115924"/>
                 </a:lnTo>
                 <a:cubicBezTo>
-                  <a:pt x="1002743" y="390226"/>
-                  <a:pt x="1156488" y="334267"/>
-                  <a:pt x="1316713" y="310708"/>
+                  <a:pt x="244633" y="95201"/>
+                  <a:pt x="282142" y="81549"/>
+                  <a:pt x="321231" y="75801"/>
                 </a:cubicBezTo>
                 <a:lnTo>
-                  <a:pt x="1369255" y="12681"/>
+                  <a:pt x="334049" y="3094"/>
                 </a:lnTo>
                 <a:lnTo>
-                  <a:pt x="1611011" y="12681"/>
+                  <a:pt x="393029" y="3094"/>
                 </a:lnTo>
                 <a:lnTo>
-                  <a:pt x="1663553" y="310708"/>
+                  <a:pt x="405847" y="75802"/>
                 </a:lnTo>
                 <a:cubicBezTo>
-                  <a:pt x="1823778" y="334267"/>
-                  <a:pt x="1977523" y="390226"/>
-                  <a:pt x="2115406" y="475169"/>
+                  <a:pt x="444936" y="81550"/>
+                  <a:pt x="482444" y="95201"/>
+                  <a:pt x="516083" y="115925"/>
                 </a:cubicBezTo>
+                <a:lnTo>
+                  <a:pt x="516083" y="115924"/>
+                </a:lnTo>
                 <a:close/>
               </a:path>
             </a:pathLst>
           </a:custGeom>
+          <a:scene3d>
+            <a:camera prst="orthographicFront"/>
+            <a:lightRig rig="flat" dir="t"/>
+          </a:scene3d>
+          <a:sp3d prstMaterial="dkEdge">
+            <a:bevelT w="8200" h="38100"/>
+          </a:sp3d>
         </p:spPr>
         <p:style>
-          <a:lnRef idx="2">
+          <a:lnRef idx="0">
             <a:schemeClr val="lt1">
               <a:hueOff val="0"/>
               <a:satOff val="0"/>
@@ -23371,7 +23876,7 @@
               <a:alphaOff val="0"/>
             </a:schemeClr>
           </a:lnRef>
-          <a:fillRef idx="1">
+          <a:fillRef idx="2">
             <a:schemeClr val="accent1">
               <a:hueOff val="0"/>
               <a:satOff val="0"/>
@@ -23379,7 +23884,7 @@
               <a:alphaOff val="0"/>
             </a:schemeClr>
           </a:fillRef>
-          <a:effectRef idx="0">
+          <a:effectRef idx="1">
             <a:schemeClr val="accent1">
               <a:hueOff val="0"/>
               <a:satOff val="0"/>
@@ -23388,16 +23893,16 @@
             </a:schemeClr>
           </a:effectRef>
           <a:fontRef idx="minor">
-            <a:schemeClr val="lt1"/>
+            <a:schemeClr val="dk1"/>
           </a:fontRef>
         </p:style>
         <p:txBody>
-          <a:bodyPr spcFirstLastPara="0" vert="horz" wrap="square" lIns="0" tIns="0" rIns="0" bIns="0" numCol="1" spcCol="1270" anchor="ctr" anchorCtr="0">
+          <a:bodyPr spcFirstLastPara="0" vert="horz" wrap="square" lIns="146175" tIns="170315" rIns="146175" bIns="183030" numCol="1" spcCol="1270" anchor="ctr" anchorCtr="0">
             <a:noAutofit/>
           </a:bodyPr>
           <a:lstStyle/>
           <a:p>
-            <a:pPr lvl="0" algn="ctr" defTabSz="2222500">
+            <a:pPr lvl="0" algn="ctr" defTabSz="355600">
               <a:lnSpc>
                 <a:spcPct val="90000"/>
               </a:lnSpc>
@@ -23409,56 +23914,705 @@
               </a:spcAft>
             </a:pPr>
             <a:r>
-              <a:rPr lang="en-US" sz="1200" kern="1200" dirty="0" smtClean="0"/>
-              <a:t>Stock Availability</a:t>
+              <a:rPr lang="en-US" sz="800" dirty="0" smtClean="0"/>
+              <a:t>Goods Packaging</a:t>
             </a:r>
-          </a:p>
-          <a:p>
-            <a:pPr lvl="0" algn="ctr" defTabSz="2222500">
-              <a:lnSpc>
-                <a:spcPct val="90000"/>
-              </a:lnSpc>
-              <a:spcBef>
-                <a:spcPct val="0"/>
-              </a:spcBef>
-              <a:spcAft>
-                <a:spcPct val="35000"/>
-              </a:spcAft>
-            </a:pPr>
-            <a:r>
-              <a:rPr lang="en-US" sz="1200" kern="1200" dirty="0" smtClean="0"/>
-              <a:t>Engine</a:t>
-            </a:r>
-            <a:endParaRPr lang="en-US" sz="1200" kern="1200" dirty="0"/>
+            <a:endParaRPr lang="en-US" sz="800" kern="1200" dirty="0"/>
           </a:p>
         </p:txBody>
       </p:sp>
-      <p:graphicFrame>
-        <p:nvGraphicFramePr>
-          <p:cNvPr id="5" name="Diagram 4"/>
-          <p:cNvGraphicFramePr/>
-          <p:nvPr>
-            <p:extLst>
-              <p:ext uri="{D42A27DB-BD31-4B8C-83A1-F6EECF244321}">
-                <p14:modId xmlns:p14="http://schemas.microsoft.com/office/powerpoint/2010/main" val="4065843064"/>
-              </p:ext>
-            </p:extLst>
-          </p:nvPr>
-        </p:nvGraphicFramePr>
-        <p:xfrm>
-          <a:off x="1733614" y="4354644"/>
-          <a:ext cx="5127632" cy="679911"/>
-        </p:xfrm>
-        <a:graphic>
-          <a:graphicData uri="http://schemas.openxmlformats.org/drawingml/2006/diagram">
-            <dgm:relIds xmlns:dgm="http://schemas.openxmlformats.org/drawingml/2006/diagram" xmlns:r="http://schemas.openxmlformats.org/officeDocument/2006/relationships" r:dm="rId3" r:lo="rId4" r:qs="rId5" r:cs="rId6"/>
-          </a:graphicData>
-        </a:graphic>
-      </p:graphicFrame>
+      <p:cxnSp>
+        <p:nvCxnSpPr>
+          <p:cNvPr id="88" name="Elbow Connector 87"/>
+          <p:cNvCxnSpPr>
+            <a:endCxn id="80" idx="24"/>
+          </p:cNvCxnSpPr>
+          <p:nvPr/>
+        </p:nvCxnSpPr>
+        <p:spPr>
+          <a:xfrm rot="5400000" flipH="1" flipV="1">
+            <a:off x="7441011" y="5389250"/>
+            <a:ext cx="790078" cy="511438"/>
+          </a:xfrm>
+          <a:prstGeom prst="bentConnector4">
+            <a:avLst>
+              <a:gd name="adj1" fmla="val 22382"/>
+              <a:gd name="adj2" fmla="val -217"/>
+            </a:avLst>
+          </a:prstGeom>
+        </p:spPr>
+        <p:style>
+          <a:lnRef idx="3">
+            <a:schemeClr val="accent2"/>
+          </a:lnRef>
+          <a:fillRef idx="0">
+            <a:schemeClr val="accent2"/>
+          </a:fillRef>
+          <a:effectRef idx="2">
+            <a:schemeClr val="accent2"/>
+          </a:effectRef>
+          <a:fontRef idx="minor">
+            <a:schemeClr val="tx1"/>
+          </a:fontRef>
+        </p:style>
+      </p:cxnSp>
+      <p:cxnSp>
+        <p:nvCxnSpPr>
+          <p:cNvPr id="92" name="Elbow Connector 91"/>
+          <p:cNvCxnSpPr/>
+          <p:nvPr/>
+        </p:nvCxnSpPr>
+        <p:spPr>
+          <a:xfrm rot="5400000" flipH="1" flipV="1">
+            <a:off x="8427179" y="4598492"/>
+            <a:ext cx="1047863" cy="243490"/>
+          </a:xfrm>
+          <a:prstGeom prst="bentConnector3">
+            <a:avLst>
+              <a:gd name="adj1" fmla="val -521"/>
+            </a:avLst>
+          </a:prstGeom>
+        </p:spPr>
+        <p:style>
+          <a:lnRef idx="3">
+            <a:schemeClr val="accent2"/>
+          </a:lnRef>
+          <a:fillRef idx="0">
+            <a:schemeClr val="accent2"/>
+          </a:fillRef>
+          <a:effectRef idx="2">
+            <a:schemeClr val="accent2"/>
+          </a:effectRef>
+          <a:fontRef idx="minor">
+            <a:schemeClr val="tx1"/>
+          </a:fontRef>
+        </p:style>
+      </p:cxnSp>
+      <p:cxnSp>
+        <p:nvCxnSpPr>
+          <p:cNvPr id="95" name="Straight Arrow Connector 94"/>
+          <p:cNvCxnSpPr/>
+          <p:nvPr/>
+        </p:nvCxnSpPr>
+        <p:spPr>
+          <a:xfrm flipV="1">
+            <a:off x="9036712" y="2768936"/>
+            <a:ext cx="0" cy="754684"/>
+          </a:xfrm>
+          <a:prstGeom prst="straightConnector1">
+            <a:avLst/>
+          </a:prstGeom>
+          <a:ln>
+            <a:tailEnd type="triangle"/>
+          </a:ln>
+        </p:spPr>
+        <p:style>
+          <a:lnRef idx="3">
+            <a:schemeClr val="accent2"/>
+          </a:lnRef>
+          <a:fillRef idx="0">
+            <a:schemeClr val="accent2"/>
+          </a:fillRef>
+          <a:effectRef idx="2">
+            <a:schemeClr val="accent2"/>
+          </a:effectRef>
+          <a:fontRef idx="minor">
+            <a:schemeClr val="tx1"/>
+          </a:fontRef>
+        </p:style>
+      </p:cxnSp>
+      <p:cxnSp>
+        <p:nvCxnSpPr>
+          <p:cNvPr id="106" name="Elbow Connector 105"/>
+          <p:cNvCxnSpPr>
+            <a:endCxn id="18" idx="3"/>
+          </p:cNvCxnSpPr>
+          <p:nvPr/>
+        </p:nvCxnSpPr>
+        <p:spPr>
+          <a:xfrm rot="10800000" flipV="1">
+            <a:off x="3656290" y="2626470"/>
+            <a:ext cx="769015" cy="681297"/>
+          </a:xfrm>
+          <a:prstGeom prst="bentConnector3">
+            <a:avLst>
+              <a:gd name="adj1" fmla="val 50000"/>
+            </a:avLst>
+          </a:prstGeom>
+          <a:ln>
+            <a:tailEnd type="triangle"/>
+          </a:ln>
+        </p:spPr>
+        <p:style>
+          <a:lnRef idx="3">
+            <a:schemeClr val="accent2"/>
+          </a:lnRef>
+          <a:fillRef idx="0">
+            <a:schemeClr val="accent2"/>
+          </a:fillRef>
+          <a:effectRef idx="2">
+            <a:schemeClr val="accent2"/>
+          </a:effectRef>
+          <a:fontRef idx="minor">
+            <a:schemeClr val="tx1"/>
+          </a:fontRef>
+        </p:style>
+      </p:cxnSp>
+      <p:cxnSp>
+        <p:nvCxnSpPr>
+          <p:cNvPr id="110" name="Elbow Connector 109"/>
+          <p:cNvCxnSpPr>
+            <a:endCxn id="19" idx="2"/>
+          </p:cNvCxnSpPr>
+          <p:nvPr/>
+        </p:nvCxnSpPr>
+        <p:spPr>
+          <a:xfrm rot="10800000">
+            <a:off x="3656289" y="1813383"/>
+            <a:ext cx="769014" cy="369515"/>
+          </a:xfrm>
+          <a:prstGeom prst="bentConnector2">
+            <a:avLst/>
+          </a:prstGeom>
+          <a:ln>
+            <a:tailEnd type="triangle"/>
+          </a:ln>
+        </p:spPr>
+        <p:style>
+          <a:lnRef idx="3">
+            <a:schemeClr val="accent2"/>
+          </a:lnRef>
+          <a:fillRef idx="0">
+            <a:schemeClr val="accent2"/>
+          </a:fillRef>
+          <a:effectRef idx="2">
+            <a:schemeClr val="accent2"/>
+          </a:effectRef>
+          <a:fontRef idx="minor">
+            <a:schemeClr val="tx1"/>
+          </a:fontRef>
+        </p:style>
+      </p:cxnSp>
+      <p:cxnSp>
+        <p:nvCxnSpPr>
+          <p:cNvPr id="120" name="Straight Arrow Connector 119"/>
+          <p:cNvCxnSpPr>
+            <a:endCxn id="20" idx="0"/>
+          </p:cNvCxnSpPr>
+          <p:nvPr/>
+        </p:nvCxnSpPr>
+        <p:spPr>
+          <a:xfrm>
+            <a:off x="5582152" y="5380522"/>
+            <a:ext cx="2682" cy="659484"/>
+          </a:xfrm>
+          <a:prstGeom prst="straightConnector1">
+            <a:avLst/>
+          </a:prstGeom>
+          <a:ln>
+            <a:tailEnd type="triangle"/>
+          </a:ln>
+        </p:spPr>
+        <p:style>
+          <a:lnRef idx="3">
+            <a:schemeClr val="accent2"/>
+          </a:lnRef>
+          <a:fillRef idx="0">
+            <a:schemeClr val="accent2"/>
+          </a:fillRef>
+          <a:effectRef idx="2">
+            <a:schemeClr val="accent2"/>
+          </a:effectRef>
+          <a:fontRef idx="minor">
+            <a:schemeClr val="tx1"/>
+          </a:fontRef>
+        </p:style>
+      </p:cxnSp>
+      <p:cxnSp>
+        <p:nvCxnSpPr>
+          <p:cNvPr id="122" name="Straight Arrow Connector 121"/>
+          <p:cNvCxnSpPr>
+            <a:stCxn id="29" idx="0"/>
+            <a:endCxn id="21" idx="2"/>
+          </p:cNvCxnSpPr>
+          <p:nvPr/>
+        </p:nvCxnSpPr>
+        <p:spPr>
+          <a:xfrm flipV="1">
+            <a:off x="5582152" y="1804601"/>
+            <a:ext cx="1" cy="292501"/>
+          </a:xfrm>
+          <a:prstGeom prst="straightConnector1">
+            <a:avLst/>
+          </a:prstGeom>
+          <a:ln>
+            <a:tailEnd type="triangle"/>
+          </a:ln>
+        </p:spPr>
+        <p:style>
+          <a:lnRef idx="3">
+            <a:schemeClr val="accent2"/>
+          </a:lnRef>
+          <a:fillRef idx="0">
+            <a:schemeClr val="accent2"/>
+          </a:fillRef>
+          <a:effectRef idx="2">
+            <a:schemeClr val="accent2"/>
+          </a:effectRef>
+          <a:fontRef idx="minor">
+            <a:schemeClr val="tx1"/>
+          </a:fontRef>
+        </p:style>
+      </p:cxnSp>
+      <p:cxnSp>
+        <p:nvCxnSpPr>
+          <p:cNvPr id="126" name="Elbow Connector 125"/>
+          <p:cNvCxnSpPr>
+            <a:stCxn id="29" idx="3"/>
+          </p:cNvCxnSpPr>
+          <p:nvPr/>
+        </p:nvCxnSpPr>
+        <p:spPr>
+          <a:xfrm flipV="1">
+            <a:off x="6739000" y="1803342"/>
+            <a:ext cx="467460" cy="633051"/>
+          </a:xfrm>
+          <a:prstGeom prst="bentConnector2">
+            <a:avLst/>
+          </a:prstGeom>
+          <a:ln>
+            <a:tailEnd type="triangle"/>
+          </a:ln>
+        </p:spPr>
+        <p:style>
+          <a:lnRef idx="3">
+            <a:schemeClr val="accent2"/>
+          </a:lnRef>
+          <a:fillRef idx="0">
+            <a:schemeClr val="accent2"/>
+          </a:fillRef>
+          <a:effectRef idx="2">
+            <a:schemeClr val="accent2"/>
+          </a:effectRef>
+          <a:fontRef idx="minor">
+            <a:schemeClr val="tx1"/>
+          </a:fontRef>
+        </p:style>
+      </p:cxnSp>
+      <p:cxnSp>
+        <p:nvCxnSpPr>
+          <p:cNvPr id="129" name="Elbow Connector 128"/>
+          <p:cNvCxnSpPr/>
+          <p:nvPr/>
+        </p:nvCxnSpPr>
+        <p:spPr>
+          <a:xfrm rot="5400000">
+            <a:off x="5240122" y="3764575"/>
+            <a:ext cx="4218263" cy="377831"/>
+          </a:xfrm>
+          <a:prstGeom prst="bentConnector3">
+            <a:avLst>
+              <a:gd name="adj1" fmla="val 32658"/>
+            </a:avLst>
+          </a:prstGeom>
+          <a:ln>
+            <a:tailEnd type="triangle"/>
+          </a:ln>
+        </p:spPr>
+        <p:style>
+          <a:lnRef idx="3">
+            <a:schemeClr val="accent2"/>
+          </a:lnRef>
+          <a:fillRef idx="0">
+            <a:schemeClr val="accent2"/>
+          </a:fillRef>
+          <a:effectRef idx="2">
+            <a:schemeClr val="accent2"/>
+          </a:effectRef>
+          <a:fontRef idx="minor">
+            <a:schemeClr val="tx1"/>
+          </a:fontRef>
+        </p:style>
+      </p:cxnSp>
+      <p:sp>
+        <p:nvSpPr>
+          <p:cNvPr id="131" name="Rectangle 130"/>
+          <p:cNvSpPr/>
+          <p:nvPr/>
+        </p:nvSpPr>
+        <p:spPr>
+          <a:xfrm>
+            <a:off x="9088882" y="6064937"/>
+            <a:ext cx="1781139" cy="365426"/>
+          </a:xfrm>
+          <a:prstGeom prst="rect">
+            <a:avLst/>
+          </a:prstGeom>
+          <a:solidFill>
+            <a:schemeClr val="accent1">
+              <a:lumMod val="75000"/>
+            </a:schemeClr>
+          </a:solidFill>
+        </p:spPr>
+        <p:style>
+          <a:lnRef idx="2">
+            <a:schemeClr val="accent1">
+              <a:shade val="50000"/>
+            </a:schemeClr>
+          </a:lnRef>
+          <a:fillRef idx="1">
+            <a:schemeClr val="accent1"/>
+          </a:fillRef>
+          <a:effectRef idx="0">
+            <a:schemeClr val="accent1"/>
+          </a:effectRef>
+          <a:fontRef idx="minor">
+            <a:schemeClr val="lt1"/>
+          </a:fontRef>
+        </p:style>
+        <p:txBody>
+          <a:bodyPr rtlCol="0" anchor="t" anchorCtr="0"/>
+          <a:lstStyle/>
+          <a:p>
+            <a:pPr algn="ctr"/>
+            <a:r>
+              <a:rPr lang="en-US" dirty="0">
+                <a:solidFill>
+                  <a:schemeClr val="accent1">
+                    <a:lumMod val="40000"/>
+                    <a:lumOff val="60000"/>
+                  </a:schemeClr>
+                </a:solidFill>
+              </a:rPr>
+              <a:t>Invoice</a:t>
+            </a:r>
+            <a:endParaRPr lang="en-US" dirty="0">
+              <a:solidFill>
+                <a:schemeClr val="accent1">
+                  <a:lumMod val="40000"/>
+                  <a:lumOff val="60000"/>
+                </a:schemeClr>
+              </a:solidFill>
+            </a:endParaRPr>
+          </a:p>
+        </p:txBody>
+      </p:sp>
+      <p:cxnSp>
+        <p:nvCxnSpPr>
+          <p:cNvPr id="133" name="Straight Arrow Connector 132"/>
+          <p:cNvCxnSpPr/>
+          <p:nvPr/>
+        </p:nvCxnSpPr>
+        <p:spPr>
+          <a:xfrm>
+            <a:off x="9646233" y="2763712"/>
+            <a:ext cx="0" cy="3298910"/>
+          </a:xfrm>
+          <a:prstGeom prst="straightConnector1">
+            <a:avLst/>
+          </a:prstGeom>
+          <a:ln>
+            <a:tailEnd type="triangle"/>
+          </a:ln>
+        </p:spPr>
+        <p:style>
+          <a:lnRef idx="3">
+            <a:schemeClr val="accent2"/>
+          </a:lnRef>
+          <a:fillRef idx="0">
+            <a:schemeClr val="accent2"/>
+          </a:fillRef>
+          <a:effectRef idx="2">
+            <a:schemeClr val="accent2"/>
+          </a:effectRef>
+          <a:fontRef idx="minor">
+            <a:schemeClr val="tx1"/>
+          </a:fontRef>
+        </p:style>
+      </p:cxnSp>
+      <p:cxnSp>
+        <p:nvCxnSpPr>
+          <p:cNvPr id="135" name="Straight Arrow Connector 134"/>
+          <p:cNvCxnSpPr/>
+          <p:nvPr/>
+        </p:nvCxnSpPr>
+        <p:spPr>
+          <a:xfrm flipH="1" flipV="1">
+            <a:off x="10011433" y="2066351"/>
+            <a:ext cx="34970" cy="3996271"/>
+          </a:xfrm>
+          <a:prstGeom prst="straightConnector1">
+            <a:avLst/>
+          </a:prstGeom>
+          <a:ln>
+            <a:tailEnd type="triangle"/>
+          </a:ln>
+        </p:spPr>
+        <p:style>
+          <a:lnRef idx="3">
+            <a:schemeClr val="accent2"/>
+          </a:lnRef>
+          <a:fillRef idx="0">
+            <a:schemeClr val="accent2"/>
+          </a:fillRef>
+          <a:effectRef idx="2">
+            <a:schemeClr val="accent2"/>
+          </a:effectRef>
+          <a:fontRef idx="minor">
+            <a:schemeClr val="tx1"/>
+          </a:fontRef>
+        </p:style>
+      </p:cxnSp>
+      <p:cxnSp>
+        <p:nvCxnSpPr>
+          <p:cNvPr id="137" name="Elbow Connector 136"/>
+          <p:cNvCxnSpPr>
+            <a:stCxn id="26" idx="2"/>
+            <a:endCxn id="27" idx="0"/>
+          </p:cNvCxnSpPr>
+          <p:nvPr/>
+        </p:nvCxnSpPr>
+        <p:spPr>
+          <a:xfrm rot="16200000" flipH="1">
+            <a:off x="10226571" y="2279759"/>
+            <a:ext cx="1006946" cy="624348"/>
+          </a:xfrm>
+          <a:prstGeom prst="bentConnector3">
+            <a:avLst/>
+          </a:prstGeom>
+          <a:ln>
+            <a:tailEnd type="triangle"/>
+          </a:ln>
+        </p:spPr>
+        <p:style>
+          <a:lnRef idx="3">
+            <a:schemeClr val="accent2"/>
+          </a:lnRef>
+          <a:fillRef idx="0">
+            <a:schemeClr val="accent2"/>
+          </a:fillRef>
+          <a:effectRef idx="2">
+            <a:schemeClr val="accent2"/>
+          </a:effectRef>
+          <a:fontRef idx="minor">
+            <a:schemeClr val="tx1"/>
+          </a:fontRef>
+        </p:style>
+      </p:cxnSp>
+      <p:sp>
+        <p:nvSpPr>
+          <p:cNvPr id="138" name="Rectangle 137"/>
+          <p:cNvSpPr/>
+          <p:nvPr/>
+        </p:nvSpPr>
+        <p:spPr>
+          <a:xfrm>
+            <a:off x="10149524" y="4604290"/>
+            <a:ext cx="1781139" cy="365426"/>
+          </a:xfrm>
+          <a:prstGeom prst="rect">
+            <a:avLst/>
+          </a:prstGeom>
+          <a:solidFill>
+            <a:schemeClr val="accent1">
+              <a:lumMod val="40000"/>
+              <a:lumOff val="60000"/>
+            </a:schemeClr>
+          </a:solidFill>
+        </p:spPr>
+        <p:style>
+          <a:lnRef idx="2">
+            <a:schemeClr val="accent1">
+              <a:shade val="50000"/>
+            </a:schemeClr>
+          </a:lnRef>
+          <a:fillRef idx="1">
+            <a:schemeClr val="accent1"/>
+          </a:fillRef>
+          <a:effectRef idx="0">
+            <a:schemeClr val="accent1"/>
+          </a:effectRef>
+          <a:fontRef idx="minor">
+            <a:schemeClr val="lt1"/>
+          </a:fontRef>
+        </p:style>
+        <p:txBody>
+          <a:bodyPr rtlCol="0" anchor="t" anchorCtr="0"/>
+          <a:lstStyle/>
+          <a:p>
+            <a:pPr algn="ctr"/>
+            <a:r>
+              <a:rPr lang="en-US" dirty="0" smtClean="0">
+                <a:solidFill>
+                  <a:schemeClr val="accent1">
+                    <a:lumMod val="50000"/>
+                  </a:schemeClr>
+                </a:solidFill>
+              </a:rPr>
+              <a:t>Payment </a:t>
+            </a:r>
+            <a:r>
+              <a:rPr lang="en-US" dirty="0" err="1" smtClean="0">
+                <a:solidFill>
+                  <a:schemeClr val="accent1">
+                    <a:lumMod val="50000"/>
+                  </a:schemeClr>
+                </a:solidFill>
+              </a:rPr>
+              <a:t>Upd</a:t>
+            </a:r>
+            <a:r>
+              <a:rPr lang="en-US" dirty="0" smtClean="0">
+                <a:solidFill>
+                  <a:schemeClr val="accent1">
+                    <a:lumMod val="50000"/>
+                  </a:schemeClr>
+                </a:solidFill>
+              </a:rPr>
+              <a:t>.</a:t>
+            </a:r>
+            <a:endParaRPr lang="en-US" sz="800" dirty="0">
+              <a:solidFill>
+                <a:schemeClr val="accent1">
+                  <a:lumMod val="50000"/>
+                </a:schemeClr>
+              </a:solidFill>
+            </a:endParaRPr>
+          </a:p>
+        </p:txBody>
+      </p:sp>
+      <p:cxnSp>
+        <p:nvCxnSpPr>
+          <p:cNvPr id="140" name="Straight Arrow Connector 139"/>
+          <p:cNvCxnSpPr>
+            <a:stCxn id="27" idx="2"/>
+          </p:cNvCxnSpPr>
+          <p:nvPr/>
+        </p:nvCxnSpPr>
+        <p:spPr>
+          <a:xfrm>
+            <a:off x="11042218" y="3460832"/>
+            <a:ext cx="8382" cy="1159819"/>
+          </a:xfrm>
+          <a:prstGeom prst="straightConnector1">
+            <a:avLst/>
+          </a:prstGeom>
+          <a:ln>
+            <a:tailEnd type="triangle"/>
+          </a:ln>
+        </p:spPr>
+        <p:style>
+          <a:lnRef idx="3">
+            <a:schemeClr val="accent2"/>
+          </a:lnRef>
+          <a:fillRef idx="0">
+            <a:schemeClr val="accent2"/>
+          </a:fillRef>
+          <a:effectRef idx="2">
+            <a:schemeClr val="accent2"/>
+          </a:effectRef>
+          <a:fontRef idx="minor">
+            <a:schemeClr val="tx1"/>
+          </a:fontRef>
+        </p:style>
+      </p:cxnSp>
     </p:spTree>
     <p:extLst>
       <p:ext uri="{BB962C8B-B14F-4D97-AF65-F5344CB8AC3E}">
         <p14:creationId xmlns:p14="http://schemas.microsoft.com/office/powerpoint/2010/main" val="2968642238"/>
+      </p:ext>
+    </p:extLst>
+  </p:cSld>
+  <p:clrMapOvr>
+    <a:masterClrMapping/>
+  </p:clrMapOvr>
+  <p:timing>
+    <p:tnLst>
+      <p:par>
+        <p:cTn id="1" dur="indefinite" restart="never" nodeType="tmRoot"/>
+      </p:par>
+    </p:tnLst>
+  </p:timing>
+</p:sld>
+</file>
+
+<file path=ppt/slides/slide6.xml><?xml version="1.0" encoding="utf-8"?>
+<p:sld xmlns:a="http://schemas.openxmlformats.org/drawingml/2006/main" xmlns:r="http://schemas.openxmlformats.org/officeDocument/2006/relationships" xmlns:p="http://schemas.openxmlformats.org/presentationml/2006/main">
+  <p:cSld>
+    <p:spTree>
+      <p:nvGrpSpPr>
+        <p:cNvPr id="1" name=""/>
+        <p:cNvGrpSpPr/>
+        <p:nvPr/>
+      </p:nvGrpSpPr>
+      <p:grpSpPr>
+        <a:xfrm>
+          <a:off x="0" y="0"/>
+          <a:ext cx="0" cy="0"/>
+          <a:chOff x="0" y="0"/>
+          <a:chExt cx="0" cy="0"/>
+        </a:xfrm>
+      </p:grpSpPr>
+      <p:sp>
+        <p:nvSpPr>
+          <p:cNvPr id="3" name="Title 1"/>
+          <p:cNvSpPr>
+            <a:spLocks noGrp="1"/>
+          </p:cNvSpPr>
+          <p:nvPr>
+            <p:ph type="title"/>
+          </p:nvPr>
+        </p:nvSpPr>
+        <p:spPr>
+          <a:xfrm>
+            <a:off x="1141413" y="91440"/>
+            <a:ext cx="9905998" cy="914400"/>
+          </a:xfrm>
+        </p:spPr>
+        <p:txBody>
+          <a:bodyPr/>
+          <a:lstStyle/>
+          <a:p>
+            <a:r>
+              <a:rPr lang="en-US" dirty="0" smtClean="0"/>
+              <a:t>Delivery and transportation </a:t>
+            </a:r>
+            <a:r>
+              <a:rPr lang="en-US" dirty="0" smtClean="0"/>
+              <a:t>process</a:t>
+            </a:r>
+            <a:endParaRPr lang="en-US" dirty="0"/>
+          </a:p>
+        </p:txBody>
+      </p:sp>
+      <p:pic>
+        <p:nvPicPr>
+          <p:cNvPr id="4" name="Picture 3"/>
+          <p:cNvPicPr>
+            <a:picLocks noChangeAspect="1"/>
+          </p:cNvPicPr>
+          <p:nvPr/>
+        </p:nvPicPr>
+        <p:blipFill>
+          <a:blip r:embed="rId2"/>
+          <a:stretch>
+            <a:fillRect/>
+          </a:stretch>
+        </p:blipFill>
+        <p:spPr>
+          <a:xfrm>
+            <a:off x="-29624" y="847022"/>
+            <a:ext cx="12221624" cy="6010977"/>
+          </a:xfrm>
+          <a:prstGeom prst="rect">
+            <a:avLst/>
+          </a:prstGeom>
+        </p:spPr>
+      </p:pic>
+    </p:spTree>
+    <p:extLst>
+      <p:ext uri="{BB962C8B-B14F-4D97-AF65-F5344CB8AC3E}">
+        <p14:creationId xmlns:p14="http://schemas.microsoft.com/office/powerpoint/2010/main" val="2108773611"/>
       </p:ext>
     </p:extLst>
   </p:cSld>
